--- a/BioHEL-demo-IWLCS2019.pptx
+++ b/BioHEL-demo-IWLCS2019.pptx
@@ -9,16 +9,17 @@
     <p:sldId id="258" r:id="rId3"/>
     <p:sldId id="259" r:id="rId4"/>
     <p:sldId id="260" r:id="rId5"/>
-    <p:sldId id="261" r:id="rId6"/>
-    <p:sldId id="262" r:id="rId7"/>
-    <p:sldId id="263" r:id="rId8"/>
-    <p:sldId id="264" r:id="rId9"/>
-    <p:sldId id="265" r:id="rId10"/>
-    <p:sldId id="266" r:id="rId11"/>
-    <p:sldId id="267" r:id="rId12"/>
-    <p:sldId id="268" r:id="rId13"/>
-    <p:sldId id="269" r:id="rId14"/>
-    <p:sldId id="270" r:id="rId15"/>
+    <p:sldId id="272" r:id="rId6"/>
+    <p:sldId id="261" r:id="rId7"/>
+    <p:sldId id="262" r:id="rId8"/>
+    <p:sldId id="263" r:id="rId9"/>
+    <p:sldId id="264" r:id="rId10"/>
+    <p:sldId id="265" r:id="rId11"/>
+    <p:sldId id="266" r:id="rId12"/>
+    <p:sldId id="267" r:id="rId13"/>
+    <p:sldId id="268" r:id="rId14"/>
+    <p:sldId id="269" r:id="rId15"/>
+    <p:sldId id="270" r:id="rId16"/>
   </p:sldIdLst>
   <p:sldSz cx="12192000" cy="6858000"/>
   <p:notesSz cx="6858000" cy="9144000"/>
@@ -119,7 +120,7 @@
   </p:defaultTextStyle>
   <p:extLst>
     <p:ext uri="{EFAFB233-063F-42B5-8137-9DF3F51BA10A}">
-      <p15:sldGuideLst xmlns:p15="http://schemas.microsoft.com/office/powerpoint/2012/main" xmlns=""/>
+      <p15:sldGuideLst xmlns="" xmlns:p15="http://schemas.microsoft.com/office/powerpoint/2012/main"/>
     </p:ext>
   </p:extLst>
 </p:presentation>
@@ -147,7 +148,7 @@
           <p:cNvPr id="2" name="Title 1">
             <a:extLst>
               <a:ext uri="{FF2B5EF4-FFF2-40B4-BE49-F238E27FC236}">
-                <a16:creationId xmlns:a16="http://schemas.microsoft.com/office/drawing/2014/main" xmlns="" id="{10A78D3C-4691-4446-8F79-7D9912970C88}"/>
+                <a16:creationId xmlns="" xmlns:a16="http://schemas.microsoft.com/office/drawing/2014/main" id="{10A78D3C-4691-4446-8F79-7D9912970C88}"/>
               </a:ext>
             </a:extLst>
           </p:cNvPr>
@@ -184,7 +185,7 @@
           <p:cNvPr id="3" name="Subtitle 2">
             <a:extLst>
               <a:ext uri="{FF2B5EF4-FFF2-40B4-BE49-F238E27FC236}">
-                <a16:creationId xmlns:a16="http://schemas.microsoft.com/office/drawing/2014/main" xmlns="" id="{ECEB1708-9CAD-3F44-9ED7-A5EE3161716F}"/>
+                <a16:creationId xmlns="" xmlns:a16="http://schemas.microsoft.com/office/drawing/2014/main" id="{ECEB1708-9CAD-3F44-9ED7-A5EE3161716F}"/>
               </a:ext>
             </a:extLst>
           </p:cNvPr>
@@ -254,7 +255,7 @@
           <p:cNvPr id="4" name="Date Placeholder 3">
             <a:extLst>
               <a:ext uri="{FF2B5EF4-FFF2-40B4-BE49-F238E27FC236}">
-                <a16:creationId xmlns:a16="http://schemas.microsoft.com/office/drawing/2014/main" xmlns="" id="{FFCEEF2B-8822-7240-A20D-A8EF2F726B67}"/>
+                <a16:creationId xmlns="" xmlns:a16="http://schemas.microsoft.com/office/drawing/2014/main" id="{FFCEEF2B-8822-7240-A20D-A8EF2F726B67}"/>
               </a:ext>
             </a:extLst>
           </p:cNvPr>
@@ -272,7 +273,7 @@
           <a:p>
             <a:fld id="{73B00BBA-FD82-2042-ABCB-0BC7A24BA098}" type="datetimeFigureOut">
               <a:rPr lang="en-US" smtClean="0"/>
-              <a:t>12/07/19</a:t>
+              <a:t>13/07/19</a:t>
             </a:fld>
             <a:endParaRPr lang="en-US"/>
           </a:p>
@@ -283,7 +284,7 @@
           <p:cNvPr id="5" name="Footer Placeholder 4">
             <a:extLst>
               <a:ext uri="{FF2B5EF4-FFF2-40B4-BE49-F238E27FC236}">
-                <a16:creationId xmlns:a16="http://schemas.microsoft.com/office/drawing/2014/main" xmlns="" id="{75197AF7-1DE5-4145-B326-2BDDDED890CA}"/>
+                <a16:creationId xmlns="" xmlns:a16="http://schemas.microsoft.com/office/drawing/2014/main" id="{75197AF7-1DE5-4145-B326-2BDDDED890CA}"/>
               </a:ext>
             </a:extLst>
           </p:cNvPr>
@@ -308,7 +309,7 @@
           <p:cNvPr id="6" name="Slide Number Placeholder 5">
             <a:extLst>
               <a:ext uri="{FF2B5EF4-FFF2-40B4-BE49-F238E27FC236}">
-                <a16:creationId xmlns:a16="http://schemas.microsoft.com/office/drawing/2014/main" xmlns="" id="{5DEBF323-F490-954C-A591-21E637798700}"/>
+                <a16:creationId xmlns="" xmlns:a16="http://schemas.microsoft.com/office/drawing/2014/main" id="{5DEBF323-F490-954C-A591-21E637798700}"/>
               </a:ext>
             </a:extLst>
           </p:cNvPr>
@@ -367,7 +368,7 @@
           <p:cNvPr id="2" name="Title 1">
             <a:extLst>
               <a:ext uri="{FF2B5EF4-FFF2-40B4-BE49-F238E27FC236}">
-                <a16:creationId xmlns:a16="http://schemas.microsoft.com/office/drawing/2014/main" xmlns="" id="{D973B894-4ABC-BE42-8C69-D719BB317A80}"/>
+                <a16:creationId xmlns="" xmlns:a16="http://schemas.microsoft.com/office/drawing/2014/main" id="{D973B894-4ABC-BE42-8C69-D719BB317A80}"/>
               </a:ext>
             </a:extLst>
           </p:cNvPr>
@@ -395,7 +396,7 @@
           <p:cNvPr id="3" name="Vertical Text Placeholder 2">
             <a:extLst>
               <a:ext uri="{FF2B5EF4-FFF2-40B4-BE49-F238E27FC236}">
-                <a16:creationId xmlns:a16="http://schemas.microsoft.com/office/drawing/2014/main" xmlns="" id="{7A6E45F7-2A93-9642-B20D-6D0214C9B78A}"/>
+                <a16:creationId xmlns="" xmlns:a16="http://schemas.microsoft.com/office/drawing/2014/main" id="{7A6E45F7-2A93-9642-B20D-6D0214C9B78A}"/>
               </a:ext>
             </a:extLst>
           </p:cNvPr>
@@ -452,7 +453,7 @@
           <p:cNvPr id="4" name="Date Placeholder 3">
             <a:extLst>
               <a:ext uri="{FF2B5EF4-FFF2-40B4-BE49-F238E27FC236}">
-                <a16:creationId xmlns:a16="http://schemas.microsoft.com/office/drawing/2014/main" xmlns="" id="{7A58F4D5-67F5-4A43-83D3-140BECF84F76}"/>
+                <a16:creationId xmlns="" xmlns:a16="http://schemas.microsoft.com/office/drawing/2014/main" id="{7A58F4D5-67F5-4A43-83D3-140BECF84F76}"/>
               </a:ext>
             </a:extLst>
           </p:cNvPr>
@@ -470,7 +471,7 @@
           <a:p>
             <a:fld id="{73B00BBA-FD82-2042-ABCB-0BC7A24BA098}" type="datetimeFigureOut">
               <a:rPr lang="en-US" smtClean="0"/>
-              <a:t>12/07/19</a:t>
+              <a:t>13/07/19</a:t>
             </a:fld>
             <a:endParaRPr lang="en-US"/>
           </a:p>
@@ -481,7 +482,7 @@
           <p:cNvPr id="5" name="Footer Placeholder 4">
             <a:extLst>
               <a:ext uri="{FF2B5EF4-FFF2-40B4-BE49-F238E27FC236}">
-                <a16:creationId xmlns:a16="http://schemas.microsoft.com/office/drawing/2014/main" xmlns="" id="{F4E024CA-4B66-D24A-8FE7-18D3F9304F02}"/>
+                <a16:creationId xmlns="" xmlns:a16="http://schemas.microsoft.com/office/drawing/2014/main" id="{F4E024CA-4B66-D24A-8FE7-18D3F9304F02}"/>
               </a:ext>
             </a:extLst>
           </p:cNvPr>
@@ -506,7 +507,7 @@
           <p:cNvPr id="6" name="Slide Number Placeholder 5">
             <a:extLst>
               <a:ext uri="{FF2B5EF4-FFF2-40B4-BE49-F238E27FC236}">
-                <a16:creationId xmlns:a16="http://schemas.microsoft.com/office/drawing/2014/main" xmlns="" id="{0D0A956E-A1B9-1349-9510-83CCA3794AE4}"/>
+                <a16:creationId xmlns="" xmlns:a16="http://schemas.microsoft.com/office/drawing/2014/main" id="{0D0A956E-A1B9-1349-9510-83CCA3794AE4}"/>
               </a:ext>
             </a:extLst>
           </p:cNvPr>
@@ -565,7 +566,7 @@
           <p:cNvPr id="2" name="Vertical Title 1">
             <a:extLst>
               <a:ext uri="{FF2B5EF4-FFF2-40B4-BE49-F238E27FC236}">
-                <a16:creationId xmlns:a16="http://schemas.microsoft.com/office/drawing/2014/main" xmlns="" id="{09BD3CD4-8F14-5A45-8C03-136BA8C454BF}"/>
+                <a16:creationId xmlns="" xmlns:a16="http://schemas.microsoft.com/office/drawing/2014/main" id="{09BD3CD4-8F14-5A45-8C03-136BA8C454BF}"/>
               </a:ext>
             </a:extLst>
           </p:cNvPr>
@@ -598,7 +599,7 @@
           <p:cNvPr id="3" name="Vertical Text Placeholder 2">
             <a:extLst>
               <a:ext uri="{FF2B5EF4-FFF2-40B4-BE49-F238E27FC236}">
-                <a16:creationId xmlns:a16="http://schemas.microsoft.com/office/drawing/2014/main" xmlns="" id="{897FA73D-4895-CC46-BACF-E96B8F68A296}"/>
+                <a16:creationId xmlns="" xmlns:a16="http://schemas.microsoft.com/office/drawing/2014/main" id="{897FA73D-4895-CC46-BACF-E96B8F68A296}"/>
               </a:ext>
             </a:extLst>
           </p:cNvPr>
@@ -660,7 +661,7 @@
           <p:cNvPr id="4" name="Date Placeholder 3">
             <a:extLst>
               <a:ext uri="{FF2B5EF4-FFF2-40B4-BE49-F238E27FC236}">
-                <a16:creationId xmlns:a16="http://schemas.microsoft.com/office/drawing/2014/main" xmlns="" id="{52C8233C-F5AB-674F-A1E4-82E442E970B6}"/>
+                <a16:creationId xmlns="" xmlns:a16="http://schemas.microsoft.com/office/drawing/2014/main" id="{52C8233C-F5AB-674F-A1E4-82E442E970B6}"/>
               </a:ext>
             </a:extLst>
           </p:cNvPr>
@@ -678,7 +679,7 @@
           <a:p>
             <a:fld id="{73B00BBA-FD82-2042-ABCB-0BC7A24BA098}" type="datetimeFigureOut">
               <a:rPr lang="en-US" smtClean="0"/>
-              <a:t>12/07/19</a:t>
+              <a:t>13/07/19</a:t>
             </a:fld>
             <a:endParaRPr lang="en-US"/>
           </a:p>
@@ -689,7 +690,7 @@
           <p:cNvPr id="5" name="Footer Placeholder 4">
             <a:extLst>
               <a:ext uri="{FF2B5EF4-FFF2-40B4-BE49-F238E27FC236}">
-                <a16:creationId xmlns:a16="http://schemas.microsoft.com/office/drawing/2014/main" xmlns="" id="{882AD884-CB7F-E843-8C9C-A927031E311A}"/>
+                <a16:creationId xmlns="" xmlns:a16="http://schemas.microsoft.com/office/drawing/2014/main" id="{882AD884-CB7F-E843-8C9C-A927031E311A}"/>
               </a:ext>
             </a:extLst>
           </p:cNvPr>
@@ -714,7 +715,7 @@
           <p:cNvPr id="6" name="Slide Number Placeholder 5">
             <a:extLst>
               <a:ext uri="{FF2B5EF4-FFF2-40B4-BE49-F238E27FC236}">
-                <a16:creationId xmlns:a16="http://schemas.microsoft.com/office/drawing/2014/main" xmlns="" id="{90BE75E6-BC61-9B40-ACD2-6A57E10323DF}"/>
+                <a16:creationId xmlns="" xmlns:a16="http://schemas.microsoft.com/office/drawing/2014/main" id="{90BE75E6-BC61-9B40-ACD2-6A57E10323DF}"/>
               </a:ext>
             </a:extLst>
           </p:cNvPr>
@@ -773,7 +774,7 @@
           <p:cNvPr id="2" name="Title 1">
             <a:extLst>
               <a:ext uri="{FF2B5EF4-FFF2-40B4-BE49-F238E27FC236}">
-                <a16:creationId xmlns:a16="http://schemas.microsoft.com/office/drawing/2014/main" xmlns="" id="{1A946A37-D5DD-2C47-AED9-95970F4DF05A}"/>
+                <a16:creationId xmlns="" xmlns:a16="http://schemas.microsoft.com/office/drawing/2014/main" id="{1A946A37-D5DD-2C47-AED9-95970F4DF05A}"/>
               </a:ext>
             </a:extLst>
           </p:cNvPr>
@@ -801,7 +802,7 @@
           <p:cNvPr id="3" name="Content Placeholder 2">
             <a:extLst>
               <a:ext uri="{FF2B5EF4-FFF2-40B4-BE49-F238E27FC236}">
-                <a16:creationId xmlns:a16="http://schemas.microsoft.com/office/drawing/2014/main" xmlns="" id="{1C10C95A-98D7-114B-BA2F-09C5E1765913}"/>
+                <a16:creationId xmlns="" xmlns:a16="http://schemas.microsoft.com/office/drawing/2014/main" id="{1C10C95A-98D7-114B-BA2F-09C5E1765913}"/>
               </a:ext>
             </a:extLst>
           </p:cNvPr>
@@ -858,7 +859,7 @@
           <p:cNvPr id="4" name="Date Placeholder 3">
             <a:extLst>
               <a:ext uri="{FF2B5EF4-FFF2-40B4-BE49-F238E27FC236}">
-                <a16:creationId xmlns:a16="http://schemas.microsoft.com/office/drawing/2014/main" xmlns="" id="{60EFB44A-B99A-1342-811A-ED930056AC47}"/>
+                <a16:creationId xmlns="" xmlns:a16="http://schemas.microsoft.com/office/drawing/2014/main" id="{60EFB44A-B99A-1342-811A-ED930056AC47}"/>
               </a:ext>
             </a:extLst>
           </p:cNvPr>
@@ -876,7 +877,7 @@
           <a:p>
             <a:fld id="{73B00BBA-FD82-2042-ABCB-0BC7A24BA098}" type="datetimeFigureOut">
               <a:rPr lang="en-US" smtClean="0"/>
-              <a:t>12/07/19</a:t>
+              <a:t>13/07/19</a:t>
             </a:fld>
             <a:endParaRPr lang="en-US"/>
           </a:p>
@@ -887,7 +888,7 @@
           <p:cNvPr id="5" name="Footer Placeholder 4">
             <a:extLst>
               <a:ext uri="{FF2B5EF4-FFF2-40B4-BE49-F238E27FC236}">
-                <a16:creationId xmlns:a16="http://schemas.microsoft.com/office/drawing/2014/main" xmlns="" id="{E2849F33-2D02-C04C-A856-5204D556693D}"/>
+                <a16:creationId xmlns="" xmlns:a16="http://schemas.microsoft.com/office/drawing/2014/main" id="{E2849F33-2D02-C04C-A856-5204D556693D}"/>
               </a:ext>
             </a:extLst>
           </p:cNvPr>
@@ -912,7 +913,7 @@
           <p:cNvPr id="6" name="Slide Number Placeholder 5">
             <a:extLst>
               <a:ext uri="{FF2B5EF4-FFF2-40B4-BE49-F238E27FC236}">
-                <a16:creationId xmlns:a16="http://schemas.microsoft.com/office/drawing/2014/main" xmlns="" id="{3062D152-43FA-324C-8536-04172FD787D0}"/>
+                <a16:creationId xmlns="" xmlns:a16="http://schemas.microsoft.com/office/drawing/2014/main" id="{3062D152-43FA-324C-8536-04172FD787D0}"/>
               </a:ext>
             </a:extLst>
           </p:cNvPr>
@@ -971,7 +972,7 @@
           <p:cNvPr id="2" name="Title 1">
             <a:extLst>
               <a:ext uri="{FF2B5EF4-FFF2-40B4-BE49-F238E27FC236}">
-                <a16:creationId xmlns:a16="http://schemas.microsoft.com/office/drawing/2014/main" xmlns="" id="{28E228CA-F4D5-494F-99CC-D9F36757148B}"/>
+                <a16:creationId xmlns="" xmlns:a16="http://schemas.microsoft.com/office/drawing/2014/main" id="{28E228CA-F4D5-494F-99CC-D9F36757148B}"/>
               </a:ext>
             </a:extLst>
           </p:cNvPr>
@@ -1008,7 +1009,7 @@
           <p:cNvPr id="3" name="Text Placeholder 2">
             <a:extLst>
               <a:ext uri="{FF2B5EF4-FFF2-40B4-BE49-F238E27FC236}">
-                <a16:creationId xmlns:a16="http://schemas.microsoft.com/office/drawing/2014/main" xmlns="" id="{837589C6-78D8-C543-BDE3-AF2E91FB1639}"/>
+                <a16:creationId xmlns="" xmlns:a16="http://schemas.microsoft.com/office/drawing/2014/main" id="{837589C6-78D8-C543-BDE3-AF2E91FB1639}"/>
               </a:ext>
             </a:extLst>
           </p:cNvPr>
@@ -1133,7 +1134,7 @@
           <p:cNvPr id="4" name="Date Placeholder 3">
             <a:extLst>
               <a:ext uri="{FF2B5EF4-FFF2-40B4-BE49-F238E27FC236}">
-                <a16:creationId xmlns:a16="http://schemas.microsoft.com/office/drawing/2014/main" xmlns="" id="{CD375F1A-07F2-AB44-B82B-084B146D3A24}"/>
+                <a16:creationId xmlns="" xmlns:a16="http://schemas.microsoft.com/office/drawing/2014/main" id="{CD375F1A-07F2-AB44-B82B-084B146D3A24}"/>
               </a:ext>
             </a:extLst>
           </p:cNvPr>
@@ -1151,7 +1152,7 @@
           <a:p>
             <a:fld id="{73B00BBA-FD82-2042-ABCB-0BC7A24BA098}" type="datetimeFigureOut">
               <a:rPr lang="en-US" smtClean="0"/>
-              <a:t>12/07/19</a:t>
+              <a:t>13/07/19</a:t>
             </a:fld>
             <a:endParaRPr lang="en-US"/>
           </a:p>
@@ -1162,7 +1163,7 @@
           <p:cNvPr id="5" name="Footer Placeholder 4">
             <a:extLst>
               <a:ext uri="{FF2B5EF4-FFF2-40B4-BE49-F238E27FC236}">
-                <a16:creationId xmlns:a16="http://schemas.microsoft.com/office/drawing/2014/main" xmlns="" id="{B6DE0CBE-FE27-6347-BB81-F818E67A656D}"/>
+                <a16:creationId xmlns="" xmlns:a16="http://schemas.microsoft.com/office/drawing/2014/main" id="{B6DE0CBE-FE27-6347-BB81-F818E67A656D}"/>
               </a:ext>
             </a:extLst>
           </p:cNvPr>
@@ -1187,7 +1188,7 @@
           <p:cNvPr id="6" name="Slide Number Placeholder 5">
             <a:extLst>
               <a:ext uri="{FF2B5EF4-FFF2-40B4-BE49-F238E27FC236}">
-                <a16:creationId xmlns:a16="http://schemas.microsoft.com/office/drawing/2014/main" xmlns="" id="{AF6DE7AF-38F9-6F4A-B74D-DD18B84C6E4F}"/>
+                <a16:creationId xmlns="" xmlns:a16="http://schemas.microsoft.com/office/drawing/2014/main" id="{AF6DE7AF-38F9-6F4A-B74D-DD18B84C6E4F}"/>
               </a:ext>
             </a:extLst>
           </p:cNvPr>
@@ -1246,7 +1247,7 @@
           <p:cNvPr id="2" name="Title 1">
             <a:extLst>
               <a:ext uri="{FF2B5EF4-FFF2-40B4-BE49-F238E27FC236}">
-                <a16:creationId xmlns:a16="http://schemas.microsoft.com/office/drawing/2014/main" xmlns="" id="{7BE293A7-933D-8449-8975-0B749935973D}"/>
+                <a16:creationId xmlns="" xmlns:a16="http://schemas.microsoft.com/office/drawing/2014/main" id="{7BE293A7-933D-8449-8975-0B749935973D}"/>
               </a:ext>
             </a:extLst>
           </p:cNvPr>
@@ -1274,7 +1275,7 @@
           <p:cNvPr id="3" name="Content Placeholder 2">
             <a:extLst>
               <a:ext uri="{FF2B5EF4-FFF2-40B4-BE49-F238E27FC236}">
-                <a16:creationId xmlns:a16="http://schemas.microsoft.com/office/drawing/2014/main" xmlns="" id="{E963BD29-7A25-5648-99AE-2F0A93A6AF5F}"/>
+                <a16:creationId xmlns="" xmlns:a16="http://schemas.microsoft.com/office/drawing/2014/main" id="{E963BD29-7A25-5648-99AE-2F0A93A6AF5F}"/>
               </a:ext>
             </a:extLst>
           </p:cNvPr>
@@ -1336,7 +1337,7 @@
           <p:cNvPr id="4" name="Content Placeholder 3">
             <a:extLst>
               <a:ext uri="{FF2B5EF4-FFF2-40B4-BE49-F238E27FC236}">
-                <a16:creationId xmlns:a16="http://schemas.microsoft.com/office/drawing/2014/main" xmlns="" id="{885E9014-1553-D744-96CF-A9AEBE863CF0}"/>
+                <a16:creationId xmlns="" xmlns:a16="http://schemas.microsoft.com/office/drawing/2014/main" id="{885E9014-1553-D744-96CF-A9AEBE863CF0}"/>
               </a:ext>
             </a:extLst>
           </p:cNvPr>
@@ -1398,7 +1399,7 @@
           <p:cNvPr id="5" name="Date Placeholder 4">
             <a:extLst>
               <a:ext uri="{FF2B5EF4-FFF2-40B4-BE49-F238E27FC236}">
-                <a16:creationId xmlns:a16="http://schemas.microsoft.com/office/drawing/2014/main" xmlns="" id="{FBF3D960-6704-3F49-B5E5-B38B5927D131}"/>
+                <a16:creationId xmlns="" xmlns:a16="http://schemas.microsoft.com/office/drawing/2014/main" id="{FBF3D960-6704-3F49-B5E5-B38B5927D131}"/>
               </a:ext>
             </a:extLst>
           </p:cNvPr>
@@ -1416,7 +1417,7 @@
           <a:p>
             <a:fld id="{73B00BBA-FD82-2042-ABCB-0BC7A24BA098}" type="datetimeFigureOut">
               <a:rPr lang="en-US" smtClean="0"/>
-              <a:t>12/07/19</a:t>
+              <a:t>13/07/19</a:t>
             </a:fld>
             <a:endParaRPr lang="en-US"/>
           </a:p>
@@ -1427,7 +1428,7 @@
           <p:cNvPr id="6" name="Footer Placeholder 5">
             <a:extLst>
               <a:ext uri="{FF2B5EF4-FFF2-40B4-BE49-F238E27FC236}">
-                <a16:creationId xmlns:a16="http://schemas.microsoft.com/office/drawing/2014/main" xmlns="" id="{B388CCE0-486C-2E4C-803F-6D236C93D200}"/>
+                <a16:creationId xmlns="" xmlns:a16="http://schemas.microsoft.com/office/drawing/2014/main" id="{B388CCE0-486C-2E4C-803F-6D236C93D200}"/>
               </a:ext>
             </a:extLst>
           </p:cNvPr>
@@ -1452,7 +1453,7 @@
           <p:cNvPr id="7" name="Slide Number Placeholder 6">
             <a:extLst>
               <a:ext uri="{FF2B5EF4-FFF2-40B4-BE49-F238E27FC236}">
-                <a16:creationId xmlns:a16="http://schemas.microsoft.com/office/drawing/2014/main" xmlns="" id="{982B5DFC-F145-564E-AF40-89FF8C0DE4DA}"/>
+                <a16:creationId xmlns="" xmlns:a16="http://schemas.microsoft.com/office/drawing/2014/main" id="{982B5DFC-F145-564E-AF40-89FF8C0DE4DA}"/>
               </a:ext>
             </a:extLst>
           </p:cNvPr>
@@ -1511,7 +1512,7 @@
           <p:cNvPr id="2" name="Title 1">
             <a:extLst>
               <a:ext uri="{FF2B5EF4-FFF2-40B4-BE49-F238E27FC236}">
-                <a16:creationId xmlns:a16="http://schemas.microsoft.com/office/drawing/2014/main" xmlns="" id="{726EE2FE-6276-AD49-BA22-B9FFCE29F3A7}"/>
+                <a16:creationId xmlns="" xmlns:a16="http://schemas.microsoft.com/office/drawing/2014/main" id="{726EE2FE-6276-AD49-BA22-B9FFCE29F3A7}"/>
               </a:ext>
             </a:extLst>
           </p:cNvPr>
@@ -1544,7 +1545,7 @@
           <p:cNvPr id="3" name="Text Placeholder 2">
             <a:extLst>
               <a:ext uri="{FF2B5EF4-FFF2-40B4-BE49-F238E27FC236}">
-                <a16:creationId xmlns:a16="http://schemas.microsoft.com/office/drawing/2014/main" xmlns="" id="{FDBD0C0B-02C4-E647-B07B-D405282B04C1}"/>
+                <a16:creationId xmlns="" xmlns:a16="http://schemas.microsoft.com/office/drawing/2014/main" id="{FDBD0C0B-02C4-E647-B07B-D405282B04C1}"/>
               </a:ext>
             </a:extLst>
           </p:cNvPr>
@@ -1615,7 +1616,7 @@
           <p:cNvPr id="4" name="Content Placeholder 3">
             <a:extLst>
               <a:ext uri="{FF2B5EF4-FFF2-40B4-BE49-F238E27FC236}">
-                <a16:creationId xmlns:a16="http://schemas.microsoft.com/office/drawing/2014/main" xmlns="" id="{B84DE536-C133-434E-A4BF-8351E263524D}"/>
+                <a16:creationId xmlns="" xmlns:a16="http://schemas.microsoft.com/office/drawing/2014/main" id="{B84DE536-C133-434E-A4BF-8351E263524D}"/>
               </a:ext>
             </a:extLst>
           </p:cNvPr>
@@ -1677,7 +1678,7 @@
           <p:cNvPr id="5" name="Text Placeholder 4">
             <a:extLst>
               <a:ext uri="{FF2B5EF4-FFF2-40B4-BE49-F238E27FC236}">
-                <a16:creationId xmlns:a16="http://schemas.microsoft.com/office/drawing/2014/main" xmlns="" id="{BA776DB8-48CC-5D4D-9FDA-EBEB89CFE9D7}"/>
+                <a16:creationId xmlns="" xmlns:a16="http://schemas.microsoft.com/office/drawing/2014/main" id="{BA776DB8-48CC-5D4D-9FDA-EBEB89CFE9D7}"/>
               </a:ext>
             </a:extLst>
           </p:cNvPr>
@@ -1748,7 +1749,7 @@
           <p:cNvPr id="6" name="Content Placeholder 5">
             <a:extLst>
               <a:ext uri="{FF2B5EF4-FFF2-40B4-BE49-F238E27FC236}">
-                <a16:creationId xmlns:a16="http://schemas.microsoft.com/office/drawing/2014/main" xmlns="" id="{CA5B9F2B-8A41-6746-A8F6-9DA6C1FDFB98}"/>
+                <a16:creationId xmlns="" xmlns:a16="http://schemas.microsoft.com/office/drawing/2014/main" id="{CA5B9F2B-8A41-6746-A8F6-9DA6C1FDFB98}"/>
               </a:ext>
             </a:extLst>
           </p:cNvPr>
@@ -1810,7 +1811,7 @@
           <p:cNvPr id="7" name="Date Placeholder 6">
             <a:extLst>
               <a:ext uri="{FF2B5EF4-FFF2-40B4-BE49-F238E27FC236}">
-                <a16:creationId xmlns:a16="http://schemas.microsoft.com/office/drawing/2014/main" xmlns="" id="{626F7CCA-7A6E-1049-B899-8BC1305DCFA8}"/>
+                <a16:creationId xmlns="" xmlns:a16="http://schemas.microsoft.com/office/drawing/2014/main" id="{626F7CCA-7A6E-1049-B899-8BC1305DCFA8}"/>
               </a:ext>
             </a:extLst>
           </p:cNvPr>
@@ -1828,7 +1829,7 @@
           <a:p>
             <a:fld id="{73B00BBA-FD82-2042-ABCB-0BC7A24BA098}" type="datetimeFigureOut">
               <a:rPr lang="en-US" smtClean="0"/>
-              <a:t>12/07/19</a:t>
+              <a:t>13/07/19</a:t>
             </a:fld>
             <a:endParaRPr lang="en-US"/>
           </a:p>
@@ -1839,7 +1840,7 @@
           <p:cNvPr id="8" name="Footer Placeholder 7">
             <a:extLst>
               <a:ext uri="{FF2B5EF4-FFF2-40B4-BE49-F238E27FC236}">
-                <a16:creationId xmlns:a16="http://schemas.microsoft.com/office/drawing/2014/main" xmlns="" id="{69DAC914-FF7A-F147-9D76-112E32010000}"/>
+                <a16:creationId xmlns="" xmlns:a16="http://schemas.microsoft.com/office/drawing/2014/main" id="{69DAC914-FF7A-F147-9D76-112E32010000}"/>
               </a:ext>
             </a:extLst>
           </p:cNvPr>
@@ -1864,7 +1865,7 @@
           <p:cNvPr id="9" name="Slide Number Placeholder 8">
             <a:extLst>
               <a:ext uri="{FF2B5EF4-FFF2-40B4-BE49-F238E27FC236}">
-                <a16:creationId xmlns:a16="http://schemas.microsoft.com/office/drawing/2014/main" xmlns="" id="{76DB3900-44F1-8B49-9A75-0AD836562988}"/>
+                <a16:creationId xmlns="" xmlns:a16="http://schemas.microsoft.com/office/drawing/2014/main" id="{76DB3900-44F1-8B49-9A75-0AD836562988}"/>
               </a:ext>
             </a:extLst>
           </p:cNvPr>
@@ -1923,7 +1924,7 @@
           <p:cNvPr id="2" name="Title 1">
             <a:extLst>
               <a:ext uri="{FF2B5EF4-FFF2-40B4-BE49-F238E27FC236}">
-                <a16:creationId xmlns:a16="http://schemas.microsoft.com/office/drawing/2014/main" xmlns="" id="{88D92B51-7ACF-3749-ABCE-EE73EDE46760}"/>
+                <a16:creationId xmlns="" xmlns:a16="http://schemas.microsoft.com/office/drawing/2014/main" id="{88D92B51-7ACF-3749-ABCE-EE73EDE46760}"/>
               </a:ext>
             </a:extLst>
           </p:cNvPr>
@@ -1951,7 +1952,7 @@
           <p:cNvPr id="3" name="Date Placeholder 2">
             <a:extLst>
               <a:ext uri="{FF2B5EF4-FFF2-40B4-BE49-F238E27FC236}">
-                <a16:creationId xmlns:a16="http://schemas.microsoft.com/office/drawing/2014/main" xmlns="" id="{11167956-EA9E-8A46-8D22-0CC167FE7E33}"/>
+                <a16:creationId xmlns="" xmlns:a16="http://schemas.microsoft.com/office/drawing/2014/main" id="{11167956-EA9E-8A46-8D22-0CC167FE7E33}"/>
               </a:ext>
             </a:extLst>
           </p:cNvPr>
@@ -1969,7 +1970,7 @@
           <a:p>
             <a:fld id="{73B00BBA-FD82-2042-ABCB-0BC7A24BA098}" type="datetimeFigureOut">
               <a:rPr lang="en-US" smtClean="0"/>
-              <a:t>12/07/19</a:t>
+              <a:t>13/07/19</a:t>
             </a:fld>
             <a:endParaRPr lang="en-US"/>
           </a:p>
@@ -1980,7 +1981,7 @@
           <p:cNvPr id="4" name="Footer Placeholder 3">
             <a:extLst>
               <a:ext uri="{FF2B5EF4-FFF2-40B4-BE49-F238E27FC236}">
-                <a16:creationId xmlns:a16="http://schemas.microsoft.com/office/drawing/2014/main" xmlns="" id="{2EFDF86E-BE98-7640-8D58-C76CD7DDA9E0}"/>
+                <a16:creationId xmlns="" xmlns:a16="http://schemas.microsoft.com/office/drawing/2014/main" id="{2EFDF86E-BE98-7640-8D58-C76CD7DDA9E0}"/>
               </a:ext>
             </a:extLst>
           </p:cNvPr>
@@ -2005,7 +2006,7 @@
           <p:cNvPr id="5" name="Slide Number Placeholder 4">
             <a:extLst>
               <a:ext uri="{FF2B5EF4-FFF2-40B4-BE49-F238E27FC236}">
-                <a16:creationId xmlns:a16="http://schemas.microsoft.com/office/drawing/2014/main" xmlns="" id="{EED29C18-F4A0-094D-956F-AF186DC5A843}"/>
+                <a16:creationId xmlns="" xmlns:a16="http://schemas.microsoft.com/office/drawing/2014/main" id="{EED29C18-F4A0-094D-956F-AF186DC5A843}"/>
               </a:ext>
             </a:extLst>
           </p:cNvPr>
@@ -2064,7 +2065,7 @@
           <p:cNvPr id="2" name="Date Placeholder 1">
             <a:extLst>
               <a:ext uri="{FF2B5EF4-FFF2-40B4-BE49-F238E27FC236}">
-                <a16:creationId xmlns:a16="http://schemas.microsoft.com/office/drawing/2014/main" xmlns="" id="{E9870A9B-162D-6E45-915E-F806D3D4A122}"/>
+                <a16:creationId xmlns="" xmlns:a16="http://schemas.microsoft.com/office/drawing/2014/main" id="{E9870A9B-162D-6E45-915E-F806D3D4A122}"/>
               </a:ext>
             </a:extLst>
           </p:cNvPr>
@@ -2082,7 +2083,7 @@
           <a:p>
             <a:fld id="{73B00BBA-FD82-2042-ABCB-0BC7A24BA098}" type="datetimeFigureOut">
               <a:rPr lang="en-US" smtClean="0"/>
-              <a:t>12/07/19</a:t>
+              <a:t>13/07/19</a:t>
             </a:fld>
             <a:endParaRPr lang="en-US"/>
           </a:p>
@@ -2093,7 +2094,7 @@
           <p:cNvPr id="3" name="Footer Placeholder 2">
             <a:extLst>
               <a:ext uri="{FF2B5EF4-FFF2-40B4-BE49-F238E27FC236}">
-                <a16:creationId xmlns:a16="http://schemas.microsoft.com/office/drawing/2014/main" xmlns="" id="{AA5C71EF-9DD5-6646-A5C8-B511EFA3C912}"/>
+                <a16:creationId xmlns="" xmlns:a16="http://schemas.microsoft.com/office/drawing/2014/main" id="{AA5C71EF-9DD5-6646-A5C8-B511EFA3C912}"/>
               </a:ext>
             </a:extLst>
           </p:cNvPr>
@@ -2118,7 +2119,7 @@
           <p:cNvPr id="4" name="Slide Number Placeholder 3">
             <a:extLst>
               <a:ext uri="{FF2B5EF4-FFF2-40B4-BE49-F238E27FC236}">
-                <a16:creationId xmlns:a16="http://schemas.microsoft.com/office/drawing/2014/main" xmlns="" id="{6F6F6B6D-09B2-CD42-AFFF-81E26B4C0060}"/>
+                <a16:creationId xmlns="" xmlns:a16="http://schemas.microsoft.com/office/drawing/2014/main" id="{6F6F6B6D-09B2-CD42-AFFF-81E26B4C0060}"/>
               </a:ext>
             </a:extLst>
           </p:cNvPr>
@@ -2177,7 +2178,7 @@
           <p:cNvPr id="2" name="Title 1">
             <a:extLst>
               <a:ext uri="{FF2B5EF4-FFF2-40B4-BE49-F238E27FC236}">
-                <a16:creationId xmlns:a16="http://schemas.microsoft.com/office/drawing/2014/main" xmlns="" id="{FB211EFA-8368-6146-BED9-8CCAE26241FE}"/>
+                <a16:creationId xmlns="" xmlns:a16="http://schemas.microsoft.com/office/drawing/2014/main" id="{FB211EFA-8368-6146-BED9-8CCAE26241FE}"/>
               </a:ext>
             </a:extLst>
           </p:cNvPr>
@@ -2214,7 +2215,7 @@
           <p:cNvPr id="3" name="Content Placeholder 2">
             <a:extLst>
               <a:ext uri="{FF2B5EF4-FFF2-40B4-BE49-F238E27FC236}">
-                <a16:creationId xmlns:a16="http://schemas.microsoft.com/office/drawing/2014/main" xmlns="" id="{2CD70634-E77E-734C-BBAC-F0ADEE0D37C8}"/>
+                <a16:creationId xmlns="" xmlns:a16="http://schemas.microsoft.com/office/drawing/2014/main" id="{2CD70634-E77E-734C-BBAC-F0ADEE0D37C8}"/>
               </a:ext>
             </a:extLst>
           </p:cNvPr>
@@ -2304,7 +2305,7 @@
           <p:cNvPr id="4" name="Text Placeholder 3">
             <a:extLst>
               <a:ext uri="{FF2B5EF4-FFF2-40B4-BE49-F238E27FC236}">
-                <a16:creationId xmlns:a16="http://schemas.microsoft.com/office/drawing/2014/main" xmlns="" id="{2D43618D-EC70-7648-8641-8577D072DFA6}"/>
+                <a16:creationId xmlns="" xmlns:a16="http://schemas.microsoft.com/office/drawing/2014/main" id="{2D43618D-EC70-7648-8641-8577D072DFA6}"/>
               </a:ext>
             </a:extLst>
           </p:cNvPr>
@@ -2375,7 +2376,7 @@
           <p:cNvPr id="5" name="Date Placeholder 4">
             <a:extLst>
               <a:ext uri="{FF2B5EF4-FFF2-40B4-BE49-F238E27FC236}">
-                <a16:creationId xmlns:a16="http://schemas.microsoft.com/office/drawing/2014/main" xmlns="" id="{0351A2A6-DFB8-4241-84D0-D803BE6AE91B}"/>
+                <a16:creationId xmlns="" xmlns:a16="http://schemas.microsoft.com/office/drawing/2014/main" id="{0351A2A6-DFB8-4241-84D0-D803BE6AE91B}"/>
               </a:ext>
             </a:extLst>
           </p:cNvPr>
@@ -2393,7 +2394,7 @@
           <a:p>
             <a:fld id="{73B00BBA-FD82-2042-ABCB-0BC7A24BA098}" type="datetimeFigureOut">
               <a:rPr lang="en-US" smtClean="0"/>
-              <a:t>12/07/19</a:t>
+              <a:t>13/07/19</a:t>
             </a:fld>
             <a:endParaRPr lang="en-US"/>
           </a:p>
@@ -2404,7 +2405,7 @@
           <p:cNvPr id="6" name="Footer Placeholder 5">
             <a:extLst>
               <a:ext uri="{FF2B5EF4-FFF2-40B4-BE49-F238E27FC236}">
-                <a16:creationId xmlns:a16="http://schemas.microsoft.com/office/drawing/2014/main" xmlns="" id="{D2ACA060-27E6-264B-A3EC-21EDB077241D}"/>
+                <a16:creationId xmlns="" xmlns:a16="http://schemas.microsoft.com/office/drawing/2014/main" id="{D2ACA060-27E6-264B-A3EC-21EDB077241D}"/>
               </a:ext>
             </a:extLst>
           </p:cNvPr>
@@ -2429,7 +2430,7 @@
           <p:cNvPr id="7" name="Slide Number Placeholder 6">
             <a:extLst>
               <a:ext uri="{FF2B5EF4-FFF2-40B4-BE49-F238E27FC236}">
-                <a16:creationId xmlns:a16="http://schemas.microsoft.com/office/drawing/2014/main" xmlns="" id="{74762E35-B644-7A48-B760-883A54096477}"/>
+                <a16:creationId xmlns="" xmlns:a16="http://schemas.microsoft.com/office/drawing/2014/main" id="{74762E35-B644-7A48-B760-883A54096477}"/>
               </a:ext>
             </a:extLst>
           </p:cNvPr>
@@ -2488,7 +2489,7 @@
           <p:cNvPr id="2" name="Title 1">
             <a:extLst>
               <a:ext uri="{FF2B5EF4-FFF2-40B4-BE49-F238E27FC236}">
-                <a16:creationId xmlns:a16="http://schemas.microsoft.com/office/drawing/2014/main" xmlns="" id="{6D2BAA0D-B85C-A041-9F3C-8EDEC739A0D6}"/>
+                <a16:creationId xmlns="" xmlns:a16="http://schemas.microsoft.com/office/drawing/2014/main" id="{6D2BAA0D-B85C-A041-9F3C-8EDEC739A0D6}"/>
               </a:ext>
             </a:extLst>
           </p:cNvPr>
@@ -2525,7 +2526,7 @@
           <p:cNvPr id="3" name="Picture Placeholder 2">
             <a:extLst>
               <a:ext uri="{FF2B5EF4-FFF2-40B4-BE49-F238E27FC236}">
-                <a16:creationId xmlns:a16="http://schemas.microsoft.com/office/drawing/2014/main" xmlns="" id="{579B7F52-07ED-E44D-AEFD-A97338B7A948}"/>
+                <a16:creationId xmlns="" xmlns:a16="http://schemas.microsoft.com/office/drawing/2014/main" id="{579B7F52-07ED-E44D-AEFD-A97338B7A948}"/>
               </a:ext>
             </a:extLst>
           </p:cNvPr>
@@ -2592,7 +2593,7 @@
           <p:cNvPr id="4" name="Text Placeholder 3">
             <a:extLst>
               <a:ext uri="{FF2B5EF4-FFF2-40B4-BE49-F238E27FC236}">
-                <a16:creationId xmlns:a16="http://schemas.microsoft.com/office/drawing/2014/main" xmlns="" id="{56CD9600-51D9-A440-B67A-2DA9E69490A9}"/>
+                <a16:creationId xmlns="" xmlns:a16="http://schemas.microsoft.com/office/drawing/2014/main" id="{56CD9600-51D9-A440-B67A-2DA9E69490A9}"/>
               </a:ext>
             </a:extLst>
           </p:cNvPr>
@@ -2663,7 +2664,7 @@
           <p:cNvPr id="5" name="Date Placeholder 4">
             <a:extLst>
               <a:ext uri="{FF2B5EF4-FFF2-40B4-BE49-F238E27FC236}">
-                <a16:creationId xmlns:a16="http://schemas.microsoft.com/office/drawing/2014/main" xmlns="" id="{62ECD93E-13A4-3D42-A9C3-8EBE676A75A2}"/>
+                <a16:creationId xmlns="" xmlns:a16="http://schemas.microsoft.com/office/drawing/2014/main" id="{62ECD93E-13A4-3D42-A9C3-8EBE676A75A2}"/>
               </a:ext>
             </a:extLst>
           </p:cNvPr>
@@ -2681,7 +2682,7 @@
           <a:p>
             <a:fld id="{73B00BBA-FD82-2042-ABCB-0BC7A24BA098}" type="datetimeFigureOut">
               <a:rPr lang="en-US" smtClean="0"/>
-              <a:t>12/07/19</a:t>
+              <a:t>13/07/19</a:t>
             </a:fld>
             <a:endParaRPr lang="en-US"/>
           </a:p>
@@ -2692,7 +2693,7 @@
           <p:cNvPr id="6" name="Footer Placeholder 5">
             <a:extLst>
               <a:ext uri="{FF2B5EF4-FFF2-40B4-BE49-F238E27FC236}">
-                <a16:creationId xmlns:a16="http://schemas.microsoft.com/office/drawing/2014/main" xmlns="" id="{E727FF69-1570-354B-BB57-A8682E0C1183}"/>
+                <a16:creationId xmlns="" xmlns:a16="http://schemas.microsoft.com/office/drawing/2014/main" id="{E727FF69-1570-354B-BB57-A8682E0C1183}"/>
               </a:ext>
             </a:extLst>
           </p:cNvPr>
@@ -2717,7 +2718,7 @@
           <p:cNvPr id="7" name="Slide Number Placeholder 6">
             <a:extLst>
               <a:ext uri="{FF2B5EF4-FFF2-40B4-BE49-F238E27FC236}">
-                <a16:creationId xmlns:a16="http://schemas.microsoft.com/office/drawing/2014/main" xmlns="" id="{0E21989D-3728-8442-8CB6-872EBB6639E9}"/>
+                <a16:creationId xmlns="" xmlns:a16="http://schemas.microsoft.com/office/drawing/2014/main" id="{0E21989D-3728-8442-8CB6-872EBB6639E9}"/>
               </a:ext>
             </a:extLst>
           </p:cNvPr>
@@ -2781,7 +2782,7 @@
           <p:cNvPr id="2" name="Title Placeholder 1">
             <a:extLst>
               <a:ext uri="{FF2B5EF4-FFF2-40B4-BE49-F238E27FC236}">
-                <a16:creationId xmlns:a16="http://schemas.microsoft.com/office/drawing/2014/main" xmlns="" id="{8D39E1EC-0FA0-FE4C-AF31-F425F5C4590A}"/>
+                <a16:creationId xmlns="" xmlns:a16="http://schemas.microsoft.com/office/drawing/2014/main" id="{8D39E1EC-0FA0-FE4C-AF31-F425F5C4590A}"/>
               </a:ext>
             </a:extLst>
           </p:cNvPr>
@@ -2819,7 +2820,7 @@
           <p:cNvPr id="3" name="Text Placeholder 2">
             <a:extLst>
               <a:ext uri="{FF2B5EF4-FFF2-40B4-BE49-F238E27FC236}">
-                <a16:creationId xmlns:a16="http://schemas.microsoft.com/office/drawing/2014/main" xmlns="" id="{BCE4A907-5045-E24D-9441-053DAD8CB147}"/>
+                <a16:creationId xmlns="" xmlns:a16="http://schemas.microsoft.com/office/drawing/2014/main" id="{BCE4A907-5045-E24D-9441-053DAD8CB147}"/>
               </a:ext>
             </a:extLst>
           </p:cNvPr>
@@ -2886,7 +2887,7 @@
           <p:cNvPr id="4" name="Date Placeholder 3">
             <a:extLst>
               <a:ext uri="{FF2B5EF4-FFF2-40B4-BE49-F238E27FC236}">
-                <a16:creationId xmlns:a16="http://schemas.microsoft.com/office/drawing/2014/main" xmlns="" id="{B1113015-24C0-FE42-B7E2-850BF06E4162}"/>
+                <a16:creationId xmlns="" xmlns:a16="http://schemas.microsoft.com/office/drawing/2014/main" id="{B1113015-24C0-FE42-B7E2-850BF06E4162}"/>
               </a:ext>
             </a:extLst>
           </p:cNvPr>
@@ -2924,7 +2925,7 @@
             <a:fld id="{73B00BBA-FD82-2042-ABCB-0BC7A24BA098}" type="datetimeFigureOut">
               <a:rPr lang="en-US" smtClean="0"/>
               <a:pPr/>
-              <a:t>12/07/19</a:t>
+              <a:t>13/07/19</a:t>
             </a:fld>
             <a:endParaRPr lang="en-US" dirty="0"/>
           </a:p>
@@ -2935,7 +2936,7 @@
           <p:cNvPr id="5" name="Footer Placeholder 4">
             <a:extLst>
               <a:ext uri="{FF2B5EF4-FFF2-40B4-BE49-F238E27FC236}">
-                <a16:creationId xmlns:a16="http://schemas.microsoft.com/office/drawing/2014/main" xmlns="" id="{01E43281-7795-9F47-9ACC-6DE77C7DE52E}"/>
+                <a16:creationId xmlns="" xmlns:a16="http://schemas.microsoft.com/office/drawing/2014/main" id="{01E43281-7795-9F47-9ACC-6DE77C7DE52E}"/>
               </a:ext>
             </a:extLst>
           </p:cNvPr>
@@ -2979,7 +2980,7 @@
           <p:cNvPr id="6" name="Slide Number Placeholder 5">
             <a:extLst>
               <a:ext uri="{FF2B5EF4-FFF2-40B4-BE49-F238E27FC236}">
-                <a16:creationId xmlns:a16="http://schemas.microsoft.com/office/drawing/2014/main" xmlns="" id="{E29EDE87-28FC-B14A-B865-C732C19D6812}"/>
+                <a16:creationId xmlns="" xmlns:a16="http://schemas.microsoft.com/office/drawing/2014/main" id="{E29EDE87-28FC-B14A-B865-C732C19D6812}"/>
               </a:ext>
             </a:extLst>
           </p:cNvPr>
@@ -3349,7 +3350,7 @@
           <p:cNvPr id="2" name="Title 1">
             <a:extLst>
               <a:ext uri="{FF2B5EF4-FFF2-40B4-BE49-F238E27FC236}">
-                <a16:creationId xmlns:a16="http://schemas.microsoft.com/office/drawing/2014/main" xmlns="" id="{504A1075-7034-8942-B372-9E50DE782B62}"/>
+                <a16:creationId xmlns="" xmlns:a16="http://schemas.microsoft.com/office/drawing/2014/main" id="{504A1075-7034-8942-B372-9E50DE782B62}"/>
               </a:ext>
             </a:extLst>
           </p:cNvPr>
@@ -3464,7 +3465,7 @@
           <p:cNvPr id="6" name="Picture 10">
             <a:extLst>
               <a:ext uri="{FF2B5EF4-FFF2-40B4-BE49-F238E27FC236}">
-                <a16:creationId xmlns:a16="http://schemas.microsoft.com/office/drawing/2014/main" xmlns="" id="{EC740BD7-0EF9-EE4D-B812-169EFC1A4C8E}"/>
+                <a16:creationId xmlns="" xmlns:a16="http://schemas.microsoft.com/office/drawing/2014/main" id="{EC740BD7-0EF9-EE4D-B812-169EFC1A4C8E}"/>
               </a:ext>
             </a:extLst>
           </p:cNvPr>
@@ -3524,7 +3525,7 @@
           <p:cNvPr id="7" name="Picture 6">
             <a:extLst>
               <a:ext uri="{FF2B5EF4-FFF2-40B4-BE49-F238E27FC236}">
-                <a16:creationId xmlns:a16="http://schemas.microsoft.com/office/drawing/2014/main" xmlns="" id="{9A31D42B-B1A9-D843-80DB-600CA58D8E66}"/>
+                <a16:creationId xmlns="" xmlns:a16="http://schemas.microsoft.com/office/drawing/2014/main" id="{9A31D42B-B1A9-D843-80DB-600CA58D8E66}"/>
               </a:ext>
             </a:extLst>
           </p:cNvPr>
@@ -3581,7 +3582,7 @@
       </p:grpSpPr>
       <p:sp>
         <p:nvSpPr>
-          <p:cNvPr id="5" name="Title 4"/>
+          <p:cNvPr id="2" name="Title 1"/>
           <p:cNvSpPr>
             <a:spLocks noGrp="1"/>
           </p:cNvSpPr>
@@ -3591,7 +3592,7 @@
         </p:nvSpPr>
         <p:spPr>
           <a:xfrm>
-            <a:off x="114397" y="0"/>
+            <a:off x="27356" y="160306"/>
             <a:ext cx="10515600" cy="1325563"/>
           </a:xfrm>
         </p:spPr>
@@ -3601,7 +3602,7 @@
           <a:p>
             <a:r>
               <a:rPr lang="en-US" dirty="0" smtClean="0"/>
-              <a:t>Extract the rule sets (PATH pointing to the scripts directory)</a:t>
+              <a:t>The experiments have run, what now?</a:t>
             </a:r>
             <a:endParaRPr lang="en-US" dirty="0"/>
           </a:p>
@@ -3609,374 +3610,70 @@
       </p:sp>
       <p:sp>
         <p:nvSpPr>
-          <p:cNvPr id="6" name="Content Placeholder 5"/>
+          <p:cNvPr id="3" name="Content Placeholder 2"/>
           <p:cNvSpPr>
             <a:spLocks noGrp="1"/>
           </p:cNvSpPr>
           <p:nvPr>
-            <p:ph idx="1"/>
+            <p:ph sz="half" idx="1"/>
           </p:nvPr>
         </p:nvSpPr>
         <p:spPr>
           <a:xfrm>
-            <a:off x="387530" y="1530385"/>
-            <a:ext cx="12031533" cy="4351338"/>
+            <a:off x="838200" y="1825625"/>
+            <a:ext cx="9704756" cy="4351338"/>
           </a:xfrm>
         </p:spPr>
         <p:txBody>
           <a:bodyPr>
-            <a:noAutofit/>
+            <a:normAutofit/>
           </a:bodyPr>
           <a:lstStyle/>
           <a:p>
-            <a:pPr marL="0" indent="0">
-              <a:buNone/>
-            </a:pPr>
-            <a:r>
-              <a:rPr lang="en-US" sz="900" dirty="0">
-                <a:latin typeface="Courier"/>
-                <a:cs typeface="Courier"/>
-              </a:rPr>
-              <a:t>$ </a:t>
-            </a:r>
-            <a:r>
-              <a:rPr lang="en-US" sz="900" dirty="0" err="1">
-                <a:latin typeface="Courier"/>
-                <a:cs typeface="Courier"/>
-              </a:rPr>
-              <a:t>ls</a:t>
-            </a:r>
-            <a:endParaRPr lang="en-US" sz="900" dirty="0">
-              <a:latin typeface="Courier"/>
-              <a:cs typeface="Courier"/>
-            </a:endParaRPr>
-          </a:p>
-          <a:p>
-            <a:pPr marL="0" indent="0">
-              <a:buNone/>
-            </a:pPr>
-            <a:r>
-              <a:rPr lang="en-US" sz="900" dirty="0" err="1">
-                <a:latin typeface="Courier"/>
-                <a:cs typeface="Courier"/>
-              </a:rPr>
-              <a:t>README.md</a:t>
-            </a:r>
-            <a:r>
-              <a:rPr lang="en-US" sz="900" dirty="0">
-                <a:latin typeface="Courier"/>
-                <a:cs typeface="Courier"/>
-              </a:rPr>
-              <a:t>            test1Fold0rep12.out  test1Fold0rep16.out  test1Fold0rep1.out   test1Fold0rep23.out  test1Fold0rep3.out  test1Fold0rep7.out  TrainFold0</a:t>
-            </a:r>
-          </a:p>
-          <a:p>
-            <a:pPr marL="0" indent="0">
-              <a:buNone/>
-            </a:pPr>
-            <a:r>
-              <a:rPr lang="en-US" sz="900" dirty="0">
-                <a:latin typeface="Courier"/>
-                <a:cs typeface="Courier"/>
-              </a:rPr>
-              <a:t>test1.conf           test1Fold0rep13.out  test1Fold0rep17.out  test1Fold0rep20.out  test1Fold0rep24.out  test1Fold0rep4.out  test1Fold0rep8.out</a:t>
-            </a:r>
-          </a:p>
-          <a:p>
-            <a:pPr marL="0" indent="0">
-              <a:buNone/>
-            </a:pPr>
-            <a:r>
-              <a:rPr lang="en-US" sz="900" dirty="0">
-                <a:latin typeface="Courier"/>
-                <a:cs typeface="Courier"/>
-              </a:rPr>
-              <a:t>test1Fold0rep10.out  test1Fold0rep14.out  test1Fold0rep18.out  test1Fold0rep21.out  test1Fold0rep25.out  test1Fold0rep5.out  test1Fold0rep9.out</a:t>
-            </a:r>
-          </a:p>
-          <a:p>
-            <a:pPr marL="0" indent="0">
-              <a:buNone/>
-            </a:pPr>
-            <a:r>
-              <a:rPr lang="en-US" sz="900" dirty="0">
-                <a:latin typeface="Courier"/>
-                <a:cs typeface="Courier"/>
-              </a:rPr>
-              <a:t>test1Fold0rep11.out  test1Fold0rep15.out  test1Fold0rep19.out  test1Fold0rep22.out  test1Fold0rep2.out   test1Fold0rep6.out  TestFold0</a:t>
-            </a:r>
-          </a:p>
-          <a:p>
-            <a:pPr marL="0" indent="0">
-              <a:buNone/>
-            </a:pPr>
-            <a:r>
-              <a:rPr lang="en-US" sz="900" dirty="0" smtClean="0">
-                <a:latin typeface="Courier"/>
-                <a:cs typeface="Courier"/>
-              </a:rPr>
-              <a:t>$ </a:t>
-            </a:r>
-            <a:r>
-              <a:rPr lang="en-US" sz="900" dirty="0" err="1">
-                <a:latin typeface="Courier"/>
-                <a:cs typeface="Courier"/>
-              </a:rPr>
-              <a:t>extractAllRuleSets.sh</a:t>
-            </a:r>
-            <a:r>
-              <a:rPr lang="en-US" sz="900" dirty="0">
-                <a:latin typeface="Courier"/>
-                <a:cs typeface="Courier"/>
-              </a:rPr>
-              <a:t> </a:t>
-            </a:r>
-          </a:p>
-          <a:p>
-            <a:pPr marL="0" indent="0">
-              <a:buNone/>
-            </a:pPr>
-            <a:r>
-              <a:rPr lang="en-US" sz="900" dirty="0">
-                <a:latin typeface="Courier"/>
-                <a:cs typeface="Courier"/>
-              </a:rPr>
-              <a:t>test1Fold0rep10.out</a:t>
-            </a:r>
-          </a:p>
-          <a:p>
-            <a:pPr marL="0" indent="0">
-              <a:buNone/>
-            </a:pPr>
-            <a:r>
-              <a:rPr lang="en-US" sz="900" dirty="0">
-                <a:latin typeface="Courier"/>
-                <a:cs typeface="Courier"/>
-              </a:rPr>
-              <a:t>test1Fold0rep11.out</a:t>
-            </a:r>
-          </a:p>
-          <a:p>
-            <a:pPr marL="0" indent="0">
-              <a:buNone/>
-            </a:pPr>
-            <a:r>
-              <a:rPr lang="en-US" sz="900" dirty="0" smtClean="0">
-                <a:latin typeface="Courier"/>
-                <a:cs typeface="Courier"/>
-              </a:rPr>
-              <a:t>.</a:t>
-            </a:r>
-          </a:p>
-          <a:p>
-            <a:pPr marL="0" indent="0">
-              <a:buNone/>
-            </a:pPr>
-            <a:r>
-              <a:rPr lang="en-US" sz="900" dirty="0" smtClean="0">
-                <a:latin typeface="Courier"/>
-                <a:cs typeface="Courier"/>
-              </a:rPr>
-              <a:t>.</a:t>
-            </a:r>
-          </a:p>
-          <a:p>
-            <a:pPr marL="0" indent="0">
-              <a:buNone/>
-            </a:pPr>
-            <a:r>
-              <a:rPr lang="en-US" sz="900" dirty="0">
-                <a:latin typeface="Courier"/>
-                <a:cs typeface="Courier"/>
-              </a:rPr>
-              <a:t>.</a:t>
-            </a:r>
-            <a:endParaRPr lang="en-US" sz="900" dirty="0">
-              <a:latin typeface="Courier"/>
-              <a:cs typeface="Courier"/>
-            </a:endParaRPr>
-          </a:p>
-          <a:p>
-            <a:pPr marL="0" indent="0">
-              <a:buNone/>
-            </a:pPr>
-            <a:r>
-              <a:rPr lang="en-US" sz="900" dirty="0">
-                <a:latin typeface="Courier"/>
-                <a:cs typeface="Courier"/>
-              </a:rPr>
-              <a:t>test1Fold0rep9.out</a:t>
-            </a:r>
-          </a:p>
-          <a:p>
-            <a:pPr marL="0" indent="0">
-              <a:buNone/>
-            </a:pPr>
-            <a:r>
-              <a:rPr lang="en-US" sz="900" dirty="0">
-                <a:latin typeface="Courier"/>
-                <a:cs typeface="Courier"/>
-              </a:rPr>
-              <a:t>18scompd223 ~/research/</a:t>
-            </a:r>
-            <a:r>
-              <a:rPr lang="en-US" sz="900" dirty="0" err="1">
-                <a:latin typeface="Courier"/>
-                <a:cs typeface="Courier"/>
-              </a:rPr>
-              <a:t>src</a:t>
-            </a:r>
-            <a:r>
-              <a:rPr lang="en-US" sz="900" dirty="0">
-                <a:latin typeface="Courier"/>
-                <a:cs typeface="Courier"/>
-              </a:rPr>
-              <a:t>/</a:t>
-            </a:r>
-            <a:r>
-              <a:rPr lang="en-US" sz="900" dirty="0" err="1">
-                <a:latin typeface="Courier"/>
-                <a:cs typeface="Courier"/>
-              </a:rPr>
+            <a:pPr marL="514350" indent="-514350">
+              <a:buFont typeface="+mj-lt"/>
+              <a:buAutoNum type="arabicPeriod"/>
+            </a:pPr>
+            <a:r>
+              <a:rPr lang="en-US" sz="3200" dirty="0" smtClean="0"/>
+              <a:t>Extract the rule sets out of the </a:t>
+            </a:r>
+            <a:r>
+              <a:rPr lang="en-US" sz="3200" dirty="0" err="1" smtClean="0"/>
               <a:t>BioHEL</a:t>
             </a:r>
             <a:r>
-              <a:rPr lang="en-US" sz="900" dirty="0">
-                <a:latin typeface="Courier"/>
-                <a:cs typeface="Courier"/>
-              </a:rPr>
-              <a:t>-demo/demo $ </a:t>
-            </a:r>
-            <a:r>
-              <a:rPr lang="en-US" sz="900" dirty="0" err="1">
-                <a:latin typeface="Courier"/>
-                <a:cs typeface="Courier"/>
-              </a:rPr>
-              <a:t>ls</a:t>
-            </a:r>
-            <a:endParaRPr lang="en-US" sz="900" dirty="0">
-              <a:latin typeface="Courier"/>
-              <a:cs typeface="Courier"/>
-            </a:endParaRPr>
-          </a:p>
-          <a:p>
-            <a:pPr marL="0" indent="0">
-              <a:buNone/>
-            </a:pPr>
-            <a:r>
-              <a:rPr lang="en-US" sz="900" dirty="0" err="1">
-                <a:latin typeface="Courier"/>
-                <a:cs typeface="Courier"/>
-              </a:rPr>
-              <a:t>README.md</a:t>
-            </a:r>
-            <a:r>
-              <a:rPr lang="en-US" sz="900" dirty="0">
-                <a:latin typeface="Courier"/>
-                <a:cs typeface="Courier"/>
-              </a:rPr>
-              <a:t>                  rules_test1Fold0rep17.dat  rules_test1Fold0rep24.dat  rules_test1Fold0rep8.dat  test1Fold0rep15.out  test1Fold0rep22.out  test1Fold0rep6.out</a:t>
-            </a:r>
-          </a:p>
-          <a:p>
-            <a:pPr marL="0" indent="0">
-              <a:buNone/>
-            </a:pPr>
-            <a:r>
-              <a:rPr lang="en-US" sz="900" dirty="0">
-                <a:latin typeface="Courier"/>
-                <a:cs typeface="Courier"/>
-              </a:rPr>
-              <a:t>rules_test1Fold0rep10.dat  rules_test1Fold0rep18.dat  rules_test1Fold0rep25.dat  rules_test1Fold0rep9.dat  test1Fold0rep16.out  test1Fold0rep23.out  test1Fold0rep7.out</a:t>
-            </a:r>
-          </a:p>
-          <a:p>
-            <a:pPr marL="0" indent="0">
-              <a:buNone/>
-            </a:pPr>
-            <a:r>
-              <a:rPr lang="en-US" sz="900" dirty="0">
-                <a:latin typeface="Courier"/>
-                <a:cs typeface="Courier"/>
-              </a:rPr>
-              <a:t>rules_test1Fold0rep11.dat  rules_test1Fold0rep19.dat  rules_test1Fold0rep2.dat   test1.conf                test1Fold0rep17.out  test1Fold0rep24.out  test1Fold0rep8.out</a:t>
-            </a:r>
-          </a:p>
-          <a:p>
-            <a:pPr marL="0" indent="0">
-              <a:buNone/>
-            </a:pPr>
-            <a:r>
-              <a:rPr lang="en-US" sz="900" dirty="0">
-                <a:latin typeface="Courier"/>
-                <a:cs typeface="Courier"/>
-              </a:rPr>
-              <a:t>rules_test1Fold0rep12.dat  rules_test1Fold0rep1.dat   rules_test1Fold0rep3.dat   test1Fold0rep10.out       test1Fold0rep18.out  test1Fold0rep25.out  test1Fold0rep9.out</a:t>
-            </a:r>
-          </a:p>
-          <a:p>
-            <a:pPr marL="0" indent="0">
-              <a:buNone/>
-            </a:pPr>
-            <a:r>
-              <a:rPr lang="en-US" sz="900" dirty="0">
-                <a:latin typeface="Courier"/>
-                <a:cs typeface="Courier"/>
-              </a:rPr>
-              <a:t>rules_test1Fold0rep13.dat  rules_test1Fold0rep20.dat  rules_test1Fold0rep4.dat   test1Fold0rep11.out       test1Fold0rep19.out  test1Fold0rep2.out   TestFold0</a:t>
-            </a:r>
-          </a:p>
-          <a:p>
-            <a:pPr marL="0" indent="0">
-              <a:buNone/>
-            </a:pPr>
-            <a:r>
-              <a:rPr lang="en-US" sz="900" dirty="0">
-                <a:latin typeface="Courier"/>
-                <a:cs typeface="Courier"/>
-              </a:rPr>
-              <a:t>rules_test1Fold0rep14.dat  rules_test1Fold0rep21.dat  rules_test1Fold0rep5.dat   test1Fold0rep12.out       test1Fold0rep1.out   test1Fold0rep3.out   TrainFold0</a:t>
-            </a:r>
-          </a:p>
-          <a:p>
-            <a:pPr marL="0" indent="0">
-              <a:buNone/>
-            </a:pPr>
-            <a:r>
-              <a:rPr lang="en-US" sz="900" dirty="0">
-                <a:latin typeface="Courier"/>
-                <a:cs typeface="Courier"/>
-              </a:rPr>
-              <a:t>rules_test1Fold0rep15.dat  rules_test1Fold0rep22.dat  rules_test1Fold0rep6.dat   test1Fold0rep13.out       test1Fold0rep20.out  test1Fold0rep4.out</a:t>
-            </a:r>
-          </a:p>
-          <a:p>
-            <a:pPr marL="0" indent="0">
-              <a:buNone/>
-            </a:pPr>
-            <a:r>
-              <a:rPr lang="en-US" sz="900" dirty="0">
-                <a:latin typeface="Courier"/>
-                <a:cs typeface="Courier"/>
-              </a:rPr>
-              <a:t>rules_test1Fold0rep16.dat  rules_test1Fold0rep23.dat  rules_test1Fold0rep7.dat   test1Fold0rep14.out       test1Fold0rep21.out  test1Fold0rep5.out</a:t>
-            </a:r>
-          </a:p>
-          <a:p>
-            <a:pPr marL="0" indent="0">
-              <a:buNone/>
-            </a:pPr>
-            <a:endParaRPr lang="en-US" sz="900" dirty="0">
-              <a:latin typeface="Courier"/>
-              <a:cs typeface="Courier"/>
-            </a:endParaRPr>
+              <a:rPr lang="en-US" sz="3200" dirty="0" smtClean="0"/>
+              <a:t> output files</a:t>
+            </a:r>
+          </a:p>
+          <a:p>
+            <a:pPr marL="514350" indent="-514350">
+              <a:buFont typeface="+mj-lt"/>
+              <a:buAutoNum type="arabicPeriod"/>
+            </a:pPr>
+            <a:r>
+              <a:rPr lang="en-US" sz="3200" dirty="0" smtClean="0"/>
+              <a:t>Use all of these rule sets as an ensemble and predict again all samples of the test set</a:t>
+            </a:r>
+          </a:p>
+          <a:p>
+            <a:pPr marL="514350" indent="-514350">
+              <a:buFont typeface="+mj-lt"/>
+              <a:buAutoNum type="arabicPeriod"/>
+            </a:pPr>
+            <a:r>
+              <a:rPr lang="en-US" sz="3200" dirty="0" smtClean="0"/>
+              <a:t>Compute the predictive performance/confusion matrix of these test predictions</a:t>
+            </a:r>
+            <a:endParaRPr lang="en-US" sz="3200" dirty="0"/>
           </a:p>
         </p:txBody>
       </p:sp>
     </p:spTree>
     <p:extLst>
       <p:ext uri="{BB962C8B-B14F-4D97-AF65-F5344CB8AC3E}">
-        <p14:creationId xmlns:p14="http://schemas.microsoft.com/office/powerpoint/2010/main" val="1677855022"/>
+        <p14:creationId xmlns:p14="http://schemas.microsoft.com/office/powerpoint/2010/main" val="1045534884"/>
       </p:ext>
     </p:extLst>
   </p:cSld>
@@ -4005,7 +3702,7 @@
       </p:grpSpPr>
       <p:sp>
         <p:nvSpPr>
-          <p:cNvPr id="2" name="Title 1"/>
+          <p:cNvPr id="5" name="Title 4"/>
           <p:cNvSpPr>
             <a:spLocks noGrp="1"/>
           </p:cNvSpPr>
@@ -4015,7 +3712,7 @@
         </p:nvSpPr>
         <p:spPr>
           <a:xfrm>
-            <a:off x="141710" y="-183534"/>
+            <a:off x="114397" y="0"/>
             <a:ext cx="10515600" cy="1325563"/>
           </a:xfrm>
         </p:spPr>
@@ -4025,7 +3722,7 @@
           <a:p>
             <a:r>
               <a:rPr lang="en-US" dirty="0" smtClean="0"/>
-              <a:t>A rule set file</a:t>
+              <a:t>Extract the rule sets (PATH pointing to the scripts directory)</a:t>
             </a:r>
             <a:endParaRPr lang="en-US" dirty="0"/>
           </a:p>
@@ -4033,7 +3730,7 @@
       </p:sp>
       <p:sp>
         <p:nvSpPr>
-          <p:cNvPr id="3" name="Content Placeholder 2"/>
+          <p:cNvPr id="6" name="Content Placeholder 5"/>
           <p:cNvSpPr>
             <a:spLocks noGrp="1"/>
           </p:cNvSpPr>
@@ -4043,13 +3740,13 @@
         </p:nvSpPr>
         <p:spPr>
           <a:xfrm>
-            <a:off x="141710" y="1165253"/>
-            <a:ext cx="11521094" cy="5498170"/>
+            <a:off x="387530" y="1530385"/>
+            <a:ext cx="12031533" cy="4351338"/>
           </a:xfrm>
         </p:spPr>
         <p:txBody>
           <a:bodyPr>
-            <a:normAutofit fontScale="55000" lnSpcReduction="20000"/>
+            <a:noAutofit/>
           </a:bodyPr>
           <a:lstStyle/>
           <a:p>
@@ -4057,749 +3754,346 @@
               <a:buNone/>
             </a:pPr>
             <a:r>
-              <a:rPr lang="en-US" dirty="0" smtClean="0"/>
+              <a:rPr lang="en-US" sz="900" dirty="0">
+                <a:latin typeface="Courier"/>
+                <a:cs typeface="Courier"/>
+              </a:rPr>
               <a:t>$ </a:t>
             </a:r>
             <a:r>
-              <a:rPr lang="en-US" dirty="0"/>
-              <a:t>head rules_test1Fold0rep1.dat </a:t>
-            </a:r>
-          </a:p>
-          <a:p>
-            <a:pPr marL="0" indent="0">
-              <a:buNone/>
-            </a:pPr>
-            <a:r>
-              <a:rPr lang="en-US" dirty="0" err="1"/>
-              <a:t>Att</a:t>
-            </a:r>
-            <a:r>
-              <a:rPr lang="en-US" dirty="0"/>
-              <a:t> X10x22 is [&gt;28.093348]|</a:t>
-            </a:r>
-            <a:r>
-              <a:rPr lang="en-US" dirty="0" err="1"/>
-              <a:t>Att</a:t>
-            </a:r>
-            <a:r>
-              <a:rPr lang="en-US" dirty="0"/>
-              <a:t> X11x4 is [&lt;238.569153]|</a:t>
-            </a:r>
-            <a:r>
-              <a:rPr lang="en-US" dirty="0" err="1"/>
-              <a:t>Att</a:t>
-            </a:r>
-            <a:r>
-              <a:rPr lang="en-US" dirty="0"/>
-              <a:t> X13x9 is [&gt;112.024353]|</a:t>
-            </a:r>
-            <a:r>
-              <a:rPr lang="en-US" dirty="0" err="1"/>
-              <a:t>Att</a:t>
-            </a:r>
-            <a:r>
-              <a:rPr lang="en-US" dirty="0"/>
-              <a:t> X13x17 is [&lt;220.221649]|</a:t>
-            </a:r>
-            <a:r>
-              <a:rPr lang="en-US" dirty="0" err="1"/>
-              <a:t>Att</a:t>
-            </a:r>
-            <a:r>
-              <a:rPr lang="en-US" dirty="0"/>
-              <a:t> X15x23 is [&gt;68.420822]|</a:t>
-            </a:r>
-            <a:r>
-              <a:rPr lang="en-US" dirty="0" err="1"/>
-              <a:t>Att</a:t>
-            </a:r>
-            <a:r>
-              <a:rPr lang="en-US" dirty="0"/>
-              <a:t> X17x11 is [&lt;235.057236]|</a:t>
-            </a:r>
-            <a:r>
-              <a:rPr lang="en-US" dirty="0" err="1"/>
-              <a:t>Att</a:t>
-            </a:r>
-            <a:r>
-              <a:rPr lang="en-US" dirty="0"/>
-              <a:t> X18x21 is [&gt;89.765793]|</a:t>
-            </a:r>
-            <a:r>
-              <a:rPr lang="en-US" dirty="0" err="1"/>
-              <a:t>Att</a:t>
-            </a:r>
-            <a:r>
-              <a:rPr lang="en-US" dirty="0"/>
-              <a:t> X19x7 is [&gt;64.713676]|</a:t>
-            </a:r>
-            <a:r>
-              <a:rPr lang="en-US" dirty="0" err="1"/>
-              <a:t>Att</a:t>
-            </a:r>
-            <a:r>
-              <a:rPr lang="en-US" dirty="0"/>
-              <a:t> X24x12 is [&gt;65.696175]|0</a:t>
-            </a:r>
-          </a:p>
-          <a:p>
-            <a:pPr marL="0" indent="0">
-              <a:buNone/>
-            </a:pPr>
-            <a:r>
-              <a:rPr lang="en-US" dirty="0" err="1"/>
-              <a:t>Att</a:t>
-            </a:r>
-            <a:r>
-              <a:rPr lang="en-US" dirty="0"/>
-              <a:t> X5x17 is [&gt;75.034363]|</a:t>
-            </a:r>
-            <a:r>
-              <a:rPr lang="en-US" dirty="0" err="1"/>
-              <a:t>Att</a:t>
-            </a:r>
-            <a:r>
-              <a:rPr lang="en-US" dirty="0"/>
-              <a:t> X6x20 is [&lt;218.502716]|</a:t>
-            </a:r>
-            <a:r>
-              <a:rPr lang="en-US" dirty="0" err="1"/>
-              <a:t>Att</a:t>
-            </a:r>
-            <a:r>
-              <a:rPr lang="en-US" dirty="0"/>
-              <a:t> X11x18 is [&lt;0.000000]|</a:t>
-            </a:r>
-            <a:r>
-              <a:rPr lang="en-US" dirty="0" err="1"/>
-              <a:t>Att</a:t>
-            </a:r>
-            <a:r>
-              <a:rPr lang="en-US" dirty="0"/>
-              <a:t> X16x20 is [&gt;165.218063]|</a:t>
-            </a:r>
-            <a:r>
-              <a:rPr lang="en-US" dirty="0" err="1"/>
-              <a:t>Att</a:t>
-            </a:r>
-            <a:r>
-              <a:rPr lang="en-US" dirty="0"/>
-              <a:t> X16x27 is [&lt;188.070068]|</a:t>
-            </a:r>
-            <a:r>
-              <a:rPr lang="en-US" dirty="0" err="1"/>
-              <a:t>Att</a:t>
-            </a:r>
-            <a:r>
-              <a:rPr lang="en-US" dirty="0"/>
-              <a:t> X17x14 is [&gt;81.901314]|</a:t>
-            </a:r>
-            <a:r>
-              <a:rPr lang="en-US" dirty="0" err="1"/>
-              <a:t>Att</a:t>
-            </a:r>
-            <a:r>
-              <a:rPr lang="en-US" dirty="0"/>
-              <a:t> X19x13 is [&gt;145.838638]|</a:t>
-            </a:r>
-            <a:r>
-              <a:rPr lang="en-US" dirty="0" err="1"/>
-              <a:t>Att</a:t>
-            </a:r>
-            <a:r>
-              <a:rPr lang="en-US" dirty="0"/>
-              <a:t> X21x8 is [&lt;65.981895]|</a:t>
-            </a:r>
-            <a:r>
-              <a:rPr lang="en-US" dirty="0" err="1"/>
-              <a:t>Att</a:t>
-            </a:r>
-            <a:r>
-              <a:rPr lang="en-US" dirty="0"/>
-              <a:t> X23x19 is [&lt;177.192368]|6</a:t>
-            </a:r>
-          </a:p>
-          <a:p>
-            <a:pPr marL="0" indent="0">
-              <a:buNone/>
-            </a:pPr>
-            <a:r>
-              <a:rPr lang="en-US" dirty="0" err="1"/>
-              <a:t>Att</a:t>
-            </a:r>
-            <a:r>
-              <a:rPr lang="en-US" dirty="0"/>
-              <a:t> X8x11 is [&lt;252.815414]|</a:t>
-            </a:r>
-            <a:r>
-              <a:rPr lang="en-US" dirty="0" err="1"/>
-              <a:t>Att</a:t>
-            </a:r>
-            <a:r>
-              <a:rPr lang="en-US" dirty="0"/>
-              <a:t> X8x20 is [&gt;76.711205]|</a:t>
-            </a:r>
-            <a:r>
-              <a:rPr lang="en-US" dirty="0" err="1"/>
-              <a:t>Att</a:t>
-            </a:r>
-            <a:r>
-              <a:rPr lang="en-US" dirty="0"/>
-              <a:t> X9x18 is [&gt;3.508859]|</a:t>
-            </a:r>
-            <a:r>
-              <a:rPr lang="en-US" dirty="0" err="1"/>
-              <a:t>Att</a:t>
-            </a:r>
-            <a:r>
-              <a:rPr lang="en-US" dirty="0"/>
-              <a:t> X12x17 is [&lt;158.681580]|</a:t>
-            </a:r>
-            <a:r>
-              <a:rPr lang="en-US" dirty="0" err="1"/>
-              <a:t>Att</a:t>
-            </a:r>
-            <a:r>
-              <a:rPr lang="en-US" dirty="0"/>
-              <a:t> X12x22 is [&gt;114.972229]|</a:t>
-            </a:r>
-            <a:r>
-              <a:rPr lang="en-US" dirty="0" err="1"/>
-              <a:t>Att</a:t>
-            </a:r>
-            <a:r>
-              <a:rPr lang="en-US" dirty="0"/>
-              <a:t> X14x9 is [&gt;18.219933]|</a:t>
-            </a:r>
-            <a:r>
-              <a:rPr lang="en-US" dirty="0" err="1"/>
-              <a:t>Att</a:t>
-            </a:r>
-            <a:r>
-              <a:rPr lang="en-US" dirty="0"/>
-              <a:t> X15x18 is [&lt;95.900986]|</a:t>
-            </a:r>
-            <a:r>
-              <a:rPr lang="en-US" dirty="0" err="1"/>
-              <a:t>Att</a:t>
-            </a:r>
-            <a:r>
-              <a:rPr lang="en-US" dirty="0"/>
-              <a:t> X17x8 is [&gt;13.328730]|</a:t>
-            </a:r>
-            <a:r>
-              <a:rPr lang="en-US" dirty="0" err="1"/>
-              <a:t>Att</a:t>
-            </a:r>
-            <a:r>
-              <a:rPr lang="en-US" dirty="0"/>
-              <a:t> X17x21 is [&gt;30.318712]|</a:t>
-            </a:r>
-            <a:r>
-              <a:rPr lang="en-US" dirty="0" err="1"/>
-              <a:t>Att</a:t>
-            </a:r>
-            <a:r>
-              <a:rPr lang="en-US" dirty="0"/>
-              <a:t> X23x10 is [&gt;31.441572]|0</a:t>
-            </a:r>
-          </a:p>
-          <a:p>
-            <a:pPr marL="0" indent="0">
-              <a:buNone/>
-            </a:pPr>
-            <a:r>
-              <a:rPr lang="en-US" dirty="0" err="1"/>
-              <a:t>Att</a:t>
-            </a:r>
-            <a:r>
-              <a:rPr lang="en-US" dirty="0"/>
-              <a:t> X9x22 is [&lt;161.314056]|</a:t>
-            </a:r>
-            <a:r>
-              <a:rPr lang="en-US" dirty="0" err="1"/>
-              <a:t>Att</a:t>
-            </a:r>
-            <a:r>
-              <a:rPr lang="en-US" dirty="0"/>
-              <a:t> X11x18 is [&lt;164.772339]|</a:t>
-            </a:r>
-            <a:r>
-              <a:rPr lang="en-US" dirty="0" err="1"/>
-              <a:t>Att</a:t>
-            </a:r>
-            <a:r>
-              <a:rPr lang="en-US" dirty="0"/>
-              <a:t> X12x9 is [&lt;68.596794]|</a:t>
-            </a:r>
-            <a:r>
-              <a:rPr lang="en-US" dirty="0" err="1"/>
-              <a:t>Att</a:t>
-            </a:r>
-            <a:r>
-              <a:rPr lang="en-US" dirty="0"/>
-              <a:t> X13x11 is [&gt;62.873333]|</a:t>
-            </a:r>
-            <a:r>
-              <a:rPr lang="en-US" dirty="0" err="1"/>
-              <a:t>Att</a:t>
-            </a:r>
-            <a:r>
-              <a:rPr lang="en-US" dirty="0"/>
-              <a:t> X15x16 is [&gt;47.050545]|</a:t>
-            </a:r>
-            <a:r>
-              <a:rPr lang="en-US" dirty="0" err="1"/>
-              <a:t>Att</a:t>
-            </a:r>
-            <a:r>
-              <a:rPr lang="en-US" dirty="0"/>
-              <a:t> X16x11 is [&gt;158.092819]|</a:t>
-            </a:r>
-            <a:r>
-              <a:rPr lang="en-US" dirty="0" err="1"/>
-              <a:t>Att</a:t>
-            </a:r>
-            <a:r>
-              <a:rPr lang="en-US" dirty="0"/>
-              <a:t> X19x12 is [&gt;98.049377]|</a:t>
-            </a:r>
-            <a:r>
-              <a:rPr lang="en-US" dirty="0" err="1"/>
-              <a:t>Att</a:t>
-            </a:r>
-            <a:r>
-              <a:rPr lang="en-US" dirty="0"/>
-              <a:t> X19x19 is [&gt;177.886169]|</a:t>
-            </a:r>
-            <a:r>
-              <a:rPr lang="en-US" dirty="0" err="1"/>
-              <a:t>Att</a:t>
-            </a:r>
-            <a:r>
-              <a:rPr lang="en-US" dirty="0"/>
-              <a:t> X21x16 is [&gt;91.673332]|</a:t>
-            </a:r>
-            <a:r>
-              <a:rPr lang="en-US" dirty="0" err="1"/>
-              <a:t>Att</a:t>
-            </a:r>
-            <a:r>
-              <a:rPr lang="en-US" dirty="0"/>
-              <a:t> X24x13 is [&lt;0.000000]|6</a:t>
-            </a:r>
-          </a:p>
-          <a:p>
-            <a:pPr marL="0" indent="0">
-              <a:buNone/>
-            </a:pPr>
-            <a:r>
-              <a:rPr lang="en-US" dirty="0" err="1"/>
-              <a:t>Att</a:t>
-            </a:r>
-            <a:r>
-              <a:rPr lang="en-US" dirty="0"/>
-              <a:t> X10x7 is [&gt;6.055946]|</a:t>
-            </a:r>
-            <a:r>
-              <a:rPr lang="en-US" dirty="0" err="1"/>
-              <a:t>Att</a:t>
-            </a:r>
-            <a:r>
-              <a:rPr lang="en-US" dirty="0"/>
-              <a:t> X10x19 is [&gt;51.134369]|</a:t>
-            </a:r>
-            <a:r>
-              <a:rPr lang="en-US" dirty="0" err="1"/>
-              <a:t>Att</a:t>
-            </a:r>
-            <a:r>
-              <a:rPr lang="en-US" dirty="0"/>
-              <a:t> X11x11 is [&gt;87.384544]|</a:t>
-            </a:r>
-            <a:r>
-              <a:rPr lang="en-US" dirty="0" err="1"/>
-              <a:t>Att</a:t>
-            </a:r>
-            <a:r>
-              <a:rPr lang="en-US" dirty="0"/>
-              <a:t> X11x16 is [&gt;0.484161]|</a:t>
-            </a:r>
-            <a:r>
-              <a:rPr lang="en-US" dirty="0" err="1"/>
-              <a:t>Att</a:t>
-            </a:r>
-            <a:r>
-              <a:rPr lang="en-US" dirty="0"/>
-              <a:t> X13x15 is [&lt;235.868332]|</a:t>
-            </a:r>
-            <a:r>
-              <a:rPr lang="en-US" dirty="0" err="1"/>
-              <a:t>Att</a:t>
-            </a:r>
-            <a:r>
-              <a:rPr lang="en-US" dirty="0"/>
-              <a:t> X16x13 is [&lt;0.000000]|</a:t>
-            </a:r>
-            <a:r>
-              <a:rPr lang="en-US" dirty="0" err="1"/>
-              <a:t>Att</a:t>
-            </a:r>
-            <a:r>
-              <a:rPr lang="en-US" dirty="0"/>
-              <a:t> X19x20 is [&lt;80.263817]|</a:t>
-            </a:r>
-            <a:r>
-              <a:rPr lang="en-US" dirty="0" err="1"/>
-              <a:t>Att</a:t>
-            </a:r>
-            <a:r>
-              <a:rPr lang="en-US" dirty="0"/>
-              <a:t> X20x22 is [&lt;235.509308]|</a:t>
-            </a:r>
-            <a:r>
-              <a:rPr lang="en-US" dirty="0" err="1"/>
-              <a:t>Att</a:t>
-            </a:r>
-            <a:r>
-              <a:rPr lang="en-US" dirty="0"/>
-              <a:t> X21x22 is [&lt;166.797318]|7</a:t>
-            </a:r>
-          </a:p>
-          <a:p>
-            <a:pPr marL="0" indent="0">
-              <a:buNone/>
-            </a:pPr>
-            <a:r>
-              <a:rPr lang="en-US" dirty="0" err="1"/>
-              <a:t>Att</a:t>
-            </a:r>
-            <a:r>
-              <a:rPr lang="en-US" dirty="0"/>
-              <a:t> X7x15 is [&gt;3.314911]|</a:t>
-            </a:r>
-            <a:r>
-              <a:rPr lang="en-US" dirty="0" err="1"/>
-              <a:t>Att</a:t>
-            </a:r>
-            <a:r>
-              <a:rPr lang="en-US" dirty="0"/>
-              <a:t> X13x17 is [&lt;3.628872]|</a:t>
-            </a:r>
-            <a:r>
-              <a:rPr lang="en-US" dirty="0" err="1"/>
-              <a:t>Att</a:t>
-            </a:r>
-            <a:r>
-              <a:rPr lang="en-US" dirty="0"/>
-              <a:t> X16x8 is [&gt;124.701294]|</a:t>
-            </a:r>
-            <a:r>
-              <a:rPr lang="en-US" dirty="0" err="1"/>
-              <a:t>Att</a:t>
-            </a:r>
-            <a:r>
-              <a:rPr lang="en-US" dirty="0"/>
-              <a:t> X16x17 is [&lt;0.000000]|</a:t>
-            </a:r>
-            <a:r>
-              <a:rPr lang="en-US" dirty="0" err="1"/>
-              <a:t>Att</a:t>
-            </a:r>
-            <a:r>
-              <a:rPr lang="en-US" dirty="0"/>
-              <a:t> X17x12 is [&lt;165.184128]|</a:t>
-            </a:r>
-            <a:r>
-              <a:rPr lang="en-US" dirty="0" err="1"/>
-              <a:t>Att</a:t>
-            </a:r>
-            <a:r>
-              <a:rPr lang="en-US" dirty="0"/>
-              <a:t> X19x22 is [&gt;195.117081]|</a:t>
-            </a:r>
-            <a:r>
-              <a:rPr lang="en-US" dirty="0" err="1"/>
-              <a:t>Att</a:t>
-            </a:r>
-            <a:r>
-              <a:rPr lang="en-US" dirty="0"/>
-              <a:t> X20x14 is [&lt;121.442223]|0</a:t>
-            </a:r>
-          </a:p>
-          <a:p>
-            <a:pPr marL="0" indent="0">
-              <a:buNone/>
-            </a:pPr>
-            <a:r>
-              <a:rPr lang="en-US" dirty="0" err="1"/>
-              <a:t>Att</a:t>
-            </a:r>
-            <a:r>
-              <a:rPr lang="en-US" dirty="0"/>
-              <a:t> X10x23 is [&lt;145.689911]|</a:t>
-            </a:r>
-            <a:r>
-              <a:rPr lang="en-US" dirty="0" err="1"/>
-              <a:t>Att</a:t>
-            </a:r>
-            <a:r>
-              <a:rPr lang="en-US" dirty="0"/>
-              <a:t> X11x21 is [&gt;82.312256]|</a:t>
-            </a:r>
-            <a:r>
-              <a:rPr lang="en-US" dirty="0" err="1"/>
-              <a:t>Att</a:t>
-            </a:r>
-            <a:r>
-              <a:rPr lang="en-US" dirty="0"/>
-              <a:t> X15x10 is [&gt;171.899384]|</a:t>
-            </a:r>
-            <a:r>
-              <a:rPr lang="en-US" dirty="0" err="1"/>
-              <a:t>Att</a:t>
-            </a:r>
-            <a:r>
-              <a:rPr lang="en-US" dirty="0"/>
-              <a:t> X15x13 is [&lt;10.252256]|</a:t>
-            </a:r>
-            <a:r>
-              <a:rPr lang="en-US" dirty="0" err="1"/>
-              <a:t>Att</a:t>
-            </a:r>
-            <a:r>
-              <a:rPr lang="en-US" dirty="0"/>
-              <a:t> X18x15 is [&lt;0.000000]|</a:t>
-            </a:r>
-            <a:r>
-              <a:rPr lang="en-US" dirty="0" err="1"/>
-              <a:t>Att</a:t>
-            </a:r>
-            <a:r>
-              <a:rPr lang="en-US" dirty="0"/>
-              <a:t> X18x24 is [&lt;173.719864]|</a:t>
-            </a:r>
-            <a:r>
-              <a:rPr lang="en-US" dirty="0" err="1"/>
-              <a:t>Att</a:t>
-            </a:r>
-            <a:r>
-              <a:rPr lang="en-US" dirty="0"/>
-              <a:t> X23x11 is [&gt;156.670639]|0</a:t>
-            </a:r>
-          </a:p>
-          <a:p>
-            <a:pPr marL="0" indent="0">
-              <a:buNone/>
-            </a:pPr>
-            <a:r>
-              <a:rPr lang="en-US" dirty="0" err="1"/>
-              <a:t>Att</a:t>
-            </a:r>
-            <a:r>
-              <a:rPr lang="en-US" dirty="0"/>
-              <a:t> X4x16 is [&gt;0.243688]|</a:t>
-            </a:r>
-            <a:r>
-              <a:rPr lang="en-US" dirty="0" err="1"/>
-              <a:t>Att</a:t>
-            </a:r>
-            <a:r>
-              <a:rPr lang="en-US" dirty="0"/>
-              <a:t> X8x18 is [&lt;161.434006]|</a:t>
-            </a:r>
-            <a:r>
-              <a:rPr lang="en-US" dirty="0" err="1"/>
-              <a:t>Att</a:t>
-            </a:r>
-            <a:r>
-              <a:rPr lang="en-US" dirty="0"/>
-              <a:t> X12x11 is [&gt;124.984222]|</a:t>
-            </a:r>
-            <a:r>
-              <a:rPr lang="en-US" dirty="0" err="1"/>
-              <a:t>Att</a:t>
-            </a:r>
-            <a:r>
-              <a:rPr lang="en-US" dirty="0"/>
-              <a:t> X15x17 is [&gt;87.880379]|</a:t>
-            </a:r>
-            <a:r>
-              <a:rPr lang="en-US" dirty="0" err="1"/>
-              <a:t>Att</a:t>
-            </a:r>
-            <a:r>
-              <a:rPr lang="en-US" dirty="0"/>
-              <a:t> X17x9 is [&gt;49.992168]|</a:t>
-            </a:r>
-            <a:r>
-              <a:rPr lang="en-US" dirty="0" err="1"/>
-              <a:t>Att</a:t>
-            </a:r>
-            <a:r>
-              <a:rPr lang="en-US" dirty="0"/>
-              <a:t> X21x13 is [&gt;158.043808]|6</a:t>
-            </a:r>
-          </a:p>
-          <a:p>
-            <a:pPr marL="0" indent="0">
-              <a:buNone/>
-            </a:pPr>
-            <a:r>
-              <a:rPr lang="en-US" dirty="0" err="1"/>
-              <a:t>Att</a:t>
-            </a:r>
-            <a:r>
-              <a:rPr lang="en-US" dirty="0"/>
-              <a:t> X9x10 is [&gt;193.611679]|</a:t>
-            </a:r>
-            <a:r>
-              <a:rPr lang="en-US" dirty="0" err="1"/>
-              <a:t>Att</a:t>
-            </a:r>
-            <a:r>
-              <a:rPr lang="en-US" dirty="0"/>
-              <a:t> X10x13 is [&gt;101.181999]|</a:t>
-            </a:r>
-            <a:r>
-              <a:rPr lang="en-US" dirty="0" err="1"/>
-              <a:t>Att</a:t>
-            </a:r>
-            <a:r>
-              <a:rPr lang="en-US" dirty="0"/>
-              <a:t> X14x13 is [&lt;166.309311]|</a:t>
-            </a:r>
-            <a:r>
-              <a:rPr lang="en-US" dirty="0" err="1"/>
-              <a:t>Att</a:t>
-            </a:r>
-            <a:r>
-              <a:rPr lang="en-US" dirty="0"/>
-              <a:t> X16x13 is [&lt;24.845459]|</a:t>
-            </a:r>
-            <a:r>
-              <a:rPr lang="en-US" dirty="0" err="1"/>
-              <a:t>Att</a:t>
-            </a:r>
-            <a:r>
-              <a:rPr lang="en-US" dirty="0"/>
-              <a:t> X19x16 is [&gt;116.028320]|</a:t>
-            </a:r>
-            <a:r>
-              <a:rPr lang="en-US" dirty="0" err="1"/>
-              <a:t>Att</a:t>
-            </a:r>
-            <a:r>
-              <a:rPr lang="en-US" dirty="0"/>
-              <a:t> X26x12 is [&gt;36.771595]|7</a:t>
-            </a:r>
-          </a:p>
-          <a:p>
-            <a:pPr marL="0" indent="0">
-              <a:buNone/>
-            </a:pPr>
-            <a:r>
-              <a:rPr lang="en-US" dirty="0" err="1"/>
-              <a:t>Att</a:t>
-            </a:r>
-            <a:r>
-              <a:rPr lang="en-US" dirty="0"/>
-              <a:t> X3x12 is [&lt;249.905151]|</a:t>
-            </a:r>
-            <a:r>
-              <a:rPr lang="en-US" dirty="0" err="1"/>
-              <a:t>Att</a:t>
-            </a:r>
-            <a:r>
-              <a:rPr lang="en-US" dirty="0"/>
-              <a:t> X5x13 is [&gt;6.543748]|</a:t>
-            </a:r>
-            <a:r>
-              <a:rPr lang="en-US" dirty="0" err="1"/>
-              <a:t>Att</a:t>
-            </a:r>
-            <a:r>
-              <a:rPr lang="en-US" dirty="0"/>
-              <a:t> X11x15 is [&lt;236.782028]|</a:t>
-            </a:r>
-            <a:r>
-              <a:rPr lang="en-US" dirty="0" err="1"/>
-              <a:t>Att</a:t>
-            </a:r>
-            <a:r>
-              <a:rPr lang="en-US" dirty="0"/>
-              <a:t> X13x8 is [&lt;0.000000]|</a:t>
-            </a:r>
-            <a:r>
-              <a:rPr lang="en-US" dirty="0" err="1"/>
-              <a:t>Att</a:t>
-            </a:r>
-            <a:r>
-              <a:rPr lang="en-US" dirty="0"/>
-              <a:t> X20x14 is [&gt;158.256897]|</a:t>
-            </a:r>
-            <a:r>
-              <a:rPr lang="en-US" dirty="0" err="1"/>
-              <a:t>Att</a:t>
-            </a:r>
-            <a:r>
-              <a:rPr lang="en-US" dirty="0"/>
-              <a:t> X21x8 is [94.353569,254.338348]|</a:t>
-            </a:r>
-            <a:r>
-              <a:rPr lang="en-US" dirty="0" err="1"/>
-              <a:t>Att</a:t>
-            </a:r>
-            <a:r>
-              <a:rPr lang="en-US" dirty="0"/>
-              <a:t> X22x17 is [&lt;146.934280]|</a:t>
-            </a:r>
-            <a:r>
-              <a:rPr lang="en-US" dirty="0" err="1"/>
-              <a:t>Att</a:t>
-            </a:r>
-            <a:r>
-              <a:rPr lang="en-US" dirty="0"/>
-              <a:t> X23x11 is [&lt;176.656723]|2</a:t>
-            </a:r>
-          </a:p>
-          <a:p>
-            <a:pPr marL="0" indent="0">
-              <a:buNone/>
-            </a:pPr>
-            <a:r>
-              <a:rPr lang="en-US" dirty="0" smtClean="0"/>
-              <a:t>$ </a:t>
-            </a:r>
-            <a:r>
-              <a:rPr lang="en-US" dirty="0"/>
-              <a:t>tail -1 rules_test1Fold0rep1.dat </a:t>
-            </a:r>
-          </a:p>
-          <a:p>
-            <a:pPr marL="0" indent="0">
-              <a:buNone/>
-            </a:pPr>
-            <a:r>
-              <a:rPr lang="en-US" dirty="0"/>
-              <a:t>Default rule -&gt; 1</a:t>
-            </a:r>
-          </a:p>
-          <a:p>
-            <a:pPr marL="0" indent="0">
-              <a:buNone/>
-            </a:pPr>
-            <a:endParaRPr lang="en-US" dirty="0">
+              <a:rPr lang="en-US" sz="900" dirty="0" err="1">
+                <a:latin typeface="Courier"/>
+                <a:cs typeface="Courier"/>
+              </a:rPr>
+              <a:t>ls</a:t>
+            </a:r>
+            <a:endParaRPr lang="en-US" sz="900" dirty="0">
               <a:latin typeface="Courier"/>
               <a:cs typeface="Courier"/>
             </a:endParaRPr>
           </a:p>
+          <a:p>
+            <a:pPr marL="0" indent="0">
+              <a:buNone/>
+            </a:pPr>
+            <a:r>
+              <a:rPr lang="en-US" sz="900" dirty="0" err="1">
+                <a:latin typeface="Courier"/>
+                <a:cs typeface="Courier"/>
+              </a:rPr>
+              <a:t>README.md</a:t>
+            </a:r>
+            <a:r>
+              <a:rPr lang="en-US" sz="900" dirty="0">
+                <a:latin typeface="Courier"/>
+                <a:cs typeface="Courier"/>
+              </a:rPr>
+              <a:t>            test1Fold0rep12.out  test1Fold0rep16.out  test1Fold0rep1.out   test1Fold0rep23.out  test1Fold0rep3.out  test1Fold0rep7.out  TrainFold0</a:t>
+            </a:r>
+          </a:p>
+          <a:p>
+            <a:pPr marL="0" indent="0">
+              <a:buNone/>
+            </a:pPr>
+            <a:r>
+              <a:rPr lang="en-US" sz="900" dirty="0">
+                <a:latin typeface="Courier"/>
+                <a:cs typeface="Courier"/>
+              </a:rPr>
+              <a:t>test1.conf           test1Fold0rep13.out  test1Fold0rep17.out  test1Fold0rep20.out  test1Fold0rep24.out  test1Fold0rep4.out  test1Fold0rep8.out</a:t>
+            </a:r>
+          </a:p>
+          <a:p>
+            <a:pPr marL="0" indent="0">
+              <a:buNone/>
+            </a:pPr>
+            <a:r>
+              <a:rPr lang="en-US" sz="900" dirty="0">
+                <a:latin typeface="Courier"/>
+                <a:cs typeface="Courier"/>
+              </a:rPr>
+              <a:t>test1Fold0rep10.out  test1Fold0rep14.out  test1Fold0rep18.out  test1Fold0rep21.out  test1Fold0rep25.out  test1Fold0rep5.out  test1Fold0rep9.out</a:t>
+            </a:r>
+          </a:p>
+          <a:p>
+            <a:pPr marL="0" indent="0">
+              <a:buNone/>
+            </a:pPr>
+            <a:r>
+              <a:rPr lang="en-US" sz="900" dirty="0">
+                <a:latin typeface="Courier"/>
+                <a:cs typeface="Courier"/>
+              </a:rPr>
+              <a:t>test1Fold0rep11.out  test1Fold0rep15.out  test1Fold0rep19.out  test1Fold0rep22.out  test1Fold0rep2.out   test1Fold0rep6.out  TestFold0</a:t>
+            </a:r>
+          </a:p>
+          <a:p>
+            <a:pPr marL="0" indent="0">
+              <a:buNone/>
+            </a:pPr>
+            <a:r>
+              <a:rPr lang="en-US" sz="900" dirty="0" smtClean="0">
+                <a:latin typeface="Courier"/>
+                <a:cs typeface="Courier"/>
+              </a:rPr>
+              <a:t>$ </a:t>
+            </a:r>
+            <a:r>
+              <a:rPr lang="en-US" sz="900" dirty="0" err="1">
+                <a:latin typeface="Courier"/>
+                <a:cs typeface="Courier"/>
+              </a:rPr>
+              <a:t>extractAllRuleSets.sh</a:t>
+            </a:r>
+            <a:r>
+              <a:rPr lang="en-US" sz="900" dirty="0">
+                <a:latin typeface="Courier"/>
+                <a:cs typeface="Courier"/>
+              </a:rPr>
+              <a:t> </a:t>
+            </a:r>
+          </a:p>
+          <a:p>
+            <a:pPr marL="0" indent="0">
+              <a:buNone/>
+            </a:pPr>
+            <a:r>
+              <a:rPr lang="en-US" sz="900" dirty="0">
+                <a:latin typeface="Courier"/>
+                <a:cs typeface="Courier"/>
+              </a:rPr>
+              <a:t>test1Fold0rep10.out</a:t>
+            </a:r>
+          </a:p>
+          <a:p>
+            <a:pPr marL="0" indent="0">
+              <a:buNone/>
+            </a:pPr>
+            <a:r>
+              <a:rPr lang="en-US" sz="900" dirty="0">
+                <a:latin typeface="Courier"/>
+                <a:cs typeface="Courier"/>
+              </a:rPr>
+              <a:t>test1Fold0rep11.out</a:t>
+            </a:r>
+          </a:p>
+          <a:p>
+            <a:pPr marL="0" indent="0">
+              <a:buNone/>
+            </a:pPr>
+            <a:r>
+              <a:rPr lang="en-US" sz="900" dirty="0" smtClean="0">
+                <a:latin typeface="Courier"/>
+                <a:cs typeface="Courier"/>
+              </a:rPr>
+              <a:t>.</a:t>
+            </a:r>
+          </a:p>
+          <a:p>
+            <a:pPr marL="0" indent="0">
+              <a:buNone/>
+            </a:pPr>
+            <a:r>
+              <a:rPr lang="en-US" sz="900" dirty="0" smtClean="0">
+                <a:latin typeface="Courier"/>
+                <a:cs typeface="Courier"/>
+              </a:rPr>
+              <a:t>.</a:t>
+            </a:r>
+          </a:p>
+          <a:p>
+            <a:pPr marL="0" indent="0">
+              <a:buNone/>
+            </a:pPr>
+            <a:r>
+              <a:rPr lang="en-US" sz="900" dirty="0">
+                <a:latin typeface="Courier"/>
+                <a:cs typeface="Courier"/>
+              </a:rPr>
+              <a:t>.</a:t>
+            </a:r>
+          </a:p>
+          <a:p>
+            <a:pPr marL="0" indent="0">
+              <a:buNone/>
+            </a:pPr>
+            <a:r>
+              <a:rPr lang="en-US" sz="900" dirty="0">
+                <a:latin typeface="Courier"/>
+                <a:cs typeface="Courier"/>
+              </a:rPr>
+              <a:t>test1Fold0rep9.out</a:t>
+            </a:r>
+          </a:p>
+          <a:p>
+            <a:pPr marL="0" indent="0">
+              <a:buNone/>
+            </a:pPr>
+            <a:r>
+              <a:rPr lang="en-US" sz="900" dirty="0">
+                <a:latin typeface="Courier"/>
+                <a:cs typeface="Courier"/>
+              </a:rPr>
+              <a:t>18scompd223 ~/research/</a:t>
+            </a:r>
+            <a:r>
+              <a:rPr lang="en-US" sz="900" dirty="0" err="1">
+                <a:latin typeface="Courier"/>
+                <a:cs typeface="Courier"/>
+              </a:rPr>
+              <a:t>src</a:t>
+            </a:r>
+            <a:r>
+              <a:rPr lang="en-US" sz="900" dirty="0">
+                <a:latin typeface="Courier"/>
+                <a:cs typeface="Courier"/>
+              </a:rPr>
+              <a:t>/</a:t>
+            </a:r>
+            <a:r>
+              <a:rPr lang="en-US" sz="900" dirty="0" err="1">
+                <a:latin typeface="Courier"/>
+                <a:cs typeface="Courier"/>
+              </a:rPr>
+              <a:t>BioHEL</a:t>
+            </a:r>
+            <a:r>
+              <a:rPr lang="en-US" sz="900" dirty="0">
+                <a:latin typeface="Courier"/>
+                <a:cs typeface="Courier"/>
+              </a:rPr>
+              <a:t>-demo/demo $ </a:t>
+            </a:r>
+            <a:r>
+              <a:rPr lang="en-US" sz="900" dirty="0" err="1">
+                <a:latin typeface="Courier"/>
+                <a:cs typeface="Courier"/>
+              </a:rPr>
+              <a:t>ls</a:t>
+            </a:r>
+            <a:endParaRPr lang="en-US" sz="900" dirty="0">
+              <a:latin typeface="Courier"/>
+              <a:cs typeface="Courier"/>
+            </a:endParaRPr>
+          </a:p>
+          <a:p>
+            <a:pPr marL="0" indent="0">
+              <a:buNone/>
+            </a:pPr>
+            <a:r>
+              <a:rPr lang="en-US" sz="900" dirty="0" err="1">
+                <a:latin typeface="Courier"/>
+                <a:cs typeface="Courier"/>
+              </a:rPr>
+              <a:t>README.md</a:t>
+            </a:r>
+            <a:r>
+              <a:rPr lang="en-US" sz="900" dirty="0">
+                <a:latin typeface="Courier"/>
+                <a:cs typeface="Courier"/>
+              </a:rPr>
+              <a:t>                  rules_test1Fold0rep17.dat  rules_test1Fold0rep24.dat  rules_test1Fold0rep8.dat  test1Fold0rep15.out  test1Fold0rep22.out  test1Fold0rep6.out</a:t>
+            </a:r>
+          </a:p>
+          <a:p>
+            <a:pPr marL="0" indent="0">
+              <a:buNone/>
+            </a:pPr>
+            <a:r>
+              <a:rPr lang="en-US" sz="900" dirty="0">
+                <a:latin typeface="Courier"/>
+                <a:cs typeface="Courier"/>
+              </a:rPr>
+              <a:t>rules_test1Fold0rep10.dat  rules_test1Fold0rep18.dat  rules_test1Fold0rep25.dat  rules_test1Fold0rep9.dat  test1Fold0rep16.out  test1Fold0rep23.out  test1Fold0rep7.out</a:t>
+            </a:r>
+          </a:p>
+          <a:p>
+            <a:pPr marL="0" indent="0">
+              <a:buNone/>
+            </a:pPr>
+            <a:r>
+              <a:rPr lang="en-US" sz="900" dirty="0">
+                <a:latin typeface="Courier"/>
+                <a:cs typeface="Courier"/>
+              </a:rPr>
+              <a:t>rules_test1Fold0rep11.dat  rules_test1Fold0rep19.dat  rules_test1Fold0rep2.dat   test1.conf                test1Fold0rep17.out  test1Fold0rep24.out  test1Fold0rep8.out</a:t>
+            </a:r>
+          </a:p>
+          <a:p>
+            <a:pPr marL="0" indent="0">
+              <a:buNone/>
+            </a:pPr>
+            <a:r>
+              <a:rPr lang="en-US" sz="900" dirty="0">
+                <a:latin typeface="Courier"/>
+                <a:cs typeface="Courier"/>
+              </a:rPr>
+              <a:t>rules_test1Fold0rep12.dat  rules_test1Fold0rep1.dat   rules_test1Fold0rep3.dat   test1Fold0rep10.out       test1Fold0rep18.out  test1Fold0rep25.out  test1Fold0rep9.out</a:t>
+            </a:r>
+          </a:p>
+          <a:p>
+            <a:pPr marL="0" indent="0">
+              <a:buNone/>
+            </a:pPr>
+            <a:r>
+              <a:rPr lang="en-US" sz="900" dirty="0">
+                <a:latin typeface="Courier"/>
+                <a:cs typeface="Courier"/>
+              </a:rPr>
+              <a:t>rules_test1Fold0rep13.dat  rules_test1Fold0rep20.dat  rules_test1Fold0rep4.dat   test1Fold0rep11.out       test1Fold0rep19.out  test1Fold0rep2.out   TestFold0</a:t>
+            </a:r>
+          </a:p>
+          <a:p>
+            <a:pPr marL="0" indent="0">
+              <a:buNone/>
+            </a:pPr>
+            <a:r>
+              <a:rPr lang="en-US" sz="900" dirty="0">
+                <a:latin typeface="Courier"/>
+                <a:cs typeface="Courier"/>
+              </a:rPr>
+              <a:t>rules_test1Fold0rep14.dat  rules_test1Fold0rep21.dat  rules_test1Fold0rep5.dat   test1Fold0rep12.out       test1Fold0rep1.out   test1Fold0rep3.out   TrainFold0</a:t>
+            </a:r>
+          </a:p>
+          <a:p>
+            <a:pPr marL="0" indent="0">
+              <a:buNone/>
+            </a:pPr>
+            <a:r>
+              <a:rPr lang="en-US" sz="900" dirty="0">
+                <a:latin typeface="Courier"/>
+                <a:cs typeface="Courier"/>
+              </a:rPr>
+              <a:t>rules_test1Fold0rep15.dat  rules_test1Fold0rep22.dat  rules_test1Fold0rep6.dat   test1Fold0rep13.out       test1Fold0rep20.out  test1Fold0rep4.out</a:t>
+            </a:r>
+          </a:p>
+          <a:p>
+            <a:pPr marL="0" indent="0">
+              <a:buNone/>
+            </a:pPr>
+            <a:r>
+              <a:rPr lang="en-US" sz="900" dirty="0">
+                <a:latin typeface="Courier"/>
+                <a:cs typeface="Courier"/>
+              </a:rPr>
+              <a:t>rules_test1Fold0rep16.dat  rules_test1Fold0rep23.dat  rules_test1Fold0rep7.dat   test1Fold0rep14.out       test1Fold0rep21.out  test1Fold0rep5.out</a:t>
+            </a:r>
+          </a:p>
+          <a:p>
+            <a:pPr marL="0" indent="0">
+              <a:buNone/>
+            </a:pPr>
+            <a:endParaRPr lang="en-US" sz="900" dirty="0">
+              <a:latin typeface="Courier"/>
+              <a:cs typeface="Courier"/>
+            </a:endParaRPr>
+          </a:p>
         </p:txBody>
       </p:sp>
     </p:spTree>
     <p:extLst>
       <p:ext uri="{BB962C8B-B14F-4D97-AF65-F5344CB8AC3E}">
-        <p14:creationId xmlns:p14="http://schemas.microsoft.com/office/powerpoint/2010/main" val="1849937704"/>
+        <p14:creationId xmlns:p14="http://schemas.microsoft.com/office/powerpoint/2010/main" val="1677855022"/>
       </p:ext>
     </p:extLst>
   </p:cSld>
@@ -4836,22 +4130,19 @@
             <p:ph type="title"/>
           </p:nvPr>
         </p:nvSpPr>
-        <p:spPr/>
+        <p:spPr>
+          <a:xfrm>
+            <a:off x="141710" y="-183534"/>
+            <a:ext cx="10515600" cy="1325563"/>
+          </a:xfrm>
+        </p:spPr>
         <p:txBody>
           <a:bodyPr/>
           <a:lstStyle/>
           <a:p>
             <a:r>
               <a:rPr lang="en-US" dirty="0" smtClean="0"/>
-              <a:t>Running an ensemble of </a:t>
-            </a:r>
-            <a:r>
-              <a:rPr lang="en-US" dirty="0" err="1" smtClean="0"/>
-              <a:t>BioHEL</a:t>
-            </a:r>
-            <a:r>
-              <a:rPr lang="en-US" dirty="0" smtClean="0"/>
-              <a:t> rule sets</a:t>
+              <a:t>A rule set file</a:t>
             </a:r>
             <a:endParaRPr lang="en-US" dirty="0"/>
           </a:p>
@@ -4859,207 +4150,773 @@
       </p:sp>
       <p:sp>
         <p:nvSpPr>
-          <p:cNvPr id="4" name="Content Placeholder 3"/>
+          <p:cNvPr id="3" name="Content Placeholder 2"/>
           <p:cNvSpPr>
             <a:spLocks noGrp="1"/>
           </p:cNvSpPr>
           <p:nvPr>
-            <p:ph sz="half" idx="1"/>
+            <p:ph idx="1"/>
           </p:nvPr>
         </p:nvSpPr>
-        <p:spPr/>
+        <p:spPr>
+          <a:xfrm>
+            <a:off x="141710" y="1165253"/>
+            <a:ext cx="11521094" cy="5498170"/>
+          </a:xfrm>
+        </p:spPr>
         <p:txBody>
           <a:bodyPr>
-            <a:normAutofit fontScale="85000" lnSpcReduction="20000"/>
+            <a:normAutofit fontScale="55000" lnSpcReduction="20000"/>
           </a:bodyPr>
           <a:lstStyle/>
           <a:p>
-            <a:r>
-              <a:rPr lang="en-US" sz="3000" dirty="0" err="1">
-                <a:latin typeface="Courier"/>
-                <a:cs typeface="Courier"/>
-              </a:rPr>
-              <a:t>classifierEnsemble.pl</a:t>
-            </a:r>
-            <a:r>
-              <a:rPr lang="en-US" sz="3000" dirty="0">
-                <a:latin typeface="Courier"/>
-                <a:cs typeface="Courier"/>
-              </a:rPr>
-              <a:t> TestFold0 rules_test1Fold0rep* &gt; pred1Fold0.</a:t>
-            </a:r>
-            <a:r>
-              <a:rPr lang="en-US" sz="3000" dirty="0" smtClean="0">
-                <a:latin typeface="Courier"/>
-                <a:cs typeface="Courier"/>
-              </a:rPr>
-              <a:t>out</a:t>
-            </a:r>
-          </a:p>
-          <a:p>
-            <a:endParaRPr lang="en-US" sz="3000" dirty="0">
+            <a:pPr marL="0" indent="0">
+              <a:buNone/>
+            </a:pPr>
+            <a:r>
+              <a:rPr lang="en-US" dirty="0" smtClean="0"/>
+              <a:t>$ </a:t>
+            </a:r>
+            <a:r>
+              <a:rPr lang="en-US" dirty="0"/>
+              <a:t>head rules_test1Fold0rep1.dat </a:t>
+            </a:r>
+          </a:p>
+          <a:p>
+            <a:pPr marL="0" indent="0">
+              <a:buNone/>
+            </a:pPr>
+            <a:r>
+              <a:rPr lang="en-US" dirty="0" err="1"/>
+              <a:t>Att</a:t>
+            </a:r>
+            <a:r>
+              <a:rPr lang="en-US" dirty="0"/>
+              <a:t> X10x22 is [&gt;28.093348]|</a:t>
+            </a:r>
+            <a:r>
+              <a:rPr lang="en-US" dirty="0" err="1"/>
+              <a:t>Att</a:t>
+            </a:r>
+            <a:r>
+              <a:rPr lang="en-US" dirty="0"/>
+              <a:t> X11x4 is [&lt;238.569153]|</a:t>
+            </a:r>
+            <a:r>
+              <a:rPr lang="en-US" dirty="0" err="1"/>
+              <a:t>Att</a:t>
+            </a:r>
+            <a:r>
+              <a:rPr lang="en-US" dirty="0"/>
+              <a:t> X13x9 is [&gt;112.024353]|</a:t>
+            </a:r>
+            <a:r>
+              <a:rPr lang="en-US" dirty="0" err="1"/>
+              <a:t>Att</a:t>
+            </a:r>
+            <a:r>
+              <a:rPr lang="en-US" dirty="0"/>
+              <a:t> X13x17 is [&lt;220.221649]|</a:t>
+            </a:r>
+            <a:r>
+              <a:rPr lang="en-US" dirty="0" err="1"/>
+              <a:t>Att</a:t>
+            </a:r>
+            <a:r>
+              <a:rPr lang="en-US" dirty="0"/>
+              <a:t> X15x23 is [&gt;68.420822]|</a:t>
+            </a:r>
+            <a:r>
+              <a:rPr lang="en-US" dirty="0" err="1"/>
+              <a:t>Att</a:t>
+            </a:r>
+            <a:r>
+              <a:rPr lang="en-US" dirty="0"/>
+              <a:t> X17x11 is [&lt;235.057236]|</a:t>
+            </a:r>
+            <a:r>
+              <a:rPr lang="en-US" dirty="0" err="1"/>
+              <a:t>Att</a:t>
+            </a:r>
+            <a:r>
+              <a:rPr lang="en-US" dirty="0"/>
+              <a:t> X18x21 is [&gt;89.765793]|</a:t>
+            </a:r>
+            <a:r>
+              <a:rPr lang="en-US" dirty="0" err="1"/>
+              <a:t>Att</a:t>
+            </a:r>
+            <a:r>
+              <a:rPr lang="en-US" dirty="0"/>
+              <a:t> X19x7 is [&gt;64.713676]|</a:t>
+            </a:r>
+            <a:r>
+              <a:rPr lang="en-US" dirty="0" err="1"/>
+              <a:t>Att</a:t>
+            </a:r>
+            <a:r>
+              <a:rPr lang="en-US" dirty="0"/>
+              <a:t> X24x12 is [&gt;65.696175]|0</a:t>
+            </a:r>
+          </a:p>
+          <a:p>
+            <a:pPr marL="0" indent="0">
+              <a:buNone/>
+            </a:pPr>
+            <a:r>
+              <a:rPr lang="en-US" dirty="0" err="1"/>
+              <a:t>Att</a:t>
+            </a:r>
+            <a:r>
+              <a:rPr lang="en-US" dirty="0"/>
+              <a:t> X5x17 is [&gt;75.034363]|</a:t>
+            </a:r>
+            <a:r>
+              <a:rPr lang="en-US" dirty="0" err="1"/>
+              <a:t>Att</a:t>
+            </a:r>
+            <a:r>
+              <a:rPr lang="en-US" dirty="0"/>
+              <a:t> X6x20 is [&lt;218.502716]|</a:t>
+            </a:r>
+            <a:r>
+              <a:rPr lang="en-US" dirty="0" err="1"/>
+              <a:t>Att</a:t>
+            </a:r>
+            <a:r>
+              <a:rPr lang="en-US" dirty="0"/>
+              <a:t> X11x18 is [&lt;0.000000]|</a:t>
+            </a:r>
+            <a:r>
+              <a:rPr lang="en-US" dirty="0" err="1"/>
+              <a:t>Att</a:t>
+            </a:r>
+            <a:r>
+              <a:rPr lang="en-US" dirty="0"/>
+              <a:t> X16x20 is [&gt;165.218063]|</a:t>
+            </a:r>
+            <a:r>
+              <a:rPr lang="en-US" dirty="0" err="1"/>
+              <a:t>Att</a:t>
+            </a:r>
+            <a:r>
+              <a:rPr lang="en-US" dirty="0"/>
+              <a:t> X16x27 is [&lt;188.070068]|</a:t>
+            </a:r>
+            <a:r>
+              <a:rPr lang="en-US" dirty="0" err="1"/>
+              <a:t>Att</a:t>
+            </a:r>
+            <a:r>
+              <a:rPr lang="en-US" dirty="0"/>
+              <a:t> X17x14 is [&gt;81.901314]|</a:t>
+            </a:r>
+            <a:r>
+              <a:rPr lang="en-US" dirty="0" err="1"/>
+              <a:t>Att</a:t>
+            </a:r>
+            <a:r>
+              <a:rPr lang="en-US" dirty="0"/>
+              <a:t> X19x13 is [&gt;145.838638]|</a:t>
+            </a:r>
+            <a:r>
+              <a:rPr lang="en-US" dirty="0" err="1"/>
+              <a:t>Att</a:t>
+            </a:r>
+            <a:r>
+              <a:rPr lang="en-US" dirty="0"/>
+              <a:t> X21x8 is [&lt;65.981895]|</a:t>
+            </a:r>
+            <a:r>
+              <a:rPr lang="en-US" dirty="0" err="1"/>
+              <a:t>Att</a:t>
+            </a:r>
+            <a:r>
+              <a:rPr lang="en-US" dirty="0"/>
+              <a:t> X23x19 is [&lt;177.192368]|6</a:t>
+            </a:r>
+          </a:p>
+          <a:p>
+            <a:pPr marL="0" indent="0">
+              <a:buNone/>
+            </a:pPr>
+            <a:r>
+              <a:rPr lang="en-US" dirty="0" err="1"/>
+              <a:t>Att</a:t>
+            </a:r>
+            <a:r>
+              <a:rPr lang="en-US" dirty="0"/>
+              <a:t> X8x11 is [&lt;252.815414]|</a:t>
+            </a:r>
+            <a:r>
+              <a:rPr lang="en-US" dirty="0" err="1"/>
+              <a:t>Att</a:t>
+            </a:r>
+            <a:r>
+              <a:rPr lang="en-US" dirty="0"/>
+              <a:t> X8x20 is [&gt;76.711205]|</a:t>
+            </a:r>
+            <a:r>
+              <a:rPr lang="en-US" dirty="0" err="1"/>
+              <a:t>Att</a:t>
+            </a:r>
+            <a:r>
+              <a:rPr lang="en-US" dirty="0"/>
+              <a:t> X9x18 is [&gt;3.508859]|</a:t>
+            </a:r>
+            <a:r>
+              <a:rPr lang="en-US" dirty="0" err="1"/>
+              <a:t>Att</a:t>
+            </a:r>
+            <a:r>
+              <a:rPr lang="en-US" dirty="0"/>
+              <a:t> X12x17 is [&lt;158.681580]|</a:t>
+            </a:r>
+            <a:r>
+              <a:rPr lang="en-US" dirty="0" err="1"/>
+              <a:t>Att</a:t>
+            </a:r>
+            <a:r>
+              <a:rPr lang="en-US" dirty="0"/>
+              <a:t> X12x22 is [&gt;114.972229]|</a:t>
+            </a:r>
+            <a:r>
+              <a:rPr lang="en-US" dirty="0" err="1"/>
+              <a:t>Att</a:t>
+            </a:r>
+            <a:r>
+              <a:rPr lang="en-US" dirty="0"/>
+              <a:t> X14x9 is [&gt;18.219933]|</a:t>
+            </a:r>
+            <a:r>
+              <a:rPr lang="en-US" dirty="0" err="1"/>
+              <a:t>Att</a:t>
+            </a:r>
+            <a:r>
+              <a:rPr lang="en-US" dirty="0"/>
+              <a:t> X15x18 is [&lt;95.900986]|</a:t>
+            </a:r>
+            <a:r>
+              <a:rPr lang="en-US" dirty="0" err="1"/>
+              <a:t>Att</a:t>
+            </a:r>
+            <a:r>
+              <a:rPr lang="en-US" dirty="0"/>
+              <a:t> X17x8 is [&gt;13.328730]|</a:t>
+            </a:r>
+            <a:r>
+              <a:rPr lang="en-US" dirty="0" err="1"/>
+              <a:t>Att</a:t>
+            </a:r>
+            <a:r>
+              <a:rPr lang="en-US" dirty="0"/>
+              <a:t> X17x21 is [&gt;30.318712]|</a:t>
+            </a:r>
+            <a:r>
+              <a:rPr lang="en-US" dirty="0" err="1"/>
+              <a:t>Att</a:t>
+            </a:r>
+            <a:r>
+              <a:rPr lang="en-US" dirty="0"/>
+              <a:t> X23x10 is [&gt;31.441572]|0</a:t>
+            </a:r>
+          </a:p>
+          <a:p>
+            <a:pPr marL="0" indent="0">
+              <a:buNone/>
+            </a:pPr>
+            <a:r>
+              <a:rPr lang="en-US" dirty="0" err="1"/>
+              <a:t>Att</a:t>
+            </a:r>
+            <a:r>
+              <a:rPr lang="en-US" dirty="0"/>
+              <a:t> X9x22 is [&lt;161.314056]|</a:t>
+            </a:r>
+            <a:r>
+              <a:rPr lang="en-US" dirty="0" err="1"/>
+              <a:t>Att</a:t>
+            </a:r>
+            <a:r>
+              <a:rPr lang="en-US" dirty="0"/>
+              <a:t> X11x18 is [&lt;164.772339]|</a:t>
+            </a:r>
+            <a:r>
+              <a:rPr lang="en-US" dirty="0" err="1"/>
+              <a:t>Att</a:t>
+            </a:r>
+            <a:r>
+              <a:rPr lang="en-US" dirty="0"/>
+              <a:t> X12x9 is [&lt;68.596794]|</a:t>
+            </a:r>
+            <a:r>
+              <a:rPr lang="en-US" dirty="0" err="1"/>
+              <a:t>Att</a:t>
+            </a:r>
+            <a:r>
+              <a:rPr lang="en-US" dirty="0"/>
+              <a:t> X13x11 is [&gt;62.873333]|</a:t>
+            </a:r>
+            <a:r>
+              <a:rPr lang="en-US" dirty="0" err="1"/>
+              <a:t>Att</a:t>
+            </a:r>
+            <a:r>
+              <a:rPr lang="en-US" dirty="0"/>
+              <a:t> X15x16 is [&gt;47.050545]|</a:t>
+            </a:r>
+            <a:r>
+              <a:rPr lang="en-US" dirty="0" err="1"/>
+              <a:t>Att</a:t>
+            </a:r>
+            <a:r>
+              <a:rPr lang="en-US" dirty="0"/>
+              <a:t> X16x11 is [&gt;158.092819]|</a:t>
+            </a:r>
+            <a:r>
+              <a:rPr lang="en-US" dirty="0" err="1"/>
+              <a:t>Att</a:t>
+            </a:r>
+            <a:r>
+              <a:rPr lang="en-US" dirty="0"/>
+              <a:t> X19x12 is [&gt;98.049377]|</a:t>
+            </a:r>
+            <a:r>
+              <a:rPr lang="en-US" dirty="0" err="1"/>
+              <a:t>Att</a:t>
+            </a:r>
+            <a:r>
+              <a:rPr lang="en-US" dirty="0"/>
+              <a:t> X19x19 is [&gt;177.886169]|</a:t>
+            </a:r>
+            <a:r>
+              <a:rPr lang="en-US" dirty="0" err="1"/>
+              <a:t>Att</a:t>
+            </a:r>
+            <a:r>
+              <a:rPr lang="en-US" dirty="0"/>
+              <a:t> X21x16 is [&gt;91.673332]|</a:t>
+            </a:r>
+            <a:r>
+              <a:rPr lang="en-US" dirty="0" err="1"/>
+              <a:t>Att</a:t>
+            </a:r>
+            <a:r>
+              <a:rPr lang="en-US" dirty="0"/>
+              <a:t> X24x13 is [&lt;0.000000]|6</a:t>
+            </a:r>
+          </a:p>
+          <a:p>
+            <a:pPr marL="0" indent="0">
+              <a:buNone/>
+            </a:pPr>
+            <a:r>
+              <a:rPr lang="en-US" dirty="0" err="1"/>
+              <a:t>Att</a:t>
+            </a:r>
+            <a:r>
+              <a:rPr lang="en-US" dirty="0"/>
+              <a:t> X10x7 is [&gt;6.055946]|</a:t>
+            </a:r>
+            <a:r>
+              <a:rPr lang="en-US" dirty="0" err="1"/>
+              <a:t>Att</a:t>
+            </a:r>
+            <a:r>
+              <a:rPr lang="en-US" dirty="0"/>
+              <a:t> X10x19 is [&gt;51.134369]|</a:t>
+            </a:r>
+            <a:r>
+              <a:rPr lang="en-US" dirty="0" err="1"/>
+              <a:t>Att</a:t>
+            </a:r>
+            <a:r>
+              <a:rPr lang="en-US" dirty="0"/>
+              <a:t> X11x11 is [&gt;87.384544]|</a:t>
+            </a:r>
+            <a:r>
+              <a:rPr lang="en-US" dirty="0" err="1"/>
+              <a:t>Att</a:t>
+            </a:r>
+            <a:r>
+              <a:rPr lang="en-US" dirty="0"/>
+              <a:t> X11x16 is [&gt;0.484161]|</a:t>
+            </a:r>
+            <a:r>
+              <a:rPr lang="en-US" dirty="0" err="1"/>
+              <a:t>Att</a:t>
+            </a:r>
+            <a:r>
+              <a:rPr lang="en-US" dirty="0"/>
+              <a:t> X13x15 is [&lt;235.868332]|</a:t>
+            </a:r>
+            <a:r>
+              <a:rPr lang="en-US" dirty="0" err="1"/>
+              <a:t>Att</a:t>
+            </a:r>
+            <a:r>
+              <a:rPr lang="en-US" dirty="0"/>
+              <a:t> X16x13 is [&lt;0.000000]|</a:t>
+            </a:r>
+            <a:r>
+              <a:rPr lang="en-US" dirty="0" err="1"/>
+              <a:t>Att</a:t>
+            </a:r>
+            <a:r>
+              <a:rPr lang="en-US" dirty="0"/>
+              <a:t> X19x20 is [&lt;80.263817]|</a:t>
+            </a:r>
+            <a:r>
+              <a:rPr lang="en-US" dirty="0" err="1"/>
+              <a:t>Att</a:t>
+            </a:r>
+            <a:r>
+              <a:rPr lang="en-US" dirty="0"/>
+              <a:t> X20x22 is [&lt;235.509308]|</a:t>
+            </a:r>
+            <a:r>
+              <a:rPr lang="en-US" dirty="0" err="1"/>
+              <a:t>Att</a:t>
+            </a:r>
+            <a:r>
+              <a:rPr lang="en-US" dirty="0"/>
+              <a:t> X21x22 is [&lt;166.797318]|7</a:t>
+            </a:r>
+          </a:p>
+          <a:p>
+            <a:pPr marL="0" indent="0">
+              <a:buNone/>
+            </a:pPr>
+            <a:r>
+              <a:rPr lang="en-US" dirty="0" err="1"/>
+              <a:t>Att</a:t>
+            </a:r>
+            <a:r>
+              <a:rPr lang="en-US" dirty="0"/>
+              <a:t> X7x15 is [&gt;3.314911]|</a:t>
+            </a:r>
+            <a:r>
+              <a:rPr lang="en-US" dirty="0" err="1"/>
+              <a:t>Att</a:t>
+            </a:r>
+            <a:r>
+              <a:rPr lang="en-US" dirty="0"/>
+              <a:t> X13x17 is [&lt;3.628872]|</a:t>
+            </a:r>
+            <a:r>
+              <a:rPr lang="en-US" dirty="0" err="1"/>
+              <a:t>Att</a:t>
+            </a:r>
+            <a:r>
+              <a:rPr lang="en-US" dirty="0"/>
+              <a:t> X16x8 is [&gt;124.701294]|</a:t>
+            </a:r>
+            <a:r>
+              <a:rPr lang="en-US" dirty="0" err="1"/>
+              <a:t>Att</a:t>
+            </a:r>
+            <a:r>
+              <a:rPr lang="en-US" dirty="0"/>
+              <a:t> X16x17 is [&lt;0.000000]|</a:t>
+            </a:r>
+            <a:r>
+              <a:rPr lang="en-US" dirty="0" err="1"/>
+              <a:t>Att</a:t>
+            </a:r>
+            <a:r>
+              <a:rPr lang="en-US" dirty="0"/>
+              <a:t> X17x12 is [&lt;165.184128]|</a:t>
+            </a:r>
+            <a:r>
+              <a:rPr lang="en-US" dirty="0" err="1"/>
+              <a:t>Att</a:t>
+            </a:r>
+            <a:r>
+              <a:rPr lang="en-US" dirty="0"/>
+              <a:t> X19x22 is [&gt;195.117081]|</a:t>
+            </a:r>
+            <a:r>
+              <a:rPr lang="en-US" dirty="0" err="1"/>
+              <a:t>Att</a:t>
+            </a:r>
+            <a:r>
+              <a:rPr lang="en-US" dirty="0"/>
+              <a:t> X20x14 is [&lt;121.442223]|0</a:t>
+            </a:r>
+          </a:p>
+          <a:p>
+            <a:pPr marL="0" indent="0">
+              <a:buNone/>
+            </a:pPr>
+            <a:r>
+              <a:rPr lang="en-US" dirty="0" err="1"/>
+              <a:t>Att</a:t>
+            </a:r>
+            <a:r>
+              <a:rPr lang="en-US" dirty="0"/>
+              <a:t> X10x23 is [&lt;145.689911]|</a:t>
+            </a:r>
+            <a:r>
+              <a:rPr lang="en-US" dirty="0" err="1"/>
+              <a:t>Att</a:t>
+            </a:r>
+            <a:r>
+              <a:rPr lang="en-US" dirty="0"/>
+              <a:t> X11x21 is [&gt;82.312256]|</a:t>
+            </a:r>
+            <a:r>
+              <a:rPr lang="en-US" dirty="0" err="1"/>
+              <a:t>Att</a:t>
+            </a:r>
+            <a:r>
+              <a:rPr lang="en-US" dirty="0"/>
+              <a:t> X15x10 is [&gt;171.899384]|</a:t>
+            </a:r>
+            <a:r>
+              <a:rPr lang="en-US" dirty="0" err="1"/>
+              <a:t>Att</a:t>
+            </a:r>
+            <a:r>
+              <a:rPr lang="en-US" dirty="0"/>
+              <a:t> X15x13 is [&lt;10.252256]|</a:t>
+            </a:r>
+            <a:r>
+              <a:rPr lang="en-US" dirty="0" err="1"/>
+              <a:t>Att</a:t>
+            </a:r>
+            <a:r>
+              <a:rPr lang="en-US" dirty="0"/>
+              <a:t> X18x15 is [&lt;0.000000]|</a:t>
+            </a:r>
+            <a:r>
+              <a:rPr lang="en-US" dirty="0" err="1"/>
+              <a:t>Att</a:t>
+            </a:r>
+            <a:r>
+              <a:rPr lang="en-US" dirty="0"/>
+              <a:t> X18x24 is [&lt;173.719864]|</a:t>
+            </a:r>
+            <a:r>
+              <a:rPr lang="en-US" dirty="0" err="1"/>
+              <a:t>Att</a:t>
+            </a:r>
+            <a:r>
+              <a:rPr lang="en-US" dirty="0"/>
+              <a:t> X23x11 is [&gt;156.670639]|0</a:t>
+            </a:r>
+          </a:p>
+          <a:p>
+            <a:pPr marL="0" indent="0">
+              <a:buNone/>
+            </a:pPr>
+            <a:r>
+              <a:rPr lang="en-US" dirty="0" err="1"/>
+              <a:t>Att</a:t>
+            </a:r>
+            <a:r>
+              <a:rPr lang="en-US" dirty="0"/>
+              <a:t> X4x16 is [&gt;0.243688]|</a:t>
+            </a:r>
+            <a:r>
+              <a:rPr lang="en-US" dirty="0" err="1"/>
+              <a:t>Att</a:t>
+            </a:r>
+            <a:r>
+              <a:rPr lang="en-US" dirty="0"/>
+              <a:t> X8x18 is [&lt;161.434006]|</a:t>
+            </a:r>
+            <a:r>
+              <a:rPr lang="en-US" dirty="0" err="1"/>
+              <a:t>Att</a:t>
+            </a:r>
+            <a:r>
+              <a:rPr lang="en-US" dirty="0"/>
+              <a:t> X12x11 is [&gt;124.984222]|</a:t>
+            </a:r>
+            <a:r>
+              <a:rPr lang="en-US" dirty="0" err="1"/>
+              <a:t>Att</a:t>
+            </a:r>
+            <a:r>
+              <a:rPr lang="en-US" dirty="0"/>
+              <a:t> X15x17 is [&gt;87.880379]|</a:t>
+            </a:r>
+            <a:r>
+              <a:rPr lang="en-US" dirty="0" err="1"/>
+              <a:t>Att</a:t>
+            </a:r>
+            <a:r>
+              <a:rPr lang="en-US" dirty="0"/>
+              <a:t> X17x9 is [&gt;49.992168]|</a:t>
+            </a:r>
+            <a:r>
+              <a:rPr lang="en-US" dirty="0" err="1"/>
+              <a:t>Att</a:t>
+            </a:r>
+            <a:r>
+              <a:rPr lang="en-US" dirty="0"/>
+              <a:t> X21x13 is [&gt;158.043808]|6</a:t>
+            </a:r>
+          </a:p>
+          <a:p>
+            <a:pPr marL="0" indent="0">
+              <a:buNone/>
+            </a:pPr>
+            <a:r>
+              <a:rPr lang="en-US" dirty="0" err="1"/>
+              <a:t>Att</a:t>
+            </a:r>
+            <a:r>
+              <a:rPr lang="en-US" dirty="0"/>
+              <a:t> X9x10 is [&gt;193.611679]|</a:t>
+            </a:r>
+            <a:r>
+              <a:rPr lang="en-US" dirty="0" err="1"/>
+              <a:t>Att</a:t>
+            </a:r>
+            <a:r>
+              <a:rPr lang="en-US" dirty="0"/>
+              <a:t> X10x13 is [&gt;101.181999]|</a:t>
+            </a:r>
+            <a:r>
+              <a:rPr lang="en-US" dirty="0" err="1"/>
+              <a:t>Att</a:t>
+            </a:r>
+            <a:r>
+              <a:rPr lang="en-US" dirty="0"/>
+              <a:t> X14x13 is [&lt;166.309311]|</a:t>
+            </a:r>
+            <a:r>
+              <a:rPr lang="en-US" dirty="0" err="1"/>
+              <a:t>Att</a:t>
+            </a:r>
+            <a:r>
+              <a:rPr lang="en-US" dirty="0"/>
+              <a:t> X16x13 is [&lt;24.845459]|</a:t>
+            </a:r>
+            <a:r>
+              <a:rPr lang="en-US" dirty="0" err="1"/>
+              <a:t>Att</a:t>
+            </a:r>
+            <a:r>
+              <a:rPr lang="en-US" dirty="0"/>
+              <a:t> X19x16 is [&gt;116.028320]|</a:t>
+            </a:r>
+            <a:r>
+              <a:rPr lang="en-US" dirty="0" err="1"/>
+              <a:t>Att</a:t>
+            </a:r>
+            <a:r>
+              <a:rPr lang="en-US" dirty="0"/>
+              <a:t> X26x12 is [&gt;36.771595]|7</a:t>
+            </a:r>
+          </a:p>
+          <a:p>
+            <a:pPr marL="0" indent="0">
+              <a:buNone/>
+            </a:pPr>
+            <a:r>
+              <a:rPr lang="en-US" dirty="0" err="1"/>
+              <a:t>Att</a:t>
+            </a:r>
+            <a:r>
+              <a:rPr lang="en-US" dirty="0"/>
+              <a:t> X3x12 is [&lt;249.905151]|</a:t>
+            </a:r>
+            <a:r>
+              <a:rPr lang="en-US" dirty="0" err="1"/>
+              <a:t>Att</a:t>
+            </a:r>
+            <a:r>
+              <a:rPr lang="en-US" dirty="0"/>
+              <a:t> X5x13 is [&gt;6.543748]|</a:t>
+            </a:r>
+            <a:r>
+              <a:rPr lang="en-US" dirty="0" err="1"/>
+              <a:t>Att</a:t>
+            </a:r>
+            <a:r>
+              <a:rPr lang="en-US" dirty="0"/>
+              <a:t> X11x15 is [&lt;236.782028]|</a:t>
+            </a:r>
+            <a:r>
+              <a:rPr lang="en-US" dirty="0" err="1"/>
+              <a:t>Att</a:t>
+            </a:r>
+            <a:r>
+              <a:rPr lang="en-US" dirty="0"/>
+              <a:t> X13x8 is [&lt;0.000000]|</a:t>
+            </a:r>
+            <a:r>
+              <a:rPr lang="en-US" dirty="0" err="1"/>
+              <a:t>Att</a:t>
+            </a:r>
+            <a:r>
+              <a:rPr lang="en-US" dirty="0"/>
+              <a:t> X20x14 is [&gt;158.256897]|</a:t>
+            </a:r>
+            <a:r>
+              <a:rPr lang="en-US" dirty="0" err="1"/>
+              <a:t>Att</a:t>
+            </a:r>
+            <a:r>
+              <a:rPr lang="en-US" dirty="0"/>
+              <a:t> X21x8 is [94.353569,254.338348]|</a:t>
+            </a:r>
+            <a:r>
+              <a:rPr lang="en-US" dirty="0" err="1"/>
+              <a:t>Att</a:t>
+            </a:r>
+            <a:r>
+              <a:rPr lang="en-US" dirty="0"/>
+              <a:t> X22x17 is [&lt;146.934280]|</a:t>
+            </a:r>
+            <a:r>
+              <a:rPr lang="en-US" dirty="0" err="1"/>
+              <a:t>Att</a:t>
+            </a:r>
+            <a:r>
+              <a:rPr lang="en-US" dirty="0"/>
+              <a:t> X23x11 is [&lt;176.656723]|2</a:t>
+            </a:r>
+          </a:p>
+          <a:p>
+            <a:pPr marL="0" indent="0">
+              <a:buNone/>
+            </a:pPr>
+            <a:r>
+              <a:rPr lang="en-US" dirty="0" smtClean="0"/>
+              <a:t>$ </a:t>
+            </a:r>
+            <a:r>
+              <a:rPr lang="en-US" dirty="0"/>
+              <a:t>tail -1 rules_test1Fold0rep1.dat </a:t>
+            </a:r>
+          </a:p>
+          <a:p>
+            <a:pPr marL="0" indent="0">
+              <a:buNone/>
+            </a:pPr>
+            <a:r>
+              <a:rPr lang="en-US" dirty="0"/>
+              <a:t>Default rule -&gt; 1</a:t>
+            </a:r>
+          </a:p>
+          <a:p>
+            <a:pPr marL="0" indent="0">
+              <a:buNone/>
+            </a:pPr>
+            <a:endParaRPr lang="en-US" dirty="0">
               <a:latin typeface="Courier"/>
               <a:cs typeface="Courier"/>
             </a:endParaRPr>
           </a:p>
-          <a:p>
-            <a:r>
-              <a:rPr lang="en-US" sz="3000" dirty="0" smtClean="0">
-                <a:cs typeface="Calibri Light"/>
-              </a:rPr>
-              <a:t>Format of the output file</a:t>
-            </a:r>
-          </a:p>
-          <a:p>
-            <a:pPr lvl="1"/>
-            <a:r>
-              <a:rPr lang="en-US" sz="3000" dirty="0" smtClean="0">
-                <a:cs typeface="Calibri Light"/>
-              </a:rPr>
-              <a:t>One line per test instance</a:t>
-            </a:r>
-          </a:p>
-          <a:p>
-            <a:pPr lvl="1"/>
-            <a:r>
-              <a:rPr lang="en-US" sz="3000" dirty="0" smtClean="0">
-                <a:cs typeface="Calibri Light"/>
-              </a:rPr>
-              <a:t>&lt;predicted class&gt; &lt;real class&gt;</a:t>
-            </a:r>
-            <a:endParaRPr lang="en-US" sz="3000" dirty="0">
-              <a:cs typeface="Calibri Light"/>
-            </a:endParaRPr>
-          </a:p>
-        </p:txBody>
-      </p:sp>
-      <p:sp>
-        <p:nvSpPr>
-          <p:cNvPr id="5" name="Content Placeholder 4"/>
-          <p:cNvSpPr>
-            <a:spLocks noGrp="1"/>
-          </p:cNvSpPr>
-          <p:nvPr>
-            <p:ph sz="half" idx="2"/>
-          </p:nvPr>
-        </p:nvSpPr>
-        <p:spPr/>
-        <p:txBody>
-          <a:bodyPr>
-            <a:normAutofit fontScale="85000" lnSpcReduction="20000"/>
-          </a:bodyPr>
-          <a:lstStyle/>
-          <a:p>
-            <a:pPr marL="0" indent="0">
-              <a:buNone/>
-            </a:pPr>
-            <a:r>
-              <a:rPr lang="en-US" dirty="0"/>
-              <a:t>$ head pred1Fold0.out</a:t>
-            </a:r>
-          </a:p>
-          <a:p>
-            <a:pPr marL="0" indent="0">
-              <a:buNone/>
-            </a:pPr>
-            <a:r>
-              <a:rPr lang="ru-RU" dirty="0"/>
-              <a:t>7 7</a:t>
-            </a:r>
-          </a:p>
-          <a:p>
-            <a:pPr marL="0" indent="0">
-              <a:buNone/>
-            </a:pPr>
-            <a:r>
-              <a:rPr lang="is-IS" dirty="0"/>
-              <a:t>2 2</a:t>
-            </a:r>
-          </a:p>
-          <a:p>
-            <a:pPr marL="0" indent="0">
-              <a:buNone/>
-            </a:pPr>
-            <a:r>
-              <a:rPr lang="ru-RU" dirty="0"/>
-              <a:t>1 1</a:t>
-            </a:r>
-          </a:p>
-          <a:p>
-            <a:pPr marL="0" indent="0">
-              <a:buNone/>
-            </a:pPr>
-            <a:r>
-              <a:rPr lang="fr-FR" dirty="0"/>
-              <a:t>0 0</a:t>
-            </a:r>
-          </a:p>
-          <a:p>
-            <a:pPr marL="0" indent="0">
-              <a:buNone/>
-            </a:pPr>
-            <a:r>
-              <a:rPr lang="fr-FR" dirty="0"/>
-              <a:t>4 4</a:t>
-            </a:r>
-          </a:p>
-          <a:p>
-            <a:pPr marL="0" indent="0">
-              <a:buNone/>
-            </a:pPr>
-            <a:r>
-              <a:rPr lang="ru-RU" dirty="0"/>
-              <a:t>1 1</a:t>
-            </a:r>
-          </a:p>
-          <a:p>
-            <a:pPr marL="0" indent="0">
-              <a:buNone/>
-            </a:pPr>
-            <a:r>
-              <a:rPr lang="ru-RU" dirty="0"/>
-              <a:t>4 4</a:t>
-            </a:r>
-          </a:p>
-          <a:p>
-            <a:pPr marL="0" indent="0">
-              <a:buNone/>
-            </a:pPr>
-            <a:r>
-              <a:rPr lang="fi-FI" dirty="0"/>
-              <a:t>9 9</a:t>
-            </a:r>
-          </a:p>
-          <a:p>
-            <a:pPr marL="0" indent="0">
-              <a:buNone/>
-            </a:pPr>
-            <a:r>
-              <a:rPr lang="fi-FI" dirty="0"/>
-              <a:t>5 5</a:t>
-            </a:r>
-          </a:p>
-          <a:p>
-            <a:pPr marL="0" indent="0">
-              <a:buNone/>
-            </a:pPr>
-            <a:r>
-              <a:rPr lang="fi-FI" dirty="0"/>
-              <a:t>9 9</a:t>
-            </a:r>
-          </a:p>
-          <a:p>
-            <a:pPr marL="0" indent="0">
-              <a:buNone/>
-            </a:pPr>
-            <a:endParaRPr lang="en-US" dirty="0"/>
-          </a:p>
         </p:txBody>
       </p:sp>
     </p:spTree>
     <p:extLst>
       <p:ext uri="{BB962C8B-B14F-4D97-AF65-F5344CB8AC3E}">
-        <p14:creationId xmlns:p14="http://schemas.microsoft.com/office/powerpoint/2010/main" val="3468577335"/>
+        <p14:creationId xmlns:p14="http://schemas.microsoft.com/office/powerpoint/2010/main" val="1849937704"/>
       </p:ext>
     </p:extLst>
   </p:cSld>
@@ -5096,6 +4953,266 @@
             <p:ph type="title"/>
           </p:nvPr>
         </p:nvSpPr>
+        <p:spPr/>
+        <p:txBody>
+          <a:bodyPr/>
+          <a:lstStyle/>
+          <a:p>
+            <a:r>
+              <a:rPr lang="en-US" dirty="0" smtClean="0"/>
+              <a:t>Running an ensemble of </a:t>
+            </a:r>
+            <a:r>
+              <a:rPr lang="en-US" dirty="0" err="1" smtClean="0"/>
+              <a:t>BioHEL</a:t>
+            </a:r>
+            <a:r>
+              <a:rPr lang="en-US" dirty="0" smtClean="0"/>
+              <a:t> rule sets</a:t>
+            </a:r>
+            <a:endParaRPr lang="en-US" dirty="0"/>
+          </a:p>
+        </p:txBody>
+      </p:sp>
+      <p:sp>
+        <p:nvSpPr>
+          <p:cNvPr id="4" name="Content Placeholder 3"/>
+          <p:cNvSpPr>
+            <a:spLocks noGrp="1"/>
+          </p:cNvSpPr>
+          <p:nvPr>
+            <p:ph sz="half" idx="1"/>
+          </p:nvPr>
+        </p:nvSpPr>
+        <p:spPr/>
+        <p:txBody>
+          <a:bodyPr>
+            <a:normAutofit fontScale="85000" lnSpcReduction="20000"/>
+          </a:bodyPr>
+          <a:lstStyle/>
+          <a:p>
+            <a:r>
+              <a:rPr lang="en-US" sz="3000" dirty="0" err="1">
+                <a:latin typeface="Courier"/>
+                <a:cs typeface="Courier"/>
+              </a:rPr>
+              <a:t>classifierEnsemble.pl</a:t>
+            </a:r>
+            <a:r>
+              <a:rPr lang="en-US" sz="3000" dirty="0">
+                <a:latin typeface="Courier"/>
+                <a:cs typeface="Courier"/>
+              </a:rPr>
+              <a:t> TestFold0 rules_test1Fold0rep* &gt; pred1Fold0.</a:t>
+            </a:r>
+            <a:r>
+              <a:rPr lang="en-US" sz="3000" dirty="0" smtClean="0">
+                <a:latin typeface="Courier"/>
+                <a:cs typeface="Courier"/>
+              </a:rPr>
+              <a:t>out</a:t>
+            </a:r>
+          </a:p>
+          <a:p>
+            <a:endParaRPr lang="en-US" sz="3000" dirty="0">
+              <a:latin typeface="Courier"/>
+              <a:cs typeface="Courier"/>
+            </a:endParaRPr>
+          </a:p>
+          <a:p>
+            <a:r>
+              <a:rPr lang="en-US" sz="3000" dirty="0" smtClean="0">
+                <a:cs typeface="Calibri Light"/>
+              </a:rPr>
+              <a:t>Format of the output file</a:t>
+            </a:r>
+          </a:p>
+          <a:p>
+            <a:pPr lvl="1"/>
+            <a:r>
+              <a:rPr lang="en-US" sz="3000" dirty="0" smtClean="0">
+                <a:cs typeface="Calibri Light"/>
+              </a:rPr>
+              <a:t>One line per test instance</a:t>
+            </a:r>
+          </a:p>
+          <a:p>
+            <a:pPr lvl="1"/>
+            <a:r>
+              <a:rPr lang="en-US" sz="3000" dirty="0" smtClean="0">
+                <a:cs typeface="Calibri Light"/>
+              </a:rPr>
+              <a:t>&lt;predicted class&gt; &lt;real class&gt;</a:t>
+            </a:r>
+            <a:endParaRPr lang="en-US" sz="3000" dirty="0">
+              <a:cs typeface="Calibri Light"/>
+            </a:endParaRPr>
+          </a:p>
+        </p:txBody>
+      </p:sp>
+      <p:sp>
+        <p:nvSpPr>
+          <p:cNvPr id="5" name="Content Placeholder 4"/>
+          <p:cNvSpPr>
+            <a:spLocks noGrp="1"/>
+          </p:cNvSpPr>
+          <p:nvPr>
+            <p:ph sz="half" idx="2"/>
+          </p:nvPr>
+        </p:nvSpPr>
+        <p:spPr/>
+        <p:txBody>
+          <a:bodyPr>
+            <a:normAutofit fontScale="85000" lnSpcReduction="20000"/>
+          </a:bodyPr>
+          <a:lstStyle/>
+          <a:p>
+            <a:pPr marL="0" indent="0">
+              <a:buNone/>
+            </a:pPr>
+            <a:r>
+              <a:rPr lang="en-US" dirty="0"/>
+              <a:t>$ head pred1Fold0.out</a:t>
+            </a:r>
+          </a:p>
+          <a:p>
+            <a:pPr marL="0" indent="0">
+              <a:buNone/>
+            </a:pPr>
+            <a:r>
+              <a:rPr lang="ru-RU" dirty="0"/>
+              <a:t>7 7</a:t>
+            </a:r>
+          </a:p>
+          <a:p>
+            <a:pPr marL="0" indent="0">
+              <a:buNone/>
+            </a:pPr>
+            <a:r>
+              <a:rPr lang="is-IS" dirty="0"/>
+              <a:t>2 2</a:t>
+            </a:r>
+          </a:p>
+          <a:p>
+            <a:pPr marL="0" indent="0">
+              <a:buNone/>
+            </a:pPr>
+            <a:r>
+              <a:rPr lang="ru-RU" dirty="0"/>
+              <a:t>1 1</a:t>
+            </a:r>
+          </a:p>
+          <a:p>
+            <a:pPr marL="0" indent="0">
+              <a:buNone/>
+            </a:pPr>
+            <a:r>
+              <a:rPr lang="fr-FR" dirty="0"/>
+              <a:t>0 0</a:t>
+            </a:r>
+          </a:p>
+          <a:p>
+            <a:pPr marL="0" indent="0">
+              <a:buNone/>
+            </a:pPr>
+            <a:r>
+              <a:rPr lang="fr-FR" dirty="0"/>
+              <a:t>4 4</a:t>
+            </a:r>
+          </a:p>
+          <a:p>
+            <a:pPr marL="0" indent="0">
+              <a:buNone/>
+            </a:pPr>
+            <a:r>
+              <a:rPr lang="ru-RU" dirty="0"/>
+              <a:t>1 1</a:t>
+            </a:r>
+          </a:p>
+          <a:p>
+            <a:pPr marL="0" indent="0">
+              <a:buNone/>
+            </a:pPr>
+            <a:r>
+              <a:rPr lang="ru-RU" dirty="0"/>
+              <a:t>4 4</a:t>
+            </a:r>
+          </a:p>
+          <a:p>
+            <a:pPr marL="0" indent="0">
+              <a:buNone/>
+            </a:pPr>
+            <a:r>
+              <a:rPr lang="fi-FI" dirty="0"/>
+              <a:t>9 9</a:t>
+            </a:r>
+          </a:p>
+          <a:p>
+            <a:pPr marL="0" indent="0">
+              <a:buNone/>
+            </a:pPr>
+            <a:r>
+              <a:rPr lang="fi-FI" dirty="0"/>
+              <a:t>5 5</a:t>
+            </a:r>
+          </a:p>
+          <a:p>
+            <a:pPr marL="0" indent="0">
+              <a:buNone/>
+            </a:pPr>
+            <a:r>
+              <a:rPr lang="fi-FI" dirty="0"/>
+              <a:t>9 9</a:t>
+            </a:r>
+          </a:p>
+          <a:p>
+            <a:pPr marL="0" indent="0">
+              <a:buNone/>
+            </a:pPr>
+            <a:endParaRPr lang="en-US" dirty="0"/>
+          </a:p>
+        </p:txBody>
+      </p:sp>
+    </p:spTree>
+    <p:extLst>
+      <p:ext uri="{BB962C8B-B14F-4D97-AF65-F5344CB8AC3E}">
+        <p14:creationId xmlns:p14="http://schemas.microsoft.com/office/powerpoint/2010/main" val="3468577335"/>
+      </p:ext>
+    </p:extLst>
+  </p:cSld>
+  <p:clrMapOvr>
+    <a:masterClrMapping/>
+  </p:clrMapOvr>
+</p:sld>
+</file>
+
+<file path=ppt/slides/slide14.xml><?xml version="1.0" encoding="utf-8"?>
+<p:sld xmlns:a="http://schemas.openxmlformats.org/drawingml/2006/main" xmlns:r="http://schemas.openxmlformats.org/officeDocument/2006/relationships" xmlns:p="http://schemas.openxmlformats.org/presentationml/2006/main">
+  <p:cSld>
+    <p:spTree>
+      <p:nvGrpSpPr>
+        <p:cNvPr id="1" name=""/>
+        <p:cNvGrpSpPr/>
+        <p:nvPr/>
+      </p:nvGrpSpPr>
+      <p:grpSpPr>
+        <a:xfrm>
+          <a:off x="0" y="0"/>
+          <a:ext cx="0" cy="0"/>
+          <a:chOff x="0" y="0"/>
+          <a:chExt cx="0" cy="0"/>
+        </a:xfrm>
+      </p:grpSpPr>
+      <p:sp>
+        <p:nvSpPr>
+          <p:cNvPr id="2" name="Title 1"/>
+          <p:cNvSpPr>
+            <a:spLocks noGrp="1"/>
+          </p:cNvSpPr>
+          <p:nvPr>
+            <p:ph type="title"/>
+          </p:nvPr>
+        </p:nvSpPr>
         <p:spPr>
           <a:xfrm>
             <a:off x="128052" y="24832"/>
@@ -5360,7 +5477,7 @@
 </p:sld>
 </file>
 
-<file path=ppt/slides/slide14.xml><?xml version="1.0" encoding="utf-8"?>
+<file path=ppt/slides/slide15.xml><?xml version="1.0" encoding="utf-8"?>
 <p:sld xmlns:a="http://schemas.openxmlformats.org/drawingml/2006/main" xmlns:r="http://schemas.openxmlformats.org/officeDocument/2006/relationships" xmlns:p="http://schemas.openxmlformats.org/presentationml/2006/main">
   <p:cSld>
     <p:spTree>
@@ -6496,6 +6613,1280 @@
             <p:ph type="title"/>
           </p:nvPr>
         </p:nvSpPr>
+        <p:spPr>
+          <a:xfrm>
+            <a:off x="609600" y="-71129"/>
+            <a:ext cx="10972800" cy="1143000"/>
+          </a:xfrm>
+        </p:spPr>
+        <p:txBody>
+          <a:bodyPr/>
+          <a:lstStyle/>
+          <a:p>
+            <a:r>
+              <a:rPr lang="en-US" dirty="0" err="1" smtClean="0"/>
+              <a:t>BioHEL</a:t>
+            </a:r>
+            <a:r>
+              <a:rPr lang="en-US" dirty="0" smtClean="0"/>
+              <a:t> for Knowledge </a:t>
+            </a:r>
+            <a:r>
+              <a:rPr lang="en-US" dirty="0"/>
+              <a:t>E</a:t>
+            </a:r>
+            <a:r>
+              <a:rPr lang="en-US" dirty="0" smtClean="0"/>
+              <a:t>xtraction </a:t>
+            </a:r>
+            <a:r>
+              <a:rPr lang="en-US" dirty="0"/>
+              <a:t>from biodata</a:t>
+            </a:r>
+          </a:p>
+        </p:txBody>
+      </p:sp>
+      <p:sp>
+        <p:nvSpPr>
+          <p:cNvPr id="15" name="Rectangle 14"/>
+          <p:cNvSpPr/>
+          <p:nvPr/>
+        </p:nvSpPr>
+        <p:spPr>
+          <a:xfrm>
+            <a:off x="1600297" y="2736443"/>
+            <a:ext cx="971156" cy="1090594"/>
+          </a:xfrm>
+          <a:prstGeom prst="rect">
+            <a:avLst/>
+          </a:prstGeom>
+          <a:solidFill>
+            <a:srgbClr val="376092"/>
+          </a:solidFill>
+        </p:spPr>
+        <p:style>
+          <a:lnRef idx="1">
+            <a:schemeClr val="accent1"/>
+          </a:lnRef>
+          <a:fillRef idx="3">
+            <a:schemeClr val="accent1"/>
+          </a:fillRef>
+          <a:effectRef idx="2">
+            <a:schemeClr val="accent1"/>
+          </a:effectRef>
+          <a:fontRef idx="minor">
+            <a:schemeClr val="lt1"/>
+          </a:fontRef>
+        </p:style>
+        <p:txBody>
+          <a:bodyPr rtlCol="0" anchor="ctr"/>
+          <a:lstStyle/>
+          <a:p>
+            <a:pPr algn="ctr"/>
+            <a:r>
+              <a:rPr lang="en-US" sz="1200" dirty="0" err="1" smtClean="0"/>
+              <a:t>BioHEL</a:t>
+            </a:r>
+            <a:endParaRPr lang="en-US" sz="1200" dirty="0"/>
+          </a:p>
+        </p:txBody>
+      </p:sp>
+      <p:sp>
+        <p:nvSpPr>
+          <p:cNvPr id="18" name="Right Arrow 17"/>
+          <p:cNvSpPr/>
+          <p:nvPr/>
+        </p:nvSpPr>
+        <p:spPr>
+          <a:xfrm>
+            <a:off x="1011014" y="3121630"/>
+            <a:ext cx="518549" cy="328127"/>
+          </a:xfrm>
+          <a:prstGeom prst="rightArrow">
+            <a:avLst/>
+          </a:prstGeom>
+          <a:solidFill>
+            <a:schemeClr val="accent5">
+              <a:lumMod val="60000"/>
+              <a:lumOff val="40000"/>
+            </a:schemeClr>
+          </a:solidFill>
+        </p:spPr>
+        <p:style>
+          <a:lnRef idx="1">
+            <a:schemeClr val="accent1"/>
+          </a:lnRef>
+          <a:fillRef idx="3">
+            <a:schemeClr val="accent1"/>
+          </a:fillRef>
+          <a:effectRef idx="2">
+            <a:schemeClr val="accent1"/>
+          </a:effectRef>
+          <a:fontRef idx="minor">
+            <a:schemeClr val="lt1"/>
+          </a:fontRef>
+        </p:style>
+        <p:txBody>
+          <a:bodyPr rtlCol="0" anchor="ctr"/>
+          <a:lstStyle/>
+          <a:p>
+            <a:pPr algn="ctr"/>
+            <a:endParaRPr lang="en-US"/>
+          </a:p>
+        </p:txBody>
+      </p:sp>
+      <p:sp>
+        <p:nvSpPr>
+          <p:cNvPr id="19" name="Right Arrow 18"/>
+          <p:cNvSpPr/>
+          <p:nvPr/>
+        </p:nvSpPr>
+        <p:spPr>
+          <a:xfrm>
+            <a:off x="4556372" y="3088056"/>
+            <a:ext cx="518549" cy="328127"/>
+          </a:xfrm>
+          <a:prstGeom prst="rightArrow">
+            <a:avLst/>
+          </a:prstGeom>
+          <a:solidFill>
+            <a:schemeClr val="accent5">
+              <a:lumMod val="60000"/>
+              <a:lumOff val="40000"/>
+            </a:schemeClr>
+          </a:solidFill>
+        </p:spPr>
+        <p:style>
+          <a:lnRef idx="1">
+            <a:schemeClr val="accent1"/>
+          </a:lnRef>
+          <a:fillRef idx="3">
+            <a:schemeClr val="accent1"/>
+          </a:fillRef>
+          <a:effectRef idx="2">
+            <a:schemeClr val="accent1"/>
+          </a:effectRef>
+          <a:fontRef idx="minor">
+            <a:schemeClr val="lt1"/>
+          </a:fontRef>
+        </p:style>
+        <p:txBody>
+          <a:bodyPr rtlCol="0" anchor="ctr"/>
+          <a:lstStyle/>
+          <a:p>
+            <a:pPr algn="ctr"/>
+            <a:endParaRPr lang="en-US"/>
+          </a:p>
+        </p:txBody>
+      </p:sp>
+      <p:sp>
+        <p:nvSpPr>
+          <p:cNvPr id="20" name="Punched Tape 19"/>
+          <p:cNvSpPr/>
+          <p:nvPr/>
+        </p:nvSpPr>
+        <p:spPr>
+          <a:xfrm>
+            <a:off x="3170367" y="2844436"/>
+            <a:ext cx="1307591" cy="833396"/>
+          </a:xfrm>
+          <a:prstGeom prst="flowChartPunchedTape">
+            <a:avLst/>
+          </a:prstGeom>
+        </p:spPr>
+        <p:style>
+          <a:lnRef idx="1">
+            <a:schemeClr val="accent1"/>
+          </a:lnRef>
+          <a:fillRef idx="3">
+            <a:schemeClr val="accent1"/>
+          </a:fillRef>
+          <a:effectRef idx="2">
+            <a:schemeClr val="accent1"/>
+          </a:effectRef>
+          <a:fontRef idx="minor">
+            <a:schemeClr val="lt1"/>
+          </a:fontRef>
+        </p:style>
+        <p:txBody>
+          <a:bodyPr rtlCol="0" anchor="ctr"/>
+          <a:lstStyle/>
+          <a:p>
+            <a:pPr algn="ctr"/>
+            <a:r>
+              <a:rPr lang="en-US" sz="900" dirty="0"/>
+              <a:t>Ensemble of Models	</a:t>
+            </a:r>
+          </a:p>
+        </p:txBody>
+      </p:sp>
+      <p:sp>
+        <p:nvSpPr>
+          <p:cNvPr id="24" name="Rectangle 23"/>
+          <p:cNvSpPr/>
+          <p:nvPr/>
+        </p:nvSpPr>
+        <p:spPr>
+          <a:xfrm>
+            <a:off x="5119003" y="2442527"/>
+            <a:ext cx="1088655" cy="1689243"/>
+          </a:xfrm>
+          <a:prstGeom prst="rect">
+            <a:avLst/>
+          </a:prstGeom>
+          <a:solidFill>
+            <a:srgbClr val="376092"/>
+          </a:solidFill>
+        </p:spPr>
+        <p:style>
+          <a:lnRef idx="1">
+            <a:schemeClr val="accent1"/>
+          </a:lnRef>
+          <a:fillRef idx="3">
+            <a:schemeClr val="accent1"/>
+          </a:fillRef>
+          <a:effectRef idx="2">
+            <a:schemeClr val="accent1"/>
+          </a:effectRef>
+          <a:fontRef idx="minor">
+            <a:schemeClr val="lt1"/>
+          </a:fontRef>
+        </p:style>
+        <p:txBody>
+          <a:bodyPr rtlCol="0" anchor="ctr"/>
+          <a:lstStyle/>
+          <a:p>
+            <a:pPr algn="ctr"/>
+            <a:r>
+              <a:rPr lang="en-US" sz="1200" dirty="0"/>
+              <a:t>Mining of models</a:t>
+            </a:r>
+          </a:p>
+        </p:txBody>
+      </p:sp>
+      <p:sp>
+        <p:nvSpPr>
+          <p:cNvPr id="25" name="Right Arrow 24"/>
+          <p:cNvSpPr/>
+          <p:nvPr/>
+        </p:nvSpPr>
+        <p:spPr>
+          <a:xfrm>
+            <a:off x="6266479" y="2633341"/>
+            <a:ext cx="518549" cy="328127"/>
+          </a:xfrm>
+          <a:prstGeom prst="rightArrow">
+            <a:avLst/>
+          </a:prstGeom>
+          <a:solidFill>
+            <a:schemeClr val="accent5">
+              <a:lumMod val="60000"/>
+              <a:lumOff val="40000"/>
+            </a:schemeClr>
+          </a:solidFill>
+        </p:spPr>
+        <p:style>
+          <a:lnRef idx="1">
+            <a:schemeClr val="accent1"/>
+          </a:lnRef>
+          <a:fillRef idx="3">
+            <a:schemeClr val="accent1"/>
+          </a:fillRef>
+          <a:effectRef idx="2">
+            <a:schemeClr val="accent1"/>
+          </a:effectRef>
+          <a:fontRef idx="minor">
+            <a:schemeClr val="lt1"/>
+          </a:fontRef>
+        </p:style>
+        <p:txBody>
+          <a:bodyPr rtlCol="0" anchor="ctr"/>
+          <a:lstStyle/>
+          <a:p>
+            <a:pPr algn="ctr"/>
+            <a:endParaRPr lang="en-US"/>
+          </a:p>
+        </p:txBody>
+      </p:sp>
+      <p:sp>
+        <p:nvSpPr>
+          <p:cNvPr id="26" name="Punched Tape 25"/>
+          <p:cNvSpPr/>
+          <p:nvPr/>
+        </p:nvSpPr>
+        <p:spPr>
+          <a:xfrm>
+            <a:off x="6848565" y="2372857"/>
+            <a:ext cx="1028997" cy="850688"/>
+          </a:xfrm>
+          <a:prstGeom prst="flowChartPunchedTape">
+            <a:avLst/>
+          </a:prstGeom>
+          <a:solidFill>
+            <a:srgbClr val="E46C0A"/>
+          </a:solidFill>
+        </p:spPr>
+        <p:style>
+          <a:lnRef idx="1">
+            <a:schemeClr val="accent1"/>
+          </a:lnRef>
+          <a:fillRef idx="3">
+            <a:schemeClr val="accent1"/>
+          </a:fillRef>
+          <a:effectRef idx="2">
+            <a:schemeClr val="accent1"/>
+          </a:effectRef>
+          <a:fontRef idx="minor">
+            <a:schemeClr val="lt1"/>
+          </a:fontRef>
+        </p:style>
+        <p:txBody>
+          <a:bodyPr rtlCol="0" anchor="ctr"/>
+          <a:lstStyle/>
+          <a:p>
+            <a:pPr algn="ctr"/>
+            <a:r>
+              <a:rPr lang="en-US" sz="900" dirty="0"/>
+              <a:t>Final Ranking of variables</a:t>
+            </a:r>
+          </a:p>
+        </p:txBody>
+      </p:sp>
+      <p:sp>
+        <p:nvSpPr>
+          <p:cNvPr id="29" name="Can 28"/>
+          <p:cNvSpPr/>
+          <p:nvPr/>
+        </p:nvSpPr>
+        <p:spPr>
+          <a:xfrm>
+            <a:off x="77900" y="2747647"/>
+            <a:ext cx="889752" cy="1028637"/>
+          </a:xfrm>
+          <a:prstGeom prst="can">
+            <a:avLst/>
+          </a:prstGeom>
+        </p:spPr>
+        <p:style>
+          <a:lnRef idx="1">
+            <a:schemeClr val="accent1"/>
+          </a:lnRef>
+          <a:fillRef idx="3">
+            <a:schemeClr val="accent1"/>
+          </a:fillRef>
+          <a:effectRef idx="2">
+            <a:schemeClr val="accent1"/>
+          </a:effectRef>
+          <a:fontRef idx="minor">
+            <a:schemeClr val="lt1"/>
+          </a:fontRef>
+        </p:style>
+        <p:txBody>
+          <a:bodyPr rtlCol="0" anchor="ctr"/>
+          <a:lstStyle/>
+          <a:p>
+            <a:pPr algn="ctr"/>
+            <a:r>
+              <a:rPr lang="en-US" sz="1200" dirty="0"/>
+              <a:t>Dataset</a:t>
+            </a:r>
+          </a:p>
+        </p:txBody>
+      </p:sp>
+      <p:sp>
+        <p:nvSpPr>
+          <p:cNvPr id="31" name="Right Arrow 30"/>
+          <p:cNvSpPr/>
+          <p:nvPr/>
+        </p:nvSpPr>
+        <p:spPr>
+          <a:xfrm>
+            <a:off x="6266479" y="3558386"/>
+            <a:ext cx="518549" cy="328127"/>
+          </a:xfrm>
+          <a:prstGeom prst="rightArrow">
+            <a:avLst/>
+          </a:prstGeom>
+          <a:solidFill>
+            <a:schemeClr val="accent5">
+              <a:lumMod val="60000"/>
+              <a:lumOff val="40000"/>
+            </a:schemeClr>
+          </a:solidFill>
+        </p:spPr>
+        <p:style>
+          <a:lnRef idx="1">
+            <a:schemeClr val="accent1"/>
+          </a:lnRef>
+          <a:fillRef idx="3">
+            <a:schemeClr val="accent1"/>
+          </a:fillRef>
+          <a:effectRef idx="2">
+            <a:schemeClr val="accent1"/>
+          </a:effectRef>
+          <a:fontRef idx="minor">
+            <a:schemeClr val="lt1"/>
+          </a:fontRef>
+        </p:style>
+        <p:txBody>
+          <a:bodyPr rtlCol="0" anchor="ctr"/>
+          <a:lstStyle/>
+          <a:p>
+            <a:pPr algn="ctr"/>
+            <a:endParaRPr lang="en-US"/>
+          </a:p>
+        </p:txBody>
+      </p:sp>
+      <p:pic>
+        <p:nvPicPr>
+          <p:cNvPr id="32" name="Picture 3"/>
+          <p:cNvPicPr>
+            <a:picLocks noChangeAspect="1"/>
+          </p:cNvPicPr>
+          <p:nvPr/>
+        </p:nvPicPr>
+        <p:blipFill>
+          <a:blip r:embed="rId2">
+            <a:extLst>
+              <a:ext uri="{28A0092B-C50C-407E-A947-70E740481C1C}">
+                <a14:useLocalDpi xmlns:a14="http://schemas.microsoft.com/office/drawing/2010/main" val="0"/>
+              </a:ext>
+            </a:extLst>
+          </a:blip>
+          <a:srcRect/>
+          <a:stretch>
+            <a:fillRect/>
+          </a:stretch>
+        </p:blipFill>
+        <p:spPr bwMode="auto">
+          <a:xfrm>
+            <a:off x="6848566" y="3350344"/>
+            <a:ext cx="1181089" cy="951394"/>
+          </a:xfrm>
+          <a:prstGeom prst="rect">
+            <a:avLst/>
+          </a:prstGeom>
+          <a:noFill/>
+          <a:ln>
+            <a:noFill/>
+          </a:ln>
+          <a:extLst>
+            <a:ext uri="{909E8E84-426E-40dd-AFC4-6F175D3DCCD1}">
+              <a14:hiddenFill xmlns:a14="http://schemas.microsoft.com/office/drawing/2010/main">
+                <a:solidFill>
+                  <a:srgbClr val="FFFFFF"/>
+                </a:solidFill>
+              </a14:hiddenFill>
+            </a:ext>
+            <a:ext uri="{91240B29-F687-4f45-9708-019B960494DF}">
+              <a14:hiddenLine xmlns:a14="http://schemas.microsoft.com/office/drawing/2010/main" w="9525">
+                <a:solidFill>
+                  <a:srgbClr val="000000"/>
+                </a:solidFill>
+                <a:miter lim="800000"/>
+                <a:headEnd/>
+                <a:tailEnd/>
+              </a14:hiddenLine>
+            </a:ext>
+          </a:extLst>
+        </p:spPr>
+      </p:pic>
+      <p:sp>
+        <p:nvSpPr>
+          <p:cNvPr id="33" name="Right Arrow 32"/>
+          <p:cNvSpPr/>
+          <p:nvPr/>
+        </p:nvSpPr>
+        <p:spPr>
+          <a:xfrm>
+            <a:off x="2602966" y="3086358"/>
+            <a:ext cx="518549" cy="328127"/>
+          </a:xfrm>
+          <a:prstGeom prst="rightArrow">
+            <a:avLst/>
+          </a:prstGeom>
+          <a:solidFill>
+            <a:schemeClr val="accent5">
+              <a:lumMod val="60000"/>
+              <a:lumOff val="40000"/>
+            </a:schemeClr>
+          </a:solidFill>
+        </p:spPr>
+        <p:style>
+          <a:lnRef idx="1">
+            <a:schemeClr val="accent1"/>
+          </a:lnRef>
+          <a:fillRef idx="3">
+            <a:schemeClr val="accent1"/>
+          </a:fillRef>
+          <a:effectRef idx="2">
+            <a:schemeClr val="accent1"/>
+          </a:effectRef>
+          <a:fontRef idx="minor">
+            <a:schemeClr val="lt1"/>
+          </a:fontRef>
+        </p:style>
+        <p:txBody>
+          <a:bodyPr rtlCol="0" anchor="ctr"/>
+          <a:lstStyle/>
+          <a:p>
+            <a:pPr algn="ctr"/>
+            <a:endParaRPr lang="en-US"/>
+          </a:p>
+        </p:txBody>
+      </p:sp>
+      <p:sp>
+        <p:nvSpPr>
+          <p:cNvPr id="30" name="Content Placeholder 2"/>
+          <p:cNvSpPr>
+            <a:spLocks noGrp="1"/>
+          </p:cNvSpPr>
+          <p:nvPr>
+            <p:ph idx="1"/>
+          </p:nvPr>
+        </p:nvSpPr>
+        <p:spPr>
+          <a:xfrm>
+            <a:off x="184752" y="1523530"/>
+            <a:ext cx="7597101" cy="5123851"/>
+          </a:xfrm>
+        </p:spPr>
+        <p:txBody>
+          <a:bodyPr>
+            <a:normAutofit/>
+          </a:bodyPr>
+          <a:lstStyle/>
+          <a:p>
+            <a:r>
+              <a:rPr lang="en-GB" dirty="0"/>
+              <a:t>Systematic algorithmic pipelines to extract knowledge from data</a:t>
+            </a:r>
+          </a:p>
+          <a:p>
+            <a:endParaRPr lang="en-GB" dirty="0"/>
+          </a:p>
+          <a:p>
+            <a:endParaRPr lang="en-GB" dirty="0"/>
+          </a:p>
+          <a:p>
+            <a:endParaRPr lang="en-GB" dirty="0"/>
+          </a:p>
+          <a:p>
+            <a:endParaRPr lang="en-GB" sz="2400" dirty="0" smtClean="0">
+              <a:cs typeface="Calibri Light"/>
+            </a:endParaRPr>
+          </a:p>
+          <a:p>
+            <a:r>
+              <a:rPr lang="en-GB" sz="2400" dirty="0" smtClean="0">
+                <a:cs typeface="Calibri Light"/>
+              </a:rPr>
+              <a:t>Heuristics </a:t>
+            </a:r>
+            <a:r>
+              <a:rPr lang="en-GB" sz="2400" dirty="0">
+                <a:cs typeface="Calibri Light"/>
+              </a:rPr>
+              <a:t>to identify reduced but highly predictive sets of variables (panels of biomarkers)</a:t>
+            </a:r>
+          </a:p>
+          <a:p>
+            <a:pPr lvl="1"/>
+            <a:r>
+              <a:rPr lang="en-US" sz="2000" dirty="0" smtClean="0">
+                <a:cs typeface="Calibri Light"/>
+              </a:rPr>
+              <a:t>Swan et al. </a:t>
+            </a:r>
+            <a:r>
+              <a:rPr lang="en-US" sz="2000" dirty="0"/>
+              <a:t>BMC Genomics 2015, 16(</a:t>
+            </a:r>
+            <a:r>
+              <a:rPr lang="en-US" sz="2000" dirty="0" err="1"/>
+              <a:t>Suppl</a:t>
+            </a:r>
+            <a:r>
+              <a:rPr lang="en-US" sz="2000" dirty="0"/>
+              <a:t> 1):</a:t>
+            </a:r>
+            <a:r>
+              <a:rPr lang="en-US" sz="2000" dirty="0" smtClean="0"/>
+              <a:t>S2; </a:t>
+            </a:r>
+            <a:r>
+              <a:rPr lang="en-US" sz="2000" dirty="0" smtClean="0">
+                <a:cs typeface="Calibri Light"/>
+              </a:rPr>
+              <a:t> </a:t>
+            </a:r>
+            <a:r>
+              <a:rPr lang="en-US" sz="2000" dirty="0" err="1" smtClean="0">
+                <a:cs typeface="Calibri Light"/>
+              </a:rPr>
+              <a:t>Lazzarini</a:t>
+            </a:r>
+            <a:r>
+              <a:rPr lang="en-US" sz="2000" dirty="0" smtClean="0">
+                <a:cs typeface="Calibri Light"/>
+              </a:rPr>
+              <a:t> </a:t>
+            </a:r>
+            <a:r>
+              <a:rPr lang="en-US" sz="2000" dirty="0">
+                <a:cs typeface="Calibri Light"/>
+              </a:rPr>
+              <a:t>et al. BMC Bioinformatics 2017 18(1):322</a:t>
+            </a:r>
+          </a:p>
+          <a:p>
+            <a:r>
+              <a:rPr lang="en-GB" sz="2400" dirty="0">
+                <a:cs typeface="Calibri Light"/>
+              </a:rPr>
+              <a:t>Inference of networks of interactions</a:t>
+            </a:r>
+          </a:p>
+          <a:p>
+            <a:pPr lvl="1"/>
+            <a:r>
+              <a:rPr lang="en-GB" sz="2000" dirty="0" err="1">
+                <a:cs typeface="Calibri Light"/>
+              </a:rPr>
+              <a:t>Lazzarini</a:t>
+            </a:r>
+            <a:r>
+              <a:rPr lang="en-GB" sz="2000" dirty="0">
+                <a:cs typeface="Calibri Light"/>
+              </a:rPr>
+              <a:t> et al. </a:t>
+            </a:r>
+            <a:r>
+              <a:rPr lang="en-GB" sz="2000" dirty="0" err="1">
+                <a:cs typeface="Calibri Light"/>
+              </a:rPr>
+              <a:t>BioData</a:t>
+            </a:r>
+            <a:r>
+              <a:rPr lang="en-GB" sz="2000" dirty="0">
+                <a:cs typeface="Calibri Light"/>
+              </a:rPr>
+              <a:t> Mining 2016, 9:28</a:t>
+            </a:r>
+          </a:p>
+          <a:p>
+            <a:endParaRPr lang="en-GB" dirty="0"/>
+          </a:p>
+          <a:p>
+            <a:endParaRPr lang="en-GB" dirty="0"/>
+          </a:p>
+          <a:p>
+            <a:endParaRPr lang="en-GB" dirty="0"/>
+          </a:p>
+          <a:p>
+            <a:endParaRPr lang="en-GB" dirty="0"/>
+          </a:p>
+        </p:txBody>
+      </p:sp>
+      <p:sp>
+        <p:nvSpPr>
+          <p:cNvPr id="23" name="Rectangle 9">
+            <a:extLst>
+              <a:ext uri="{FF2B5EF4-FFF2-40B4-BE49-F238E27FC236}">
+                <a16:creationId xmlns:a16="http://schemas.microsoft.com/office/drawing/2014/main" xmlns="" id="{434A9C72-D155-0149-9DA1-8687DB6034A1}"/>
+              </a:ext>
+            </a:extLst>
+          </p:cNvPr>
+          <p:cNvSpPr>
+            <a:spLocks noChangeArrowheads="1"/>
+          </p:cNvSpPr>
+          <p:nvPr/>
+        </p:nvSpPr>
+        <p:spPr bwMode="auto">
+          <a:xfrm>
+            <a:off x="7954613" y="1223492"/>
+            <a:ext cx="4162345" cy="600075"/>
+          </a:xfrm>
+          <a:prstGeom prst="rect">
+            <a:avLst/>
+          </a:prstGeom>
+          <a:noFill/>
+          <a:ln>
+            <a:noFill/>
+          </a:ln>
+          <a:extLst>
+            <a:ext uri="{909E8E84-426E-40dd-AFC4-6F175D3DCCD1}">
+              <a14:hiddenFill xmlns:a14="http://schemas.microsoft.com/office/drawing/2010/main">
+                <a:solidFill>
+                  <a:srgbClr val="FFFFFF"/>
+                </a:solidFill>
+              </a14:hiddenFill>
+            </a:ext>
+            <a:ext uri="{91240B29-F687-4f45-9708-019B960494DF}">
+              <a14:hiddenLine xmlns:a14="http://schemas.microsoft.com/office/drawing/2010/main" w="9525">
+                <a:solidFill>
+                  <a:srgbClr val="000000"/>
+                </a:solidFill>
+                <a:miter lim="800000"/>
+                <a:headEnd/>
+                <a:tailEnd/>
+              </a14:hiddenLine>
+            </a:ext>
+          </a:extLst>
+        </p:spPr>
+        <p:txBody>
+          <a:bodyPr wrap="square">
+            <a:spAutoFit/>
+          </a:bodyPr>
+          <a:lstStyle/>
+          <a:p>
+            <a:r>
+              <a:rPr lang="en-US" sz="1050" dirty="0">
+                <a:latin typeface="Calibri Light"/>
+                <a:cs typeface="Calibri Light"/>
+              </a:rPr>
+              <a:t>Functional Network Construction in Arabidopsis Using Rule-Based Machine Learning on Large-Scale Data Sets. The Plant Cell, 23(9):3101-3116, 2011</a:t>
+            </a:r>
+          </a:p>
+        </p:txBody>
+      </p:sp>
+      <p:sp>
+        <p:nvSpPr>
+          <p:cNvPr id="27" name="Rectangle 5">
+            <a:extLst>
+              <a:ext uri="{FF2B5EF4-FFF2-40B4-BE49-F238E27FC236}">
+                <a16:creationId xmlns:a16="http://schemas.microsoft.com/office/drawing/2014/main" xmlns="" id="{2940C540-2F2F-5E4F-8A8A-8BA731178D7D}"/>
+              </a:ext>
+            </a:extLst>
+          </p:cNvPr>
+          <p:cNvSpPr>
+            <a:spLocks noChangeArrowheads="1"/>
+          </p:cNvSpPr>
+          <p:nvPr/>
+        </p:nvSpPr>
+        <p:spPr bwMode="auto">
+          <a:xfrm>
+            <a:off x="7941100" y="1769813"/>
+            <a:ext cx="4059376" cy="577081"/>
+          </a:xfrm>
+          <a:prstGeom prst="rect">
+            <a:avLst/>
+          </a:prstGeom>
+          <a:noFill/>
+          <a:ln>
+            <a:noFill/>
+          </a:ln>
+          <a:extLst>
+            <a:ext uri="{909E8E84-426E-40dd-AFC4-6F175D3DCCD1}">
+              <a14:hiddenFill xmlns:a14="http://schemas.microsoft.com/office/drawing/2010/main">
+                <a:solidFill>
+                  <a:srgbClr val="FFFFFF"/>
+                </a:solidFill>
+              </a14:hiddenFill>
+            </a:ext>
+            <a:ext uri="{91240B29-F687-4f45-9708-019B960494DF}">
+              <a14:hiddenLine xmlns:a14="http://schemas.microsoft.com/office/drawing/2010/main" w="9525">
+                <a:solidFill>
+                  <a:srgbClr val="000000"/>
+                </a:solidFill>
+                <a:miter lim="800000"/>
+                <a:headEnd/>
+                <a:tailEnd/>
+              </a14:hiddenLine>
+            </a:ext>
+          </a:extLst>
+        </p:spPr>
+        <p:txBody>
+          <a:bodyPr wrap="square">
+            <a:spAutoFit/>
+          </a:bodyPr>
+          <a:lstStyle/>
+          <a:p>
+            <a:r>
+              <a:rPr lang="en-US" sz="1050" dirty="0">
+                <a:latin typeface="Calibri Light"/>
+                <a:cs typeface="Calibri Light"/>
+              </a:rPr>
+              <a:t>Using Rule-Based Machine Learning for Candidate Disease Gene Prioritization and Sample Classification of Cancer Gene Expression Data. </a:t>
+            </a:r>
+            <a:r>
+              <a:rPr lang="en-US" sz="1050" dirty="0" err="1">
+                <a:latin typeface="Calibri Light"/>
+                <a:cs typeface="Calibri Light"/>
+              </a:rPr>
+              <a:t>PLoS</a:t>
+            </a:r>
+            <a:r>
+              <a:rPr lang="en-US" sz="1050" dirty="0">
+                <a:latin typeface="Calibri Light"/>
+                <a:cs typeface="Calibri Light"/>
+              </a:rPr>
+              <a:t> ONE 7(7):e39932. 2012</a:t>
+            </a:r>
+          </a:p>
+        </p:txBody>
+      </p:sp>
+      <p:sp>
+        <p:nvSpPr>
+          <p:cNvPr id="28" name="Rectangle 6">
+            <a:extLst>
+              <a:ext uri="{FF2B5EF4-FFF2-40B4-BE49-F238E27FC236}">
+                <a16:creationId xmlns:a16="http://schemas.microsoft.com/office/drawing/2014/main" xmlns="" id="{A4FED432-066A-F44B-A7EE-13CF09EF2C01}"/>
+              </a:ext>
+            </a:extLst>
+          </p:cNvPr>
+          <p:cNvSpPr>
+            <a:spLocks noChangeArrowheads="1"/>
+          </p:cNvSpPr>
+          <p:nvPr/>
+        </p:nvSpPr>
+        <p:spPr bwMode="auto">
+          <a:xfrm>
+            <a:off x="7941100" y="2448147"/>
+            <a:ext cx="4059376" cy="738664"/>
+          </a:xfrm>
+          <a:prstGeom prst="rect">
+            <a:avLst/>
+          </a:prstGeom>
+          <a:noFill/>
+          <a:ln>
+            <a:noFill/>
+          </a:ln>
+          <a:extLst>
+            <a:ext uri="{909E8E84-426E-40dd-AFC4-6F175D3DCCD1}">
+              <a14:hiddenFill xmlns:a14="http://schemas.microsoft.com/office/drawing/2010/main">
+                <a:solidFill>
+                  <a:srgbClr val="FFFFFF"/>
+                </a:solidFill>
+              </a14:hiddenFill>
+            </a:ext>
+            <a:ext uri="{91240B29-F687-4f45-9708-019B960494DF}">
+              <a14:hiddenLine xmlns:a14="http://schemas.microsoft.com/office/drawing/2010/main" w="9525">
+                <a:solidFill>
+                  <a:srgbClr val="000000"/>
+                </a:solidFill>
+                <a:miter lim="800000"/>
+                <a:headEnd/>
+                <a:tailEnd/>
+              </a14:hiddenLine>
+            </a:ext>
+          </a:extLst>
+        </p:spPr>
+        <p:txBody>
+          <a:bodyPr wrap="square">
+            <a:spAutoFit/>
+          </a:bodyPr>
+          <a:lstStyle/>
+          <a:p>
+            <a:r>
+              <a:rPr lang="en-US" sz="1050" dirty="0">
+                <a:latin typeface="Calibri Light"/>
+                <a:cs typeface="Calibri Light"/>
+              </a:rPr>
+              <a:t>Analysis of mass spectrometry data from the </a:t>
+            </a:r>
+            <a:r>
+              <a:rPr lang="en-US" sz="1050" dirty="0" err="1">
+                <a:latin typeface="Calibri Light"/>
+                <a:cs typeface="Calibri Light"/>
+              </a:rPr>
+              <a:t>secretome</a:t>
+            </a:r>
+            <a:r>
+              <a:rPr lang="en-US" sz="1050" dirty="0">
+                <a:latin typeface="Calibri Light"/>
+                <a:cs typeface="Calibri Light"/>
+              </a:rPr>
+              <a:t> of an explant model of articular cartilage exposed to pro-inflammatory and anti-inflammatory stimuli using machine learning. BMC Musculoskeletal Disorders, 14:349, 2013</a:t>
+            </a:r>
+          </a:p>
+        </p:txBody>
+      </p:sp>
+      <p:sp>
+        <p:nvSpPr>
+          <p:cNvPr id="34" name="Rectangle 7">
+            <a:extLst>
+              <a:ext uri="{FF2B5EF4-FFF2-40B4-BE49-F238E27FC236}">
+                <a16:creationId xmlns:a16="http://schemas.microsoft.com/office/drawing/2014/main" xmlns="" id="{4FE68FAE-4494-4B41-9C23-6A583F82171F}"/>
+              </a:ext>
+            </a:extLst>
+          </p:cNvPr>
+          <p:cNvSpPr>
+            <a:spLocks noChangeArrowheads="1"/>
+          </p:cNvSpPr>
+          <p:nvPr/>
+        </p:nvSpPr>
+        <p:spPr bwMode="auto">
+          <a:xfrm>
+            <a:off x="7941100" y="3736267"/>
+            <a:ext cx="4059376" cy="738664"/>
+          </a:xfrm>
+          <a:prstGeom prst="rect">
+            <a:avLst/>
+          </a:prstGeom>
+          <a:noFill/>
+          <a:ln>
+            <a:noFill/>
+          </a:ln>
+          <a:extLst>
+            <a:ext uri="{909E8E84-426E-40dd-AFC4-6F175D3DCCD1}">
+              <a14:hiddenFill xmlns:a14="http://schemas.microsoft.com/office/drawing/2010/main">
+                <a:solidFill>
+                  <a:srgbClr val="FFFFFF"/>
+                </a:solidFill>
+              </a14:hiddenFill>
+            </a:ext>
+            <a:ext uri="{91240B29-F687-4f45-9708-019B960494DF}">
+              <a14:hiddenLine xmlns:a14="http://schemas.microsoft.com/office/drawing/2010/main" w="9525">
+                <a:solidFill>
+                  <a:srgbClr val="000000"/>
+                </a:solidFill>
+                <a:miter lim="800000"/>
+                <a:headEnd/>
+                <a:tailEnd/>
+              </a14:hiddenLine>
+            </a:ext>
+          </a:extLst>
+        </p:spPr>
+        <p:txBody>
+          <a:bodyPr wrap="square">
+            <a:spAutoFit/>
+          </a:bodyPr>
+          <a:lstStyle/>
+          <a:p>
+            <a:r>
+              <a:rPr lang="en-US" sz="1050" dirty="0">
+                <a:latin typeface="Calibri Light"/>
+                <a:cs typeface="Calibri Light"/>
+              </a:rPr>
+              <a:t>S. Baron, N. </a:t>
+            </a:r>
+            <a:r>
+              <a:rPr lang="en-US" sz="1050" dirty="0" err="1">
+                <a:latin typeface="Calibri Light"/>
+                <a:cs typeface="Calibri Light"/>
+              </a:rPr>
+              <a:t>Lazzarini</a:t>
+            </a:r>
+            <a:r>
+              <a:rPr lang="en-US" sz="1050" dirty="0">
+                <a:latin typeface="Calibri Light"/>
+                <a:cs typeface="Calibri Light"/>
+              </a:rPr>
+              <a:t> and J. </a:t>
+            </a:r>
+            <a:r>
+              <a:rPr lang="en-US" sz="1050" dirty="0" smtClean="0">
+                <a:latin typeface="Calibri Light"/>
+                <a:cs typeface="Calibri Light"/>
+              </a:rPr>
+              <a:t>Bacardit. </a:t>
+            </a:r>
+            <a:r>
+              <a:rPr lang="en-US" sz="1050" dirty="0" err="1" smtClean="0">
+                <a:latin typeface="Calibri Light"/>
+                <a:cs typeface="Calibri Light"/>
+              </a:rPr>
+              <a:t>Characterising</a:t>
+            </a:r>
+            <a:r>
+              <a:rPr lang="en-US" sz="1050" dirty="0" smtClean="0">
+                <a:latin typeface="Calibri Light"/>
+                <a:cs typeface="Calibri Light"/>
+              </a:rPr>
+              <a:t> </a:t>
+            </a:r>
+            <a:r>
+              <a:rPr lang="en-US" sz="1050" dirty="0">
+                <a:latin typeface="Calibri Light"/>
+                <a:cs typeface="Calibri Light"/>
+              </a:rPr>
+              <a:t>the Influence of Rule-Based Knowledge Representations in Biological Knowledge Extraction from </a:t>
+            </a:r>
+            <a:r>
+              <a:rPr lang="en-US" sz="1050" dirty="0" err="1">
+                <a:latin typeface="Calibri Light"/>
+                <a:cs typeface="Calibri Light"/>
+              </a:rPr>
+              <a:t>Transcriptomics</a:t>
+            </a:r>
+            <a:r>
+              <a:rPr lang="en-US" sz="1050" dirty="0">
+                <a:latin typeface="Calibri Light"/>
+                <a:cs typeface="Calibri Light"/>
+              </a:rPr>
+              <a:t> </a:t>
+            </a:r>
+            <a:r>
+              <a:rPr lang="en-US" sz="1050" dirty="0" smtClean="0">
+                <a:latin typeface="Calibri Light"/>
+                <a:cs typeface="Calibri Light"/>
+              </a:rPr>
+              <a:t>Data. Proceedings </a:t>
+            </a:r>
+            <a:r>
+              <a:rPr lang="en-US" sz="1050" dirty="0">
+                <a:latin typeface="Calibri Light"/>
+                <a:cs typeface="Calibri Light"/>
+              </a:rPr>
+              <a:t>of </a:t>
+            </a:r>
+            <a:r>
+              <a:rPr lang="en-US" sz="1050" dirty="0" err="1">
+                <a:latin typeface="Calibri Light"/>
+                <a:cs typeface="Calibri Light"/>
+              </a:rPr>
+              <a:t>EvoApplications</a:t>
+            </a:r>
+            <a:r>
+              <a:rPr lang="en-US" sz="1050" dirty="0">
+                <a:latin typeface="Calibri Light"/>
+                <a:cs typeface="Calibri Light"/>
+              </a:rPr>
+              <a:t> 2017, LNCS 10199, p.125-141, Springer, 2017</a:t>
+            </a:r>
+            <a:endParaRPr lang="en-US" sz="1050" dirty="0">
+              <a:latin typeface="Calibri Light"/>
+              <a:cs typeface="Calibri Light"/>
+            </a:endParaRPr>
+          </a:p>
+        </p:txBody>
+      </p:sp>
+      <p:sp>
+        <p:nvSpPr>
+          <p:cNvPr id="35" name="Rectangle 6">
+            <a:extLst>
+              <a:ext uri="{FF2B5EF4-FFF2-40B4-BE49-F238E27FC236}">
+                <a16:creationId xmlns:a16="http://schemas.microsoft.com/office/drawing/2014/main" xmlns="" id="{35C72F29-62DE-704E-8717-F32411ED6901}"/>
+              </a:ext>
+            </a:extLst>
+          </p:cNvPr>
+          <p:cNvSpPr>
+            <a:spLocks noChangeArrowheads="1"/>
+          </p:cNvSpPr>
+          <p:nvPr/>
+        </p:nvSpPr>
+        <p:spPr bwMode="auto">
+          <a:xfrm>
+            <a:off x="7941100" y="3247515"/>
+            <a:ext cx="4059376" cy="415498"/>
+          </a:xfrm>
+          <a:prstGeom prst="rect">
+            <a:avLst/>
+          </a:prstGeom>
+          <a:noFill/>
+          <a:ln>
+            <a:noFill/>
+          </a:ln>
+          <a:extLst>
+            <a:ext uri="{909E8E84-426E-40dd-AFC4-6F175D3DCCD1}">
+              <a14:hiddenFill xmlns:a14="http://schemas.microsoft.com/office/drawing/2010/main">
+                <a:solidFill>
+                  <a:srgbClr val="FFFFFF"/>
+                </a:solidFill>
+              </a14:hiddenFill>
+            </a:ext>
+            <a:ext uri="{91240B29-F687-4f45-9708-019B960494DF}">
+              <a14:hiddenLine xmlns:a14="http://schemas.microsoft.com/office/drawing/2010/main" w="9525">
+                <a:solidFill>
+                  <a:srgbClr val="000000"/>
+                </a:solidFill>
+                <a:miter lim="800000"/>
+                <a:headEnd/>
+                <a:tailEnd/>
+              </a14:hiddenLine>
+            </a:ext>
+          </a:extLst>
+        </p:spPr>
+        <p:txBody>
+          <a:bodyPr wrap="square">
+            <a:spAutoFit/>
+          </a:bodyPr>
+          <a:lstStyle/>
+          <a:p>
+            <a:r>
+              <a:rPr lang="en-US" sz="1050" dirty="0">
+                <a:latin typeface="Calibri Light"/>
+                <a:cs typeface="Calibri Light"/>
+              </a:rPr>
+              <a:t>A machine learning heuristic to identify biologically relevant and minimal biomarker panels from </a:t>
+            </a:r>
+            <a:r>
+              <a:rPr lang="en-US" sz="1050" dirty="0" err="1">
+                <a:latin typeface="Calibri Light"/>
+                <a:cs typeface="Calibri Light"/>
+              </a:rPr>
+              <a:t>omics</a:t>
+            </a:r>
+            <a:r>
+              <a:rPr lang="en-US" sz="1050" dirty="0">
+                <a:latin typeface="Calibri Light"/>
+                <a:cs typeface="Calibri Light"/>
+              </a:rPr>
+              <a:t> data, BMC Genomics, 2015, 16(</a:t>
+            </a:r>
+            <a:r>
+              <a:rPr lang="en-US" sz="1050" dirty="0" err="1">
+                <a:latin typeface="Calibri Light"/>
+                <a:cs typeface="Calibri Light"/>
+              </a:rPr>
+              <a:t>Suppl</a:t>
+            </a:r>
+            <a:r>
+              <a:rPr lang="en-US" sz="1050" dirty="0">
+                <a:latin typeface="Calibri Light"/>
+                <a:cs typeface="Calibri Light"/>
+              </a:rPr>
+              <a:t> 1):S2</a:t>
+            </a:r>
+          </a:p>
+        </p:txBody>
+      </p:sp>
+      <p:pic>
+        <p:nvPicPr>
+          <p:cNvPr id="36" name="Picture 35">
+            <a:extLst>
+              <a:ext uri="{FF2B5EF4-FFF2-40B4-BE49-F238E27FC236}">
+                <a16:creationId xmlns:a16="http://schemas.microsoft.com/office/drawing/2014/main" xmlns="" id="{CD93AEE3-0607-BD4B-8B31-2FCFA2D6C34F}"/>
+              </a:ext>
+            </a:extLst>
+          </p:cNvPr>
+          <p:cNvPicPr>
+            <a:picLocks noChangeAspect="1"/>
+          </p:cNvPicPr>
+          <p:nvPr/>
+        </p:nvPicPr>
+        <p:blipFill>
+          <a:blip r:embed="rId3" cstate="screen">
+            <a:extLst>
+              <a:ext uri="{28A0092B-C50C-407E-A947-70E740481C1C}">
+                <a14:useLocalDpi xmlns:a14="http://schemas.microsoft.com/office/drawing/2010/main"/>
+              </a:ext>
+            </a:extLst>
+          </a:blip>
+          <a:stretch>
+            <a:fillRect/>
+          </a:stretch>
+        </p:blipFill>
+        <p:spPr>
+          <a:xfrm>
+            <a:off x="8087016" y="4532646"/>
+            <a:ext cx="1998731" cy="1853661"/>
+          </a:xfrm>
+          <a:prstGeom prst="rect">
+            <a:avLst/>
+          </a:prstGeom>
+        </p:spPr>
+      </p:pic>
+      <p:pic>
+        <p:nvPicPr>
+          <p:cNvPr id="44" name="Picture 43">
+            <a:extLst>
+              <a:ext uri="{FF2B5EF4-FFF2-40B4-BE49-F238E27FC236}">
+                <a16:creationId xmlns:a16="http://schemas.microsoft.com/office/drawing/2014/main" xmlns="" id="{A703035C-D58F-524C-9F44-459CB889FF76}"/>
+              </a:ext>
+            </a:extLst>
+          </p:cNvPr>
+          <p:cNvPicPr>
+            <a:picLocks noChangeAspect="1"/>
+          </p:cNvPicPr>
+          <p:nvPr/>
+        </p:nvPicPr>
+        <p:blipFill>
+          <a:blip r:embed="rId4" cstate="screen">
+            <a:extLst>
+              <a:ext uri="{28A0092B-C50C-407E-A947-70E740481C1C}">
+                <a14:useLocalDpi xmlns:a14="http://schemas.microsoft.com/office/drawing/2010/main"/>
+              </a:ext>
+            </a:extLst>
+          </a:blip>
+          <a:stretch>
+            <a:fillRect/>
+          </a:stretch>
+        </p:blipFill>
+        <p:spPr>
+          <a:xfrm>
+            <a:off x="10085750" y="4534206"/>
+            <a:ext cx="2031207" cy="1866371"/>
+          </a:xfrm>
+          <a:prstGeom prst="rect">
+            <a:avLst/>
+          </a:prstGeom>
+        </p:spPr>
+      </p:pic>
+      <p:sp>
+        <p:nvSpPr>
+          <p:cNvPr id="3" name="Rectangle 2"/>
+          <p:cNvSpPr/>
+          <p:nvPr/>
+        </p:nvSpPr>
+        <p:spPr>
+          <a:xfrm>
+            <a:off x="8678349" y="6462715"/>
+            <a:ext cx="3165876" cy="369332"/>
+          </a:xfrm>
+          <a:prstGeom prst="rect">
+            <a:avLst/>
+          </a:prstGeom>
+        </p:spPr>
+        <p:txBody>
+          <a:bodyPr wrap="none">
+            <a:spAutoFit/>
+          </a:bodyPr>
+          <a:lstStyle/>
+          <a:p>
+            <a:r>
+              <a:rPr lang="en-US" dirty="0"/>
+              <a:t>http://ico2s.org/</a:t>
+            </a:r>
+            <a:r>
+              <a:rPr lang="en-US" dirty="0" err="1"/>
+              <a:t>resources.html</a:t>
+            </a:r>
+            <a:endParaRPr lang="en-US" dirty="0"/>
+          </a:p>
+        </p:txBody>
+      </p:sp>
+    </p:spTree>
+    <p:extLst>
+      <p:ext uri="{BB962C8B-B14F-4D97-AF65-F5344CB8AC3E}">
+        <p14:creationId xmlns:p14="http://schemas.microsoft.com/office/powerpoint/2010/main" val="1877752469"/>
+      </p:ext>
+    </p:extLst>
+  </p:cSld>
+  <p:clrMapOvr>
+    <a:masterClrMapping/>
+  </p:clrMapOvr>
+</p:sld>
+</file>
+
+<file path=ppt/slides/slide6.xml><?xml version="1.0" encoding="utf-8"?>
+<p:sld xmlns:a="http://schemas.openxmlformats.org/drawingml/2006/main" xmlns:r="http://schemas.openxmlformats.org/officeDocument/2006/relationships" xmlns:p="http://schemas.openxmlformats.org/presentationml/2006/main">
+  <p:cSld>
+    <p:spTree>
+      <p:nvGrpSpPr>
+        <p:cNvPr id="1" name=""/>
+        <p:cNvGrpSpPr/>
+        <p:nvPr/>
+      </p:nvGrpSpPr>
+      <p:grpSpPr>
+        <a:xfrm>
+          <a:off x="0" y="0"/>
+          <a:ext cx="0" cy="0"/>
+          <a:chOff x="0" y="0"/>
+          <a:chExt cx="0" cy="0"/>
+        </a:xfrm>
+      </p:grpSpPr>
+      <p:sp>
+        <p:nvSpPr>
+          <p:cNvPr id="2" name="Title 1"/>
+          <p:cNvSpPr>
+            <a:spLocks noGrp="1"/>
+          </p:cNvSpPr>
+          <p:nvPr>
+            <p:ph type="title"/>
+          </p:nvPr>
+        </p:nvSpPr>
         <p:spPr/>
         <p:txBody>
           <a:bodyPr/>
@@ -6820,10 +8211,6 @@
               </a:rPr>
               <a:t>.</a:t>
             </a:r>
-            <a:endParaRPr lang="en-US" sz="1200" dirty="0">
-              <a:latin typeface="Courier"/>
-              <a:cs typeface="Courier"/>
-            </a:endParaRPr>
           </a:p>
           <a:p>
             <a:r>
@@ -7538,7 +8925,7 @@
 </p:sld>
 </file>
 
-<file path=ppt/slides/slide6.xml><?xml version="1.0" encoding="utf-8"?>
+<file path=ppt/slides/slide7.xml><?xml version="1.0" encoding="utf-8"?>
 <p:sld xmlns:a="http://schemas.openxmlformats.org/drawingml/2006/main" xmlns:r="http://schemas.openxmlformats.org/officeDocument/2006/relationships" xmlns:p="http://schemas.openxmlformats.org/presentationml/2006/main">
   <p:cSld>
     <p:spTree>
@@ -7725,7 +9112,7 @@
 </p:sld>
 </file>
 
-<file path=ppt/slides/slide7.xml><?xml version="1.0" encoding="utf-8"?>
+<file path=ppt/slides/slide8.xml><?xml version="1.0" encoding="utf-8"?>
 <p:sld xmlns:a="http://schemas.openxmlformats.org/drawingml/2006/main" xmlns:r="http://schemas.openxmlformats.org/officeDocument/2006/relationships" xmlns:p="http://schemas.openxmlformats.org/presentationml/2006/main">
   <p:cSld>
     <p:spTree>
@@ -8658,357 +10045,6 @@
 </p:sld>
 </file>
 
-<file path=ppt/slides/slide8.xml><?xml version="1.0" encoding="utf-8"?>
-<p:sld xmlns:a="http://schemas.openxmlformats.org/drawingml/2006/main" xmlns:r="http://schemas.openxmlformats.org/officeDocument/2006/relationships" xmlns:p="http://schemas.openxmlformats.org/presentationml/2006/main">
-  <p:cSld>
-    <p:spTree>
-      <p:nvGrpSpPr>
-        <p:cNvPr id="1" name=""/>
-        <p:cNvGrpSpPr/>
-        <p:nvPr/>
-      </p:nvGrpSpPr>
-      <p:grpSpPr>
-        <a:xfrm>
-          <a:off x="0" y="0"/>
-          <a:ext cx="0" cy="0"/>
-          <a:chOff x="0" y="0"/>
-          <a:chExt cx="0" cy="0"/>
-        </a:xfrm>
-      </p:grpSpPr>
-      <p:sp>
-        <p:nvSpPr>
-          <p:cNvPr id="2" name="Title 1"/>
-          <p:cNvSpPr>
-            <a:spLocks noGrp="1"/>
-          </p:cNvSpPr>
-          <p:nvPr>
-            <p:ph type="title"/>
-          </p:nvPr>
-        </p:nvSpPr>
-        <p:spPr/>
-        <p:txBody>
-          <a:bodyPr/>
-          <a:lstStyle/>
-          <a:p>
-            <a:r>
-              <a:rPr lang="en-US" dirty="0" smtClean="0"/>
-              <a:t>But what if we need to run lots of experiments?</a:t>
-            </a:r>
-            <a:endParaRPr lang="en-US" dirty="0"/>
-          </a:p>
-        </p:txBody>
-      </p:sp>
-      <p:sp>
-        <p:nvSpPr>
-          <p:cNvPr id="3" name="Content Placeholder 2"/>
-          <p:cNvSpPr>
-            <a:spLocks noGrp="1"/>
-          </p:cNvSpPr>
-          <p:nvPr>
-            <p:ph sz="half" idx="1"/>
-          </p:nvPr>
-        </p:nvSpPr>
-        <p:spPr>
-          <a:xfrm>
-            <a:off x="838199" y="1825625"/>
-            <a:ext cx="5334619" cy="4351338"/>
-          </a:xfrm>
-        </p:spPr>
-        <p:txBody>
-          <a:bodyPr>
-            <a:normAutofit fontScale="70000" lnSpcReduction="20000"/>
-          </a:bodyPr>
-          <a:lstStyle/>
-          <a:p>
-            <a:r>
-              <a:rPr lang="en-US" sz="3600" dirty="0" smtClean="0"/>
-              <a:t>Script </a:t>
-            </a:r>
-            <a:r>
-              <a:rPr lang="en-US" sz="3600" dirty="0" err="1" smtClean="0"/>
-              <a:t>runBioHEL.pl</a:t>
-            </a:r>
-            <a:endParaRPr lang="en-US" sz="3600" dirty="0" smtClean="0"/>
-          </a:p>
-          <a:p>
-            <a:r>
-              <a:rPr lang="en-US" sz="3600" dirty="0" smtClean="0"/>
-              <a:t>This script will scan the current directory</a:t>
-            </a:r>
-          </a:p>
-          <a:p>
-            <a:pPr lvl="1"/>
-            <a:r>
-              <a:rPr lang="en-US" sz="3200" dirty="0"/>
-              <a:t>F</a:t>
-            </a:r>
-            <a:r>
-              <a:rPr lang="en-US" sz="3200" dirty="0" smtClean="0"/>
-              <a:t>ind training/test files (prefix </a:t>
-            </a:r>
-            <a:r>
-              <a:rPr lang="en-US" sz="3200" b="1" dirty="0" err="1" smtClean="0"/>
-              <a:t>TrainFold</a:t>
-            </a:r>
-            <a:r>
-              <a:rPr lang="en-US" sz="3200" dirty="0" smtClean="0"/>
-              <a:t> and </a:t>
-            </a:r>
-            <a:r>
-              <a:rPr lang="en-US" sz="3200" b="1" dirty="0" err="1" smtClean="0"/>
-              <a:t>TestFold</a:t>
-            </a:r>
-            <a:endParaRPr lang="en-US" sz="3200" b="1" dirty="0" smtClean="0"/>
-          </a:p>
-          <a:p>
-            <a:pPr lvl="1"/>
-            <a:r>
-              <a:rPr lang="en-US" sz="3200" dirty="0" smtClean="0"/>
-              <a:t>Find </a:t>
-            </a:r>
-            <a:r>
-              <a:rPr lang="en-US" sz="3200" dirty="0" err="1" smtClean="0"/>
-              <a:t>config</a:t>
-            </a:r>
-            <a:r>
-              <a:rPr lang="en-US" sz="3200" dirty="0" smtClean="0"/>
-              <a:t> files (suffix *.</a:t>
-            </a:r>
-            <a:r>
-              <a:rPr lang="en-US" sz="3200" dirty="0" err="1" smtClean="0"/>
-              <a:t>conf</a:t>
-            </a:r>
-            <a:r>
-              <a:rPr lang="en-US" sz="3200" dirty="0" smtClean="0"/>
-              <a:t>)</a:t>
-            </a:r>
-          </a:p>
-          <a:p>
-            <a:r>
-              <a:rPr lang="en-US" sz="3600" dirty="0" smtClean="0"/>
-              <a:t>And with the pre-specified number of repetitions run all combinations of </a:t>
-            </a:r>
-            <a:r>
-              <a:rPr lang="en-US" sz="3600" dirty="0" err="1" smtClean="0"/>
-              <a:t>config</a:t>
-            </a:r>
-            <a:r>
-              <a:rPr lang="en-US" sz="3600" dirty="0" smtClean="0"/>
-              <a:t> files and training/test pairs of files</a:t>
-            </a:r>
-          </a:p>
-          <a:p>
-            <a:r>
-              <a:rPr lang="en-US" sz="3600" dirty="0" smtClean="0"/>
-              <a:t>Also: If you have a multi-core machine you can specify the number of concurrent runs to execute</a:t>
-            </a:r>
-          </a:p>
-          <a:p>
-            <a:endParaRPr lang="en-US" sz="3600" dirty="0"/>
-          </a:p>
-        </p:txBody>
-      </p:sp>
-      <p:sp>
-        <p:nvSpPr>
-          <p:cNvPr id="4" name="Content Placeholder 3"/>
-          <p:cNvSpPr>
-            <a:spLocks noGrp="1"/>
-          </p:cNvSpPr>
-          <p:nvPr>
-            <p:ph sz="half" idx="2"/>
-          </p:nvPr>
-        </p:nvSpPr>
-        <p:spPr>
-          <a:xfrm>
-            <a:off x="6678115" y="1825625"/>
-            <a:ext cx="5285135" cy="4351338"/>
-          </a:xfrm>
-        </p:spPr>
-        <p:txBody>
-          <a:bodyPr>
-            <a:normAutofit fontScale="70000" lnSpcReduction="20000"/>
-          </a:bodyPr>
-          <a:lstStyle/>
-          <a:p>
-            <a:pPr marL="0" indent="0">
-              <a:buNone/>
-            </a:pPr>
-            <a:r>
-              <a:rPr lang="en-US" dirty="0">
-                <a:latin typeface="Courier"/>
-                <a:cs typeface="Courier"/>
-              </a:rPr>
-              <a:t>18scompd223 ~/research/</a:t>
-            </a:r>
-            <a:r>
-              <a:rPr lang="en-US" dirty="0" err="1">
-                <a:latin typeface="Courier"/>
-                <a:cs typeface="Courier"/>
-              </a:rPr>
-              <a:t>src</a:t>
-            </a:r>
-            <a:r>
-              <a:rPr lang="en-US" dirty="0">
-                <a:latin typeface="Courier"/>
-                <a:cs typeface="Courier"/>
-              </a:rPr>
-              <a:t>/</a:t>
-            </a:r>
-            <a:r>
-              <a:rPr lang="en-US" dirty="0" err="1">
-                <a:latin typeface="Courier"/>
-                <a:cs typeface="Courier"/>
-              </a:rPr>
-              <a:t>BioHEL</a:t>
-            </a:r>
-            <a:r>
-              <a:rPr lang="en-US" dirty="0">
-                <a:latin typeface="Courier"/>
-                <a:cs typeface="Courier"/>
-              </a:rPr>
-              <a:t>-demo/demo $ ../scripts/</a:t>
-            </a:r>
-            <a:r>
-              <a:rPr lang="en-US" dirty="0" err="1">
-                <a:latin typeface="Courier"/>
-                <a:cs typeface="Courier"/>
-              </a:rPr>
-              <a:t>runBioHEL.pl</a:t>
-            </a:r>
-            <a:r>
-              <a:rPr lang="en-US" dirty="0">
-                <a:latin typeface="Courier"/>
-                <a:cs typeface="Courier"/>
-              </a:rPr>
-              <a:t> &amp;</a:t>
-            </a:r>
-          </a:p>
-          <a:p>
-            <a:pPr marL="0" indent="0">
-              <a:buNone/>
-            </a:pPr>
-            <a:r>
-              <a:rPr lang="en-US" dirty="0">
-                <a:latin typeface="Courier"/>
-                <a:cs typeface="Courier"/>
-              </a:rPr>
-              <a:t>[2] 17739</a:t>
-            </a:r>
-          </a:p>
-          <a:p>
-            <a:pPr marL="0" indent="0">
-              <a:buNone/>
-            </a:pPr>
-            <a:r>
-              <a:rPr lang="en-US" dirty="0">
-                <a:latin typeface="Courier"/>
-                <a:cs typeface="Courier"/>
-              </a:rPr>
-              <a:t>18scompd223 ~/research/</a:t>
-            </a:r>
-            <a:r>
-              <a:rPr lang="en-US" dirty="0" err="1">
-                <a:latin typeface="Courier"/>
-                <a:cs typeface="Courier"/>
-              </a:rPr>
-              <a:t>src</a:t>
-            </a:r>
-            <a:r>
-              <a:rPr lang="en-US" dirty="0">
-                <a:latin typeface="Courier"/>
-                <a:cs typeface="Courier"/>
-              </a:rPr>
-              <a:t>/</a:t>
-            </a:r>
-            <a:r>
-              <a:rPr lang="en-US" dirty="0" err="1">
-                <a:latin typeface="Courier"/>
-                <a:cs typeface="Courier"/>
-              </a:rPr>
-              <a:t>BioHEL</a:t>
-            </a:r>
-            <a:r>
-              <a:rPr lang="en-US" dirty="0">
-                <a:latin typeface="Courier"/>
-                <a:cs typeface="Courier"/>
-              </a:rPr>
-              <a:t>-demo/demo $ tail -f </a:t>
-            </a:r>
-            <a:r>
-              <a:rPr lang="en-US" dirty="0" err="1">
-                <a:latin typeface="Courier"/>
-                <a:cs typeface="Courier"/>
-              </a:rPr>
-              <a:t>experiments.log</a:t>
-            </a:r>
-            <a:r>
-              <a:rPr lang="en-US" dirty="0">
-                <a:latin typeface="Courier"/>
-                <a:cs typeface="Courier"/>
-              </a:rPr>
-              <a:t> </a:t>
-            </a:r>
-          </a:p>
-          <a:p>
-            <a:pPr marL="0" indent="0">
-              <a:buNone/>
-            </a:pPr>
-            <a:r>
-              <a:rPr lang="en-US" dirty="0">
-                <a:latin typeface="Courier"/>
-                <a:cs typeface="Courier"/>
-              </a:rPr>
-              <a:t>Fri 12 Jul 12:26:10 BST 2019: Running test1Fold0rep1.out</a:t>
-            </a:r>
-          </a:p>
-          <a:p>
-            <a:pPr marL="0" indent="0">
-              <a:buNone/>
-            </a:pPr>
-            <a:r>
-              <a:rPr lang="en-US" dirty="0">
-                <a:latin typeface="Courier"/>
-                <a:cs typeface="Courier"/>
-              </a:rPr>
-              <a:t>Fri 12 Jul 12:26:10 BST 2019: Running test1Fold0rep2.out</a:t>
-            </a:r>
-          </a:p>
-          <a:p>
-            <a:pPr marL="0" indent="0">
-              <a:buNone/>
-            </a:pPr>
-            <a:r>
-              <a:rPr lang="en-US" dirty="0">
-                <a:latin typeface="Courier"/>
-                <a:cs typeface="Courier"/>
-              </a:rPr>
-              <a:t>Fri 12 Jul 12:26:10 BST 2019: Running test1Fold0rep3.out</a:t>
-            </a:r>
-          </a:p>
-          <a:p>
-            <a:pPr marL="0" indent="0">
-              <a:buNone/>
-            </a:pPr>
-            <a:endParaRPr lang="en-US" dirty="0">
-              <a:latin typeface="Courier"/>
-              <a:cs typeface="Courier"/>
-            </a:endParaRPr>
-          </a:p>
-        </p:txBody>
-      </p:sp>
-    </p:spTree>
-    <p:extLst>
-      <p:ext uri="{BB962C8B-B14F-4D97-AF65-F5344CB8AC3E}">
-        <p14:creationId xmlns:p14="http://schemas.microsoft.com/office/powerpoint/2010/main" val="2116063350"/>
-      </p:ext>
-    </p:extLst>
-  </p:cSld>
-  <p:clrMapOvr>
-    <a:masterClrMapping/>
-  </p:clrMapOvr>
-</p:sld>
-</file>
-
 <file path=ppt/slides/slide9.xml><?xml version="1.0" encoding="utf-8"?>
 <p:sld xmlns:a="http://schemas.openxmlformats.org/drawingml/2006/main" xmlns:r="http://schemas.openxmlformats.org/officeDocument/2006/relationships" xmlns:p="http://schemas.openxmlformats.org/presentationml/2006/main">
   <p:cSld>
@@ -9036,19 +10072,14 @@
             <p:ph type="title"/>
           </p:nvPr>
         </p:nvSpPr>
-        <p:spPr>
-          <a:xfrm>
-            <a:off x="27356" y="160306"/>
-            <a:ext cx="10515600" cy="1325563"/>
-          </a:xfrm>
-        </p:spPr>
+        <p:spPr/>
         <p:txBody>
           <a:bodyPr/>
           <a:lstStyle/>
           <a:p>
             <a:r>
               <a:rPr lang="en-US" dirty="0" smtClean="0"/>
-              <a:t>The experiments have run, what now?</a:t>
+              <a:t>But what if we need to run lots of experiments?</a:t>
             </a:r>
             <a:endParaRPr lang="en-US" dirty="0"/>
           </a:p>
@@ -9066,60 +10097,296 @@
         </p:nvSpPr>
         <p:spPr>
           <a:xfrm>
-            <a:off x="838200" y="1825625"/>
-            <a:ext cx="9704756" cy="4351338"/>
+            <a:off x="838199" y="1825625"/>
+            <a:ext cx="5334619" cy="4351338"/>
           </a:xfrm>
         </p:spPr>
         <p:txBody>
           <a:bodyPr>
-            <a:normAutofit/>
+            <a:normAutofit fontScale="70000" lnSpcReduction="20000"/>
           </a:bodyPr>
           <a:lstStyle/>
           <a:p>
-            <a:pPr marL="514350" indent="-514350">
-              <a:buFont typeface="+mj-lt"/>
-              <a:buAutoNum type="arabicPeriod"/>
-            </a:pPr>
+            <a:r>
+              <a:rPr lang="en-US" sz="3600" dirty="0" smtClean="0"/>
+              <a:t>Script </a:t>
+            </a:r>
+            <a:r>
+              <a:rPr lang="en-US" sz="3600" dirty="0" err="1" smtClean="0"/>
+              <a:t>runBioHEL.pl</a:t>
+            </a:r>
+            <a:endParaRPr lang="en-US" sz="3600" dirty="0" smtClean="0"/>
+          </a:p>
+          <a:p>
+            <a:r>
+              <a:rPr lang="en-US" sz="3600" dirty="0" smtClean="0"/>
+              <a:t>This script will scan the current directory</a:t>
+            </a:r>
+          </a:p>
+          <a:p>
+            <a:pPr lvl="1"/>
+            <a:r>
+              <a:rPr lang="en-US" sz="3200" dirty="0"/>
+              <a:t>F</a:t>
+            </a:r>
             <a:r>
               <a:rPr lang="en-US" sz="3200" dirty="0" smtClean="0"/>
-              <a:t>Extract the rule sets out of the </a:t>
+              <a:t>ind training/test files (prefix </a:t>
+            </a:r>
+            <a:r>
+              <a:rPr lang="en-US" sz="3200" b="1" dirty="0" err="1" smtClean="0"/>
+              <a:t>TrainFold</a:t>
+            </a:r>
+            <a:r>
+              <a:rPr lang="en-US" sz="3200" dirty="0" smtClean="0"/>
+              <a:t> and </a:t>
+            </a:r>
+            <a:r>
+              <a:rPr lang="en-US" sz="3200" b="1" dirty="0" err="1" smtClean="0"/>
+              <a:t>TestFold</a:t>
+            </a:r>
+            <a:endParaRPr lang="en-US" sz="3200" b="1" dirty="0" smtClean="0"/>
+          </a:p>
+          <a:p>
+            <a:pPr lvl="1"/>
+            <a:r>
+              <a:rPr lang="en-US" sz="3200" dirty="0" smtClean="0"/>
+              <a:t>Find </a:t>
             </a:r>
             <a:r>
               <a:rPr lang="en-US" sz="3200" dirty="0" err="1" smtClean="0"/>
+              <a:t>config</a:t>
+            </a:r>
+            <a:r>
+              <a:rPr lang="en-US" sz="3200" dirty="0" smtClean="0"/>
+              <a:t> files (suffix *.</a:t>
+            </a:r>
+            <a:r>
+              <a:rPr lang="en-US" sz="3200" dirty="0" err="1" smtClean="0"/>
+              <a:t>conf</a:t>
+            </a:r>
+            <a:r>
+              <a:rPr lang="en-US" sz="3200" dirty="0" smtClean="0"/>
+              <a:t>)</a:t>
+            </a:r>
+          </a:p>
+          <a:p>
+            <a:r>
+              <a:rPr lang="en-US" sz="3600" dirty="0" smtClean="0"/>
+              <a:t>And with the pre-specified number of repetitions run all combinations of </a:t>
+            </a:r>
+            <a:r>
+              <a:rPr lang="en-US" sz="3600" dirty="0" err="1" smtClean="0"/>
+              <a:t>config</a:t>
+            </a:r>
+            <a:r>
+              <a:rPr lang="en-US" sz="3600" dirty="0" smtClean="0"/>
+              <a:t> files and training/test pairs of files</a:t>
+            </a:r>
+          </a:p>
+          <a:p>
+            <a:r>
+              <a:rPr lang="en-US" sz="3600" dirty="0" smtClean="0"/>
+              <a:t>Also: If you have a multi-core machine you can specify the number of concurrent runs to execute</a:t>
+            </a:r>
+          </a:p>
+          <a:p>
+            <a:endParaRPr lang="en-US" sz="3600" dirty="0"/>
+          </a:p>
+        </p:txBody>
+      </p:sp>
+      <p:sp>
+        <p:nvSpPr>
+          <p:cNvPr id="4" name="Content Placeholder 3"/>
+          <p:cNvSpPr>
+            <a:spLocks noGrp="1"/>
+          </p:cNvSpPr>
+          <p:nvPr>
+            <p:ph sz="half" idx="2"/>
+          </p:nvPr>
+        </p:nvSpPr>
+        <p:spPr>
+          <a:xfrm>
+            <a:off x="6678115" y="1825625"/>
+            <a:ext cx="5285135" cy="4351338"/>
+          </a:xfrm>
+        </p:spPr>
+        <p:txBody>
+          <a:bodyPr>
+            <a:normAutofit fontScale="70000" lnSpcReduction="20000"/>
+          </a:bodyPr>
+          <a:lstStyle/>
+          <a:p>
+            <a:pPr marL="0" indent="0">
+              <a:buNone/>
+            </a:pPr>
+            <a:r>
+              <a:rPr lang="en-US" dirty="0">
+                <a:latin typeface="Courier"/>
+                <a:cs typeface="Courier"/>
+              </a:rPr>
+              <a:t>18scompd223 ~/research/</a:t>
+            </a:r>
+            <a:r>
+              <a:rPr lang="en-US" dirty="0" err="1">
+                <a:latin typeface="Courier"/>
+                <a:cs typeface="Courier"/>
+              </a:rPr>
+              <a:t>src</a:t>
+            </a:r>
+            <a:r>
+              <a:rPr lang="en-US" dirty="0">
+                <a:latin typeface="Courier"/>
+                <a:cs typeface="Courier"/>
+              </a:rPr>
+              <a:t>/</a:t>
+            </a:r>
+            <a:r>
+              <a:rPr lang="en-US" dirty="0" err="1">
+                <a:latin typeface="Courier"/>
+                <a:cs typeface="Courier"/>
+              </a:rPr>
               <a:t>BioHEL</a:t>
             </a:r>
             <a:r>
-              <a:rPr lang="en-US" sz="3200" dirty="0" smtClean="0"/>
-              <a:t> output files</a:t>
-            </a:r>
-          </a:p>
-          <a:p>
-            <a:pPr marL="514350" indent="-514350">
-              <a:buFont typeface="+mj-lt"/>
-              <a:buAutoNum type="arabicPeriod"/>
-            </a:pPr>
-            <a:r>
-              <a:rPr lang="en-US" sz="3200" dirty="0" smtClean="0"/>
-              <a:t>Use all of these rule sets as an ensemble and predict again all samples of the test set</a:t>
-            </a:r>
-          </a:p>
-          <a:p>
-            <a:pPr marL="514350" indent="-514350">
-              <a:buFont typeface="+mj-lt"/>
-              <a:buAutoNum type="arabicPeriod"/>
-            </a:pPr>
-            <a:r>
-              <a:rPr lang="en-US" sz="3200" dirty="0" smtClean="0"/>
-              <a:t>Compute the predictive performance/confusion matrix of these test predictions</a:t>
-            </a:r>
-            <a:endParaRPr lang="en-US" sz="3200" dirty="0"/>
+              <a:rPr lang="en-US" dirty="0">
+                <a:latin typeface="Courier"/>
+                <a:cs typeface="Courier"/>
+              </a:rPr>
+              <a:t>-demo/demo $ ../scripts/</a:t>
+            </a:r>
+            <a:r>
+              <a:rPr lang="en-US" dirty="0" err="1">
+                <a:latin typeface="Courier"/>
+                <a:cs typeface="Courier"/>
+              </a:rPr>
+              <a:t>runBioHEL.pl</a:t>
+            </a:r>
+            <a:r>
+              <a:rPr lang="en-US" dirty="0">
+                <a:latin typeface="Courier"/>
+                <a:cs typeface="Courier"/>
+              </a:rPr>
+              <a:t> &amp;</a:t>
+            </a:r>
+          </a:p>
+          <a:p>
+            <a:pPr marL="0" indent="0">
+              <a:buNone/>
+            </a:pPr>
+            <a:r>
+              <a:rPr lang="en-US" dirty="0">
+                <a:latin typeface="Courier"/>
+                <a:cs typeface="Courier"/>
+              </a:rPr>
+              <a:t>[2] 17739</a:t>
+            </a:r>
+          </a:p>
+          <a:p>
+            <a:pPr marL="0" indent="0">
+              <a:buNone/>
+            </a:pPr>
+            <a:r>
+              <a:rPr lang="en-US" dirty="0">
+                <a:latin typeface="Courier"/>
+                <a:cs typeface="Courier"/>
+              </a:rPr>
+              <a:t>18scompd223 ~/research/</a:t>
+            </a:r>
+            <a:r>
+              <a:rPr lang="en-US" dirty="0" err="1">
+                <a:latin typeface="Courier"/>
+                <a:cs typeface="Courier"/>
+              </a:rPr>
+              <a:t>src</a:t>
+            </a:r>
+            <a:r>
+              <a:rPr lang="en-US" dirty="0">
+                <a:latin typeface="Courier"/>
+                <a:cs typeface="Courier"/>
+              </a:rPr>
+              <a:t>/</a:t>
+            </a:r>
+            <a:r>
+              <a:rPr lang="en-US" dirty="0" err="1">
+                <a:latin typeface="Courier"/>
+                <a:cs typeface="Courier"/>
+              </a:rPr>
+              <a:t>BioHEL</a:t>
+            </a:r>
+            <a:r>
+              <a:rPr lang="en-US" dirty="0">
+                <a:latin typeface="Courier"/>
+                <a:cs typeface="Courier"/>
+              </a:rPr>
+              <a:t>-demo/demo $ tail -f </a:t>
+            </a:r>
+            <a:r>
+              <a:rPr lang="en-US" dirty="0" err="1">
+                <a:latin typeface="Courier"/>
+                <a:cs typeface="Courier"/>
+              </a:rPr>
+              <a:t>experiments.log</a:t>
+            </a:r>
+            <a:r>
+              <a:rPr lang="en-US" dirty="0">
+                <a:latin typeface="Courier"/>
+                <a:cs typeface="Courier"/>
+              </a:rPr>
+              <a:t> </a:t>
+            </a:r>
+          </a:p>
+          <a:p>
+            <a:pPr marL="0" indent="0">
+              <a:buNone/>
+            </a:pPr>
+            <a:r>
+              <a:rPr lang="en-US" dirty="0">
+                <a:latin typeface="Courier"/>
+                <a:cs typeface="Courier"/>
+              </a:rPr>
+              <a:t>Fri 12 Jul 12:26:10 BST 2019: Running test1Fold0rep1.out</a:t>
+            </a:r>
+          </a:p>
+          <a:p>
+            <a:pPr marL="0" indent="0">
+              <a:buNone/>
+            </a:pPr>
+            <a:r>
+              <a:rPr lang="en-US" dirty="0">
+                <a:latin typeface="Courier"/>
+                <a:cs typeface="Courier"/>
+              </a:rPr>
+              <a:t>Fri 12 Jul 12:26:10 BST 2019: Running test1Fold0rep2.out</a:t>
+            </a:r>
+          </a:p>
+          <a:p>
+            <a:pPr marL="0" indent="0">
+              <a:buNone/>
+            </a:pPr>
+            <a:r>
+              <a:rPr lang="en-US" dirty="0">
+                <a:latin typeface="Courier"/>
+                <a:cs typeface="Courier"/>
+              </a:rPr>
+              <a:t>Fri 12 Jul 12:26:10 BST 2019: Running test1Fold0rep3.out</a:t>
+            </a:r>
+          </a:p>
+          <a:p>
+            <a:pPr marL="0" indent="0">
+              <a:buNone/>
+            </a:pPr>
+            <a:endParaRPr lang="en-US" dirty="0">
+              <a:latin typeface="Courier"/>
+              <a:cs typeface="Courier"/>
+            </a:endParaRPr>
           </a:p>
         </p:txBody>
       </p:sp>
     </p:spTree>
     <p:extLst>
       <p:ext uri="{BB962C8B-B14F-4D97-AF65-F5344CB8AC3E}">
-        <p14:creationId xmlns:p14="http://schemas.microsoft.com/office/powerpoint/2010/main" val="1045534884"/>
+        <p14:creationId xmlns:p14="http://schemas.microsoft.com/office/powerpoint/2010/main" val="2116063350"/>
       </p:ext>
     </p:extLst>
   </p:cSld>
@@ -9418,7 +10685,7 @@
   <a:extraClrSchemeLst/>
   <a:extLst>
     <a:ext uri="{05A4C25C-085E-4340-85A3-A5531E510DB2}">
-      <thm15:themeFamily xmlns:thm15="http://schemas.microsoft.com/office/thememl/2012/main" xmlns="" name="Office Theme" id="{62F939B6-93AF-4DB8-9C6B-D6C7DFDC589F}" vid="{4A3C46E8-61CC-4603-A589-7422A47A8E4A}"/>
+      <thm15:themeFamily xmlns="" xmlns:thm15="http://schemas.microsoft.com/office/thememl/2012/main" name="Office Theme" id="{62F939B6-93AF-4DB8-9C6B-D6C7DFDC589F}" vid="{4A3C46E8-61CC-4603-A589-7422A47A8E4A}"/>
     </a:ext>
   </a:extLst>
 </a:theme>
